--- a/First review.pptx
+++ b/First review.pptx
@@ -142,7 +142,7 @@
   </p:defaultTextStyle>
   <p:extLst>
     <p:ext uri="{EFAFB233-063F-42B5-8137-9DF3F51BA10A}">
-      <p15:sldGuideLst xmlns:p15="http://schemas.microsoft.com/office/powerpoint/2012/main" xmlns="">
+      <p15:sldGuideLst xmlns:p15="http://schemas.microsoft.com/office/powerpoint/2012/main">
         <p15:guide id="1" orient="horz" pos="2160">
           <p15:clr>
             <a:srgbClr val="A4A3A4"/>
@@ -156,7 +156,7 @@
       </p15:sldGuideLst>
     </p:ext>
     <p:ext uri="{2D200454-40CA-4A62-9FC3-DE9A4176ACB9}">
-      <p15:notesGuideLst xmlns:p15="http://schemas.microsoft.com/office/powerpoint/2012/main" xmlns=""/>
+      <p15:notesGuideLst xmlns:p15="http://schemas.microsoft.com/office/powerpoint/2012/main"/>
     </p:ext>
   </p:extLst>
 </p:presentation>
@@ -245,7 +245,7 @@
             <a:fld id="{DDEE2A0B-86E8-46AD-8D7A-6254762C9557}" type="datetimeFigureOut">
               <a:rPr lang="en-US" smtClean="0"/>
               <a:pPr/>
-              <a:t>8/15/2025</a:t>
+              <a:t>8/18/2025</a:t>
             </a:fld>
             <a:endParaRPr lang="en-US"/>
           </a:p>
@@ -321,7 +321,7 @@
     </p:spTree>
     <p:extLst>
       <p:ext uri="{BB962C8B-B14F-4D97-AF65-F5344CB8AC3E}">
-        <p14:creationId xmlns:p14="http://schemas.microsoft.com/office/powerpoint/2010/main" xmlns="" val="2216672533"/>
+        <p14:creationId xmlns:p14="http://schemas.microsoft.com/office/powerpoint/2010/main" val="2216672533"/>
       </p:ext>
     </p:extLst>
   </p:cSld>
@@ -412,7 +412,7 @@
             <a:fld id="{C0B6C269-8C4E-4E0E-A28B-ACFB6E786E0F}" type="datetimeFigureOut">
               <a:rPr lang="en-US" smtClean="0"/>
               <a:pPr/>
-              <a:t>8/15/2025</a:t>
+              <a:t>8/18/2025</a:t>
             </a:fld>
             <a:endParaRPr lang="en-US"/>
           </a:p>
@@ -752,7 +752,7 @@
     </p:spTree>
     <p:extLst>
       <p:ext uri="{BB962C8B-B14F-4D97-AF65-F5344CB8AC3E}">
-        <p14:creationId xmlns:p14="http://schemas.microsoft.com/office/powerpoint/2010/main" xmlns="" val="1032421955"/>
+        <p14:creationId xmlns:p14="http://schemas.microsoft.com/office/powerpoint/2010/main" val="1032421955"/>
       </p:ext>
     </p:extLst>
   </p:cSld>
@@ -958,7 +958,7 @@
             <a:fld id="{5484D9CC-97E9-43D0-9C0A-B38B6ADA7531}" type="datetime1">
               <a:rPr lang="en-US" smtClean="0"/>
               <a:pPr/>
-              <a:t>8/15/2025</a:t>
+              <a:t>8/18/2025</a:t>
             </a:fld>
             <a:endParaRPr lang="en-US"/>
           </a:p>
@@ -1218,7 +1218,7 @@
             <a:fld id="{839A784A-D693-4B8B-8783-5F012B24800D}" type="datetime1">
               <a:rPr lang="en-US" smtClean="0"/>
               <a:pPr/>
-              <a:t>8/15/2025</a:t>
+              <a:t>8/18/2025</a:t>
             </a:fld>
             <a:endParaRPr lang="en-US"/>
           </a:p>
@@ -1394,7 +1394,7 @@
             <a:fld id="{CFA275D0-4AC1-4B77-8D20-030A30032762}" type="datetime1">
               <a:rPr lang="en-US" smtClean="0"/>
               <a:pPr/>
-              <a:t>8/15/2025</a:t>
+              <a:t>8/18/2025</a:t>
             </a:fld>
             <a:endParaRPr lang="en-US"/>
           </a:p>
@@ -1580,7 +1580,7 @@
             <a:fld id="{E464FA7C-9124-49C9-8D4B-6BB473ACFAEB}" type="datetime1">
               <a:rPr lang="en-US" smtClean="0"/>
               <a:pPr/>
-              <a:t>8/15/2025</a:t>
+              <a:t>8/18/2025</a:t>
             </a:fld>
             <a:endParaRPr lang="en-US"/>
           </a:p>
@@ -2154,7 +2154,7 @@
     </p:spTree>
     <p:extLst>
       <p:ext uri="{BB962C8B-B14F-4D97-AF65-F5344CB8AC3E}">
-        <p14:creationId xmlns:p14="http://schemas.microsoft.com/office/powerpoint/2010/main" xmlns="" val="4005853219"/>
+        <p14:creationId xmlns:p14="http://schemas.microsoft.com/office/powerpoint/2010/main" val="4005853219"/>
       </p:ext>
     </p:extLst>
   </p:cSld>
@@ -2357,7 +2357,7 @@
             <a:fld id="{CDBD8763-1223-4E1C-9348-E4479451FFA2}" type="datetime1">
               <a:rPr lang="en-US" smtClean="0"/>
               <a:pPr/>
-              <a:t>8/15/2025</a:t>
+              <a:t>8/18/2025</a:t>
             </a:fld>
             <a:endParaRPr lang="en-US"/>
           </a:p>
@@ -2650,7 +2650,7 @@
             <a:fld id="{853A3728-E260-4992-8842-3C089F6C3D88}" type="datetime1">
               <a:rPr lang="en-US" smtClean="0"/>
               <a:pPr/>
-              <a:t>8/15/2025</a:t>
+              <a:t>8/18/2025</a:t>
             </a:fld>
             <a:endParaRPr lang="en-US"/>
           </a:p>
@@ -3077,7 +3077,7 @@
             <a:fld id="{163DE32F-317A-4950-B3B6-7B500923F79A}" type="datetime1">
               <a:rPr lang="en-US" smtClean="0"/>
               <a:pPr/>
-              <a:t>8/15/2025</a:t>
+              <a:t>8/18/2025</a:t>
             </a:fld>
             <a:endParaRPr lang="en-US"/>
           </a:p>
@@ -3202,7 +3202,7 @@
             <a:fld id="{CA1D3D62-0C66-4F15-9588-8CB96F41B0D1}" type="datetime1">
               <a:rPr lang="en-US" smtClean="0"/>
               <a:pPr/>
-              <a:t>8/15/2025</a:t>
+              <a:t>8/18/2025</a:t>
             </a:fld>
             <a:endParaRPr lang="en-US"/>
           </a:p>
@@ -3305,7 +3305,7 @@
             <a:fld id="{3976A512-578D-4C36-9299-7E9D9DEF4439}" type="datetime1">
               <a:rPr lang="en-US" smtClean="0"/>
               <a:pPr/>
-              <a:t>8/15/2025</a:t>
+              <a:t>8/18/2025</a:t>
             </a:fld>
             <a:endParaRPr lang="en-US"/>
           </a:p>
@@ -3588,7 +3588,7 @@
             <a:fld id="{E5A72B38-B580-4B82-B7C4-B42B85713C86}" type="datetime1">
               <a:rPr lang="en-US" smtClean="0"/>
               <a:pPr/>
-              <a:t>8/15/2025</a:t>
+              <a:t>8/18/2025</a:t>
             </a:fld>
             <a:endParaRPr lang="en-US"/>
           </a:p>
@@ -4450,7 +4450,7 @@
           <a:p>
             <a:pPr lvl="0"/>
             <a:r>
-              <a:rPr lang="en-US" sz="2200" dirty="0" smtClean="0">
+              <a:rPr lang="en-US" sz="2200" dirty="0">
                 <a:solidFill>
                   <a:srgbClr val="000000"/>
                 </a:solidFill>
@@ -4458,10 +4458,13 @@
                 <a:cs typeface="Times New Roman"/>
                 <a:sym typeface="Times New Roman"/>
               </a:rPr>
-              <a:t>Customer </a:t>
+              <a:t>Customer Module</a:t>
             </a:r>
+          </a:p>
+          <a:p>
+            <a:pPr lvl="0"/>
             <a:r>
-              <a:rPr lang="en-US" sz="2200" dirty="0" smtClean="0">
+              <a:rPr lang="en-US" sz="2200" dirty="0">
                 <a:solidFill>
                   <a:srgbClr val="000000"/>
                 </a:solidFill>
@@ -4469,13 +4472,13 @@
                 <a:cs typeface="Times New Roman"/>
                 <a:sym typeface="Times New Roman"/>
               </a:rPr>
-              <a:t>Module</a:t>
+              <a:t>Register, log in, and manage profile details.</a:t>
             </a:r>
           </a:p>
           <a:p>
             <a:pPr lvl="0"/>
             <a:r>
-              <a:rPr lang="en-US" sz="2200" dirty="0" smtClean="0">
+              <a:rPr lang="en-US" sz="2200" dirty="0">
                 <a:solidFill>
                   <a:srgbClr val="000000"/>
                 </a:solidFill>
@@ -4483,10 +4486,13 @@
                 <a:cs typeface="Times New Roman"/>
                 <a:sym typeface="Times New Roman"/>
               </a:rPr>
-              <a:t>Register</a:t>
+              <a:t>Search salons using filters like location, price, service type, and ratings.</a:t>
             </a:r>
+          </a:p>
+          <a:p>
+            <a:pPr lvl="0"/>
             <a:r>
-              <a:rPr lang="en-US" sz="2200" dirty="0" smtClean="0">
+              <a:rPr lang="en-US" sz="2200" dirty="0">
                 <a:solidFill>
                   <a:srgbClr val="000000"/>
                 </a:solidFill>
@@ -4494,13 +4500,13 @@
                 <a:cs typeface="Times New Roman"/>
                 <a:sym typeface="Times New Roman"/>
               </a:rPr>
-              <a:t>, log in, and manage profile details.</a:t>
+              <a:t>View salon details, available time slots, and service information.</a:t>
             </a:r>
           </a:p>
           <a:p>
             <a:pPr lvl="0"/>
             <a:r>
-              <a:rPr lang="en-US" sz="2200" dirty="0" smtClean="0">
+              <a:rPr lang="en-US" sz="2200" dirty="0">
                 <a:solidFill>
                   <a:srgbClr val="000000"/>
                 </a:solidFill>
@@ -4508,10 +4514,13 @@
                 <a:cs typeface="Times New Roman"/>
                 <a:sym typeface="Times New Roman"/>
               </a:rPr>
-              <a:t>Search </a:t>
+              <a:t>Book, reschedule, or cancel appointments.</a:t>
             </a:r>
+          </a:p>
+          <a:p>
+            <a:pPr lvl="0"/>
             <a:r>
-              <a:rPr lang="en-US" sz="2200" dirty="0" smtClean="0">
+              <a:rPr lang="en-US" sz="2200" dirty="0">
                 <a:solidFill>
                   <a:srgbClr val="000000"/>
                 </a:solidFill>
@@ -4519,13 +4528,13 @@
                 <a:cs typeface="Times New Roman"/>
                 <a:sym typeface="Times New Roman"/>
               </a:rPr>
-              <a:t>salons using filters like location, price, service type, and ratings.</a:t>
+              <a:t>View booking history and receive notifications/reminders.</a:t>
             </a:r>
           </a:p>
           <a:p>
             <a:pPr lvl="0"/>
             <a:r>
-              <a:rPr lang="en-US" sz="2200" dirty="0" smtClean="0">
+              <a:rPr lang="en-US" sz="2200" dirty="0">
                 <a:solidFill>
                   <a:srgbClr val="000000"/>
                 </a:solidFill>
@@ -4533,98 +4542,12 @@
                 <a:cs typeface="Times New Roman"/>
                 <a:sym typeface="Times New Roman"/>
               </a:rPr>
-              <a:t>View </a:t>
+              <a:t>Give feedback and ratings for services.</a:t>
             </a:r>
-            <a:r>
-              <a:rPr lang="en-US" sz="2200" dirty="0" smtClean="0">
-                <a:solidFill>
-                  <a:srgbClr val="000000"/>
-                </a:solidFill>
-                <a:ea typeface="Times New Roman"/>
-                <a:cs typeface="Times New Roman"/>
-                <a:sym typeface="Times New Roman"/>
-              </a:rPr>
-              <a:t>salon details, available time slots, and service information.</a:t>
-            </a:r>
           </a:p>
           <a:p>
             <a:pPr lvl="0"/>
-            <a:r>
-              <a:rPr lang="en-US" sz="2200" dirty="0" smtClean="0">
-                <a:solidFill>
-                  <a:srgbClr val="000000"/>
-                </a:solidFill>
-                <a:ea typeface="Times New Roman"/>
-                <a:cs typeface="Times New Roman"/>
-                <a:sym typeface="Times New Roman"/>
-              </a:rPr>
-              <a:t>Book</a:t>
-            </a:r>
-            <a:r>
-              <a:rPr lang="en-US" sz="2200" dirty="0" smtClean="0">
-                <a:solidFill>
-                  <a:srgbClr val="000000"/>
-                </a:solidFill>
-                <a:ea typeface="Times New Roman"/>
-                <a:cs typeface="Times New Roman"/>
-                <a:sym typeface="Times New Roman"/>
-              </a:rPr>
-              <a:t>, reschedule, or cancel appointments.</a:t>
-            </a:r>
-          </a:p>
-          <a:p>
-            <a:pPr lvl="0"/>
-            <a:r>
-              <a:rPr lang="en-US" sz="2200" dirty="0" smtClean="0">
-                <a:solidFill>
-                  <a:srgbClr val="000000"/>
-                </a:solidFill>
-                <a:ea typeface="Times New Roman"/>
-                <a:cs typeface="Times New Roman"/>
-                <a:sym typeface="Times New Roman"/>
-              </a:rPr>
-              <a:t>View </a:t>
-            </a:r>
-            <a:r>
-              <a:rPr lang="en-US" sz="2200" dirty="0" smtClean="0">
-                <a:solidFill>
-                  <a:srgbClr val="000000"/>
-                </a:solidFill>
-                <a:ea typeface="Times New Roman"/>
-                <a:cs typeface="Times New Roman"/>
-                <a:sym typeface="Times New Roman"/>
-              </a:rPr>
-              <a:t>booking history and receive notifications/reminders.</a:t>
-            </a:r>
-          </a:p>
-          <a:p>
-            <a:pPr lvl="0"/>
-            <a:r>
-              <a:rPr lang="en-US" sz="2200" dirty="0" smtClean="0">
-                <a:solidFill>
-                  <a:srgbClr val="000000"/>
-                </a:solidFill>
-                <a:ea typeface="Times New Roman"/>
-                <a:cs typeface="Times New Roman"/>
-                <a:sym typeface="Times New Roman"/>
-              </a:rPr>
-              <a:t>Give </a:t>
-            </a:r>
-            <a:r>
-              <a:rPr lang="en-US" sz="2200" dirty="0" smtClean="0">
-                <a:solidFill>
-                  <a:srgbClr val="000000"/>
-                </a:solidFill>
-                <a:ea typeface="Times New Roman"/>
-                <a:cs typeface="Times New Roman"/>
-                <a:sym typeface="Times New Roman"/>
-              </a:rPr>
-              <a:t>feedback and ratings for services.</a:t>
-            </a:r>
-          </a:p>
-          <a:p>
-            <a:pPr lvl="0"/>
-            <a:endParaRPr lang="en-US" sz="2200" dirty="0" smtClean="0">
+            <a:endParaRPr lang="en-US" sz="2200" dirty="0">
               <a:solidFill>
                 <a:srgbClr val="000000"/>
               </a:solidFill>
@@ -4636,7 +4559,7 @@
           <a:p>
             <a:pPr lvl="0"/>
             <a:r>
-              <a:rPr lang="en-US" sz="2200" dirty="0" smtClean="0">
+              <a:rPr lang="en-US" sz="2200" dirty="0">
                 <a:solidFill>
                   <a:srgbClr val="000000"/>
                 </a:solidFill>
@@ -4650,7 +4573,7 @@
           <a:p>
             <a:pPr lvl="0"/>
             <a:r>
-              <a:rPr lang="en-US" sz="2200" dirty="0" smtClean="0">
+              <a:rPr lang="en-US" sz="2200" dirty="0">
                 <a:solidFill>
                   <a:srgbClr val="000000"/>
                 </a:solidFill>
@@ -4658,10 +4581,13 @@
                 <a:cs typeface="Times New Roman"/>
                 <a:sym typeface="Times New Roman"/>
               </a:rPr>
-              <a:t>Register </a:t>
+              <a:t>Register salon with details and required documents.</a:t>
             </a:r>
+          </a:p>
+          <a:p>
+            <a:pPr lvl="0"/>
             <a:r>
-              <a:rPr lang="en-US" sz="2200" dirty="0" smtClean="0">
+              <a:rPr lang="en-US" sz="2200" dirty="0">
                 <a:solidFill>
                   <a:srgbClr val="000000"/>
                 </a:solidFill>
@@ -4669,13 +4595,13 @@
                 <a:cs typeface="Times New Roman"/>
                 <a:sym typeface="Times New Roman"/>
               </a:rPr>
-              <a:t>salon with details and required documents.</a:t>
+              <a:t>Add, edit, or remove services with pricing, duration, and images.</a:t>
             </a:r>
           </a:p>
           <a:p>
             <a:pPr lvl="0"/>
             <a:r>
-              <a:rPr lang="en-US" sz="2200" dirty="0" smtClean="0">
+              <a:rPr lang="en-US" sz="2200" dirty="0">
                 <a:solidFill>
                   <a:srgbClr val="000000"/>
                 </a:solidFill>
@@ -4683,21 +4609,10 @@
                 <a:cs typeface="Times New Roman"/>
                 <a:sym typeface="Times New Roman"/>
               </a:rPr>
-              <a:t>Add</a:t>
+              <a:t>Manage staff profiles, work schedules, and availability</a:t>
             </a:r>
             <a:r>
-              <a:rPr lang="en-US" sz="2200" dirty="0" smtClean="0">
-                <a:solidFill>
-                  <a:srgbClr val="000000"/>
-                </a:solidFill>
-                <a:ea typeface="Times New Roman"/>
-                <a:cs typeface="Times New Roman"/>
-                <a:sym typeface="Times New Roman"/>
-              </a:rPr>
-              <a:t>, edit, or remove services with pricing, duration, and images</a:t>
-            </a:r>
-            <a:r>
-              <a:rPr lang="en-US" sz="2200" dirty="0" smtClean="0">
+              <a:rPr lang="en-US" sz="2400" dirty="0">
                 <a:solidFill>
                   <a:srgbClr val="000000"/>
                 </a:solidFill>
@@ -4707,43 +4622,7 @@
               </a:rPr>
               <a:t>.</a:t>
             </a:r>
-          </a:p>
-          <a:p>
-            <a:pPr lvl="0"/>
-            <a:r>
-              <a:rPr lang="en-US" sz="2200" dirty="0" smtClean="0">
-                <a:solidFill>
-                  <a:srgbClr val="000000"/>
-                </a:solidFill>
-                <a:ea typeface="Times New Roman"/>
-                <a:cs typeface="Times New Roman"/>
-                <a:sym typeface="Times New Roman"/>
-              </a:rPr>
-              <a:t>Manage staff profiles, work schedules, and </a:t>
-            </a:r>
-            <a:r>
-              <a:rPr lang="en-US" sz="2200" dirty="0" smtClean="0">
-                <a:solidFill>
-                  <a:srgbClr val="000000"/>
-                </a:solidFill>
-                <a:ea typeface="Times New Roman"/>
-                <a:cs typeface="Times New Roman"/>
-                <a:sym typeface="Times New Roman"/>
-              </a:rPr>
-              <a:t>availability</a:t>
-            </a:r>
-            <a:r>
-              <a:rPr lang="en-US" sz="2400" dirty="0" smtClean="0">
-                <a:solidFill>
-                  <a:srgbClr val="000000"/>
-                </a:solidFill>
-                <a:ea typeface="Times New Roman"/>
-                <a:cs typeface="Times New Roman"/>
-                <a:sym typeface="Times New Roman"/>
-              </a:rPr>
-              <a:t>.</a:t>
-            </a:r>
-            <a:endParaRPr lang="en-US" sz="2200" dirty="0" smtClean="0">
+            <a:endParaRPr lang="en-US" sz="2200" dirty="0">
               <a:solidFill>
                 <a:srgbClr val="000000"/>
               </a:solidFill>
@@ -4845,7 +4724,7 @@
           <a:lstStyle/>
           <a:p>
             <a:r>
-              <a:rPr lang="en" dirty="0" smtClean="0"/>
+              <a:rPr lang="en" dirty="0"/>
               <a:t>MODULE DESCRIPTION</a:t>
             </a:r>
             <a:endParaRPr lang="en-US" dirty="0"/>
@@ -4871,7 +4750,7 @@
           <a:p>
             <a:pPr lvl="0"/>
             <a:r>
-              <a:rPr lang="en-US" sz="2000" dirty="0" smtClean="0">
+              <a:rPr lang="en-US" sz="2000" dirty="0">
                 <a:solidFill>
                   <a:srgbClr val="000000"/>
                 </a:solidFill>
@@ -4879,10 +4758,13 @@
                 <a:cs typeface="Times New Roman"/>
                 <a:sym typeface="Times New Roman"/>
               </a:rPr>
-              <a:t>Approve</a:t>
+              <a:t>Approve, reschedule, or cancel bookings.</a:t>
             </a:r>
+          </a:p>
+          <a:p>
+            <a:pPr lvl="0"/>
             <a:r>
-              <a:rPr lang="en-US" sz="2000" dirty="0" smtClean="0">
+              <a:rPr lang="en-US" sz="2000" dirty="0">
                 <a:solidFill>
                   <a:srgbClr val="000000"/>
                 </a:solidFill>
@@ -4890,37 +4772,12 @@
                 <a:cs typeface="Times New Roman"/>
                 <a:sym typeface="Times New Roman"/>
               </a:rPr>
-              <a:t>, reschedule, or cancel bookings.</a:t>
+              <a:t>View and respond to customer feedback and ratings.</a:t>
             </a:r>
           </a:p>
           <a:p>
             <a:pPr lvl="0"/>
-            <a:r>
-              <a:rPr lang="en-US" sz="2000" dirty="0" smtClean="0">
-                <a:solidFill>
-                  <a:srgbClr val="000000"/>
-                </a:solidFill>
-                <a:ea typeface="Times New Roman"/>
-                <a:cs typeface="Times New Roman"/>
-                <a:sym typeface="Times New Roman"/>
-              </a:rPr>
-              <a:t>View </a:t>
-            </a:r>
-            <a:r>
-              <a:rPr lang="en-US" sz="2000" dirty="0" smtClean="0">
-                <a:solidFill>
-                  <a:srgbClr val="000000"/>
-                </a:solidFill>
-                <a:ea typeface="Times New Roman"/>
-                <a:cs typeface="Times New Roman"/>
-                <a:sym typeface="Times New Roman"/>
-              </a:rPr>
-              <a:t>and respond to customer feedback and ratings.</a:t>
-            </a:r>
-          </a:p>
-          <a:p>
-            <a:pPr lvl="0"/>
-            <a:endParaRPr lang="en-US" sz="2000" dirty="0" smtClean="0">
+            <a:endParaRPr lang="en-US" sz="2000" dirty="0">
               <a:solidFill>
                 <a:srgbClr val="000000"/>
               </a:solidFill>
@@ -4932,7 +4789,7 @@
           <a:p>
             <a:pPr lvl="0"/>
             <a:r>
-              <a:rPr lang="en-US" sz="2000" dirty="0" smtClean="0">
+              <a:rPr lang="en-US" sz="2000" dirty="0">
                 <a:solidFill>
                   <a:srgbClr val="000000"/>
                 </a:solidFill>
@@ -4946,7 +4803,7 @@
           <a:p>
             <a:pPr lvl="0"/>
             <a:r>
-              <a:rPr lang="en-US" sz="2000" dirty="0" smtClean="0">
+              <a:rPr lang="en-US" sz="2000" dirty="0">
                 <a:solidFill>
                   <a:srgbClr val="000000"/>
                 </a:solidFill>
@@ -4954,10 +4811,13 @@
                 <a:cs typeface="Times New Roman"/>
                 <a:sym typeface="Times New Roman"/>
               </a:rPr>
-              <a:t>Secure </a:t>
+              <a:t>Secure login to access the admin dashboard.</a:t>
             </a:r>
+          </a:p>
+          <a:p>
+            <a:pPr lvl="0"/>
             <a:r>
-              <a:rPr lang="en-US" sz="2000" dirty="0" smtClean="0">
+              <a:rPr lang="en-US" sz="2000" dirty="0">
                 <a:solidFill>
                   <a:srgbClr val="000000"/>
                 </a:solidFill>
@@ -4965,13 +4825,13 @@
                 <a:cs typeface="Times New Roman"/>
                 <a:sym typeface="Times New Roman"/>
               </a:rPr>
-              <a:t>login to access the admin dashboard.</a:t>
+              <a:t>Approve or reject salon registrations.</a:t>
             </a:r>
           </a:p>
           <a:p>
             <a:pPr lvl="0"/>
             <a:r>
-              <a:rPr lang="en-US" sz="2000" dirty="0" smtClean="0">
+              <a:rPr lang="en-US" sz="2000" dirty="0">
                 <a:solidFill>
                   <a:srgbClr val="000000"/>
                 </a:solidFill>
@@ -4979,10 +4839,13 @@
                 <a:cs typeface="Times New Roman"/>
                 <a:sym typeface="Times New Roman"/>
               </a:rPr>
-              <a:t>Approve </a:t>
+              <a:t>Manage customer and salon owner accounts.</a:t>
             </a:r>
+          </a:p>
+          <a:p>
+            <a:pPr lvl="0"/>
             <a:r>
-              <a:rPr lang="en-US" sz="2000" dirty="0" smtClean="0">
+              <a:rPr lang="en-US" sz="2000" dirty="0">
                 <a:solidFill>
                   <a:srgbClr val="000000"/>
                 </a:solidFill>
@@ -4990,13 +4853,13 @@
                 <a:cs typeface="Times New Roman"/>
                 <a:sym typeface="Times New Roman"/>
               </a:rPr>
-              <a:t>or reject salon registrations.</a:t>
+              <a:t>Detect and prevent booking conflicts.</a:t>
             </a:r>
           </a:p>
           <a:p>
             <a:pPr lvl="0"/>
             <a:r>
-              <a:rPr lang="en-US" sz="2000" dirty="0" smtClean="0">
+              <a:rPr lang="en-US" sz="2000" dirty="0">
                 <a:solidFill>
                   <a:srgbClr val="000000"/>
                 </a:solidFill>
@@ -5004,10 +4867,13 @@
                 <a:cs typeface="Times New Roman"/>
                 <a:sym typeface="Times New Roman"/>
               </a:rPr>
-              <a:t>Manage </a:t>
+              <a:t>View analytics, service trends, and platform performance.</a:t>
             </a:r>
+          </a:p>
+          <a:p>
+            <a:pPr lvl="0"/>
             <a:r>
-              <a:rPr lang="en-US" sz="2000" dirty="0" smtClean="0">
+              <a:rPr lang="en-US" sz="2000" dirty="0">
                 <a:solidFill>
                   <a:srgbClr val="000000"/>
                 </a:solidFill>
@@ -5015,82 +4881,7 @@
                 <a:cs typeface="Times New Roman"/>
                 <a:sym typeface="Times New Roman"/>
               </a:rPr>
-              <a:t>customer and salon owner accounts.</a:t>
-            </a:r>
-          </a:p>
-          <a:p>
-            <a:pPr lvl="0"/>
-            <a:r>
-              <a:rPr lang="en-US" sz="2000" dirty="0" smtClean="0">
-                <a:solidFill>
-                  <a:srgbClr val="000000"/>
-                </a:solidFill>
-                <a:ea typeface="Times New Roman"/>
-                <a:cs typeface="Times New Roman"/>
-                <a:sym typeface="Times New Roman"/>
-              </a:rPr>
-              <a:t>Detect </a:t>
-            </a:r>
-            <a:r>
-              <a:rPr lang="en-US" sz="2000" dirty="0" smtClean="0">
-                <a:solidFill>
-                  <a:srgbClr val="000000"/>
-                </a:solidFill>
-                <a:ea typeface="Times New Roman"/>
-                <a:cs typeface="Times New Roman"/>
-                <a:sym typeface="Times New Roman"/>
-              </a:rPr>
-              <a:t>and prevent booking conflicts.</a:t>
-            </a:r>
-          </a:p>
-          <a:p>
-            <a:pPr lvl="0"/>
-            <a:r>
-              <a:rPr lang="en-US" sz="2000" dirty="0" smtClean="0">
-                <a:solidFill>
-                  <a:srgbClr val="000000"/>
-                </a:solidFill>
-                <a:ea typeface="Times New Roman"/>
-                <a:cs typeface="Times New Roman"/>
-                <a:sym typeface="Times New Roman"/>
-              </a:rPr>
-              <a:t>View </a:t>
-            </a:r>
-            <a:r>
-              <a:rPr lang="en-US" sz="2000" dirty="0" smtClean="0">
-                <a:solidFill>
-                  <a:srgbClr val="000000"/>
-                </a:solidFill>
-                <a:ea typeface="Times New Roman"/>
-                <a:cs typeface="Times New Roman"/>
-                <a:sym typeface="Times New Roman"/>
-              </a:rPr>
-              <a:t>analytics, service trends, and platform performance.</a:t>
-            </a:r>
-          </a:p>
-          <a:p>
-            <a:pPr lvl="0"/>
-            <a:r>
-              <a:rPr lang="en-US" sz="2000" dirty="0" smtClean="0">
-                <a:solidFill>
-                  <a:srgbClr val="000000"/>
-                </a:solidFill>
-                <a:ea typeface="Times New Roman"/>
-                <a:cs typeface="Times New Roman"/>
-                <a:sym typeface="Times New Roman"/>
-              </a:rPr>
-              <a:t>Analyze </a:t>
-            </a:r>
-            <a:r>
-              <a:rPr lang="en-US" sz="2000" dirty="0" smtClean="0">
-                <a:solidFill>
-                  <a:srgbClr val="000000"/>
-                </a:solidFill>
-                <a:ea typeface="Times New Roman"/>
-                <a:cs typeface="Times New Roman"/>
-                <a:sym typeface="Times New Roman"/>
-              </a:rPr>
-              <a:t>feedback for system improvements.</a:t>
+              <a:t>Analyze feedback for system improvements.</a:t>
             </a:r>
           </a:p>
           <a:p>
@@ -5114,7 +4905,7 @@
           <a:lstStyle/>
           <a:p>
             <a:r>
-              <a:rPr lang="en-US" smtClean="0"/>
+              <a:rPr lang="en-US"/>
               <a:t>Department of Computer Applications</a:t>
             </a:r>
             <a:endParaRPr lang="en-US" dirty="0"/>
@@ -5210,85 +5001,74 @@
           <a:lstStyle/>
           <a:p>
             <a:r>
-              <a:rPr lang="en-US" sz="2000" dirty="0" smtClean="0"/>
+              <a:rPr lang="en-US" sz="2000" dirty="0"/>
               <a:t>Operating System: Windows 10 / 11 </a:t>
             </a:r>
           </a:p>
           <a:p>
             <a:r>
-              <a:rPr lang="en-US" sz="2000" dirty="0" smtClean="0"/>
-              <a:t>Front End: </a:t>
+              <a:rPr lang="en-US" sz="2000" dirty="0"/>
+              <a:t>Front End: HTML, CSS, JavaScript</a:t>
             </a:r>
+          </a:p>
+          <a:p>
             <a:r>
-              <a:rPr lang="en-US" sz="2000" dirty="0" smtClean="0"/>
-              <a:t>HTML, CSS, JavaScript</a:t>
-            </a:r>
-            <a:endParaRPr lang="en-US" sz="2000" dirty="0" smtClean="0"/>
-          </a:p>
-          <a:p>
-            <a:r>
-              <a:rPr lang="en-US" sz="2000" dirty="0" smtClean="0"/>
+              <a:rPr lang="en-US" sz="2000" dirty="0"/>
               <a:t>Back End: Python </a:t>
             </a:r>
             <a:r>
-              <a:rPr lang="en-US" sz="2000" dirty="0" err="1" smtClean="0"/>
+              <a:rPr lang="en-US" sz="2000" dirty="0" err="1"/>
               <a:t>Django</a:t>
             </a:r>
             <a:r>
-              <a:rPr lang="en-US" sz="2000" dirty="0" smtClean="0"/>
+              <a:rPr lang="en-US" sz="2000" dirty="0"/>
               <a:t> Framework</a:t>
             </a:r>
-            <a:endParaRPr lang="en-US" sz="2000" dirty="0" smtClean="0"/>
           </a:p>
           <a:p>
             <a:r>
-              <a:rPr lang="en-US" sz="2000" dirty="0" smtClean="0"/>
+              <a:rPr lang="en-US" sz="2000" dirty="0"/>
               <a:t>Database: </a:t>
             </a:r>
             <a:r>
-              <a:rPr lang="en-US" sz="2000" dirty="0" err="1" smtClean="0"/>
+              <a:rPr lang="en-US" sz="2000" dirty="0" err="1"/>
               <a:t>SQLite</a:t>
             </a:r>
-            <a:endParaRPr lang="en-US" sz="2000" dirty="0" smtClean="0"/>
+            <a:endParaRPr lang="en-US" sz="2000" dirty="0"/>
           </a:p>
           <a:p>
             <a:r>
-              <a:rPr lang="en-US" sz="2000" dirty="0" smtClean="0"/>
+              <a:rPr lang="en-US" sz="2000" dirty="0"/>
               <a:t>Framework: </a:t>
             </a:r>
             <a:r>
-              <a:rPr lang="en-US" sz="2000" dirty="0" err="1" smtClean="0"/>
+              <a:rPr lang="en-US" sz="2000" dirty="0" err="1"/>
               <a:t>Django</a:t>
             </a:r>
-            <a:endParaRPr lang="en-US" sz="2000" dirty="0" smtClean="0"/>
+            <a:endParaRPr lang="en-US" sz="2000" dirty="0"/>
           </a:p>
           <a:p>
             <a:r>
-              <a:rPr lang="en-US" sz="2000" dirty="0" smtClean="0"/>
+              <a:rPr lang="en-US" sz="2000" dirty="0"/>
               <a:t>IDE / Code Editor: Visual Studio Code</a:t>
             </a:r>
           </a:p>
           <a:p>
             <a:r>
-              <a:rPr lang="en-US" sz="2000" dirty="0" smtClean="0"/>
+              <a:rPr lang="en-US" sz="2000" dirty="0"/>
               <a:t>Version Control: </a:t>
             </a:r>
             <a:r>
-              <a:rPr lang="en-US" sz="2000" dirty="0" err="1" smtClean="0"/>
+              <a:rPr lang="en-US" sz="2000" dirty="0" err="1"/>
               <a:t>Git</a:t>
             </a:r>
-            <a:endParaRPr lang="en-US" sz="2000" dirty="0" smtClean="0"/>
+            <a:endParaRPr lang="en-US" sz="2000" dirty="0"/>
           </a:p>
           <a:p>
             <a:r>
-              <a:rPr lang="en-US" sz="2000" dirty="0" smtClean="0"/>
-              <a:t>Browser: Google </a:t>
+              <a:rPr lang="en-US" sz="2000" dirty="0"/>
+              <a:t>Browser: Google Chrome</a:t>
             </a:r>
-            <a:r>
-              <a:rPr lang="en-US" sz="2000" dirty="0" smtClean="0"/>
-              <a:t>Chrome</a:t>
-            </a:r>
-            <a:endParaRPr lang="en-US" sz="2000" dirty="0" smtClean="0"/>
           </a:p>
         </p:txBody>
       </p:sp>
@@ -5459,7 +5239,7 @@
           <p:nvPr>
             <p:extLst>
               <p:ext uri="{D42A27DB-BD31-4B8C-83A1-F6EECF244321}">
-                <p14:modId xmlns:p14="http://schemas.microsoft.com/office/powerpoint/2010/main" xmlns="" val="3206989839"/>
+                <p14:modId xmlns:p14="http://schemas.microsoft.com/office/powerpoint/2010/main" val="3206989839"/>
               </p:ext>
             </p:extLst>
           </p:nvPr>
@@ -5478,91 +5258,91 @@
                 <a:gridCol w="835508">
                   <a:extLst>
                     <a:ext uri="{9D8B030D-6E8A-4147-A177-3AD203B41FA5}">
-                      <a16:colId xmlns:a16="http://schemas.microsoft.com/office/drawing/2014/main" xmlns="" val="20000"/>
+                      <a16:colId xmlns:a16="http://schemas.microsoft.com/office/drawing/2014/main" val="20000"/>
                     </a:ext>
                   </a:extLst>
                 </a:gridCol>
                 <a:gridCol w="935543">
                   <a:extLst>
                     <a:ext uri="{9D8B030D-6E8A-4147-A177-3AD203B41FA5}">
-                      <a16:colId xmlns:a16="http://schemas.microsoft.com/office/drawing/2014/main" xmlns="" val="20001"/>
+                      <a16:colId xmlns:a16="http://schemas.microsoft.com/office/drawing/2014/main" val="20001"/>
                     </a:ext>
                   </a:extLst>
                 </a:gridCol>
                 <a:gridCol w="832316">
                   <a:extLst>
                     <a:ext uri="{9D8B030D-6E8A-4147-A177-3AD203B41FA5}">
-                      <a16:colId xmlns:a16="http://schemas.microsoft.com/office/drawing/2014/main" xmlns="" val="20002"/>
+                      <a16:colId xmlns:a16="http://schemas.microsoft.com/office/drawing/2014/main" val="20002"/>
                     </a:ext>
                   </a:extLst>
                 </a:gridCol>
                 <a:gridCol w="608247">
                   <a:extLst>
                     <a:ext uri="{9D8B030D-6E8A-4147-A177-3AD203B41FA5}">
-                      <a16:colId xmlns:a16="http://schemas.microsoft.com/office/drawing/2014/main" xmlns="" val="20003"/>
+                      <a16:colId xmlns:a16="http://schemas.microsoft.com/office/drawing/2014/main" val="20003"/>
                     </a:ext>
                   </a:extLst>
                 </a:gridCol>
                 <a:gridCol w="561997">
                   <a:extLst>
                     <a:ext uri="{9D8B030D-6E8A-4147-A177-3AD203B41FA5}">
-                      <a16:colId xmlns:a16="http://schemas.microsoft.com/office/drawing/2014/main" xmlns="" val="20004"/>
+                      <a16:colId xmlns:a16="http://schemas.microsoft.com/office/drawing/2014/main" val="20004"/>
                     </a:ext>
                   </a:extLst>
                 </a:gridCol>
                 <a:gridCol w="584135">
                   <a:extLst>
                     <a:ext uri="{9D8B030D-6E8A-4147-A177-3AD203B41FA5}">
-                      <a16:colId xmlns:a16="http://schemas.microsoft.com/office/drawing/2014/main" xmlns="" val="20005"/>
+                      <a16:colId xmlns:a16="http://schemas.microsoft.com/office/drawing/2014/main" val="20005"/>
                     </a:ext>
                   </a:extLst>
                 </a:gridCol>
                 <a:gridCol w="550169">
                   <a:extLst>
                     <a:ext uri="{9D8B030D-6E8A-4147-A177-3AD203B41FA5}">
-                      <a16:colId xmlns:a16="http://schemas.microsoft.com/office/drawing/2014/main" xmlns="" val="20006"/>
+                      <a16:colId xmlns:a16="http://schemas.microsoft.com/office/drawing/2014/main" val="20006"/>
                     </a:ext>
                   </a:extLst>
                 </a:gridCol>
                 <a:gridCol w="553614">
                   <a:extLst>
                     <a:ext uri="{9D8B030D-6E8A-4147-A177-3AD203B41FA5}">
-                      <a16:colId xmlns:a16="http://schemas.microsoft.com/office/drawing/2014/main" xmlns="" val="20007"/>
+                      <a16:colId xmlns:a16="http://schemas.microsoft.com/office/drawing/2014/main" val="20007"/>
                     </a:ext>
                   </a:extLst>
                 </a:gridCol>
                 <a:gridCol w="553614">
                   <a:extLst>
                     <a:ext uri="{9D8B030D-6E8A-4147-A177-3AD203B41FA5}">
-                      <a16:colId xmlns:a16="http://schemas.microsoft.com/office/drawing/2014/main" xmlns="" val="20008"/>
+                      <a16:colId xmlns:a16="http://schemas.microsoft.com/office/drawing/2014/main" val="20008"/>
                     </a:ext>
                   </a:extLst>
                 </a:gridCol>
                 <a:gridCol w="553614">
                   <a:extLst>
                     <a:ext uri="{9D8B030D-6E8A-4147-A177-3AD203B41FA5}">
-                      <a16:colId xmlns:a16="http://schemas.microsoft.com/office/drawing/2014/main" xmlns="" val="20009"/>
+                      <a16:colId xmlns:a16="http://schemas.microsoft.com/office/drawing/2014/main" val="20009"/>
                     </a:ext>
                   </a:extLst>
                 </a:gridCol>
                 <a:gridCol w="553614">
                   <a:extLst>
                     <a:ext uri="{9D8B030D-6E8A-4147-A177-3AD203B41FA5}">
-                      <a16:colId xmlns:a16="http://schemas.microsoft.com/office/drawing/2014/main" xmlns="" val="20010"/>
+                      <a16:colId xmlns:a16="http://schemas.microsoft.com/office/drawing/2014/main" val="20010"/>
                     </a:ext>
                   </a:extLst>
                 </a:gridCol>
                 <a:gridCol w="553614">
                   <a:extLst>
                     <a:ext uri="{9D8B030D-6E8A-4147-A177-3AD203B41FA5}">
-                      <a16:colId xmlns:a16="http://schemas.microsoft.com/office/drawing/2014/main" xmlns="" val="20011"/>
+                      <a16:colId xmlns:a16="http://schemas.microsoft.com/office/drawing/2014/main" val="20011"/>
                     </a:ext>
                   </a:extLst>
                 </a:gridCol>
                 <a:gridCol w="553614">
                   <a:extLst>
                     <a:ext uri="{9D8B030D-6E8A-4147-A177-3AD203B41FA5}">
-                      <a16:colId xmlns:a16="http://schemas.microsoft.com/office/drawing/2014/main" xmlns="" val="20012"/>
+                      <a16:colId xmlns:a16="http://schemas.microsoft.com/office/drawing/2014/main" val="20012"/>
                     </a:ext>
                   </a:extLst>
                 </a:gridCol>
@@ -6141,7 +5921,7 @@
                 </a:tc>
                 <a:extLst>
                   <a:ext uri="{0D108BD9-81ED-4DB2-BD59-A6C34878D82A}">
-                    <a16:rowId xmlns:a16="http://schemas.microsoft.com/office/drawing/2014/main" xmlns="" val="10000"/>
+                    <a16:rowId xmlns:a16="http://schemas.microsoft.com/office/drawing/2014/main" val="10000"/>
                   </a:ext>
                 </a:extLst>
               </a:tr>
@@ -6295,7 +6075,7 @@
                 </a:tc>
                 <a:extLst>
                   <a:ext uri="{0D108BD9-81ED-4DB2-BD59-A6C34878D82A}">
-                    <a16:rowId xmlns:a16="http://schemas.microsoft.com/office/drawing/2014/main" xmlns="" val="10001"/>
+                    <a16:rowId xmlns:a16="http://schemas.microsoft.com/office/drawing/2014/main" val="10001"/>
                   </a:ext>
                 </a:extLst>
               </a:tr>
@@ -6315,7 +6095,7 @@
                         <a:buNone/>
                       </a:pPr>
                       <a:r>
-                        <a:rPr lang="en" sz="1100" dirty="0" smtClean="0"/>
+                        <a:rPr lang="en" sz="1100" dirty="0"/>
                         <a:t>Customer</a:t>
                       </a:r>
                     </a:p>
@@ -6330,7 +6110,7 @@
                         <a:buNone/>
                       </a:pPr>
                       <a:r>
-                        <a:rPr lang="en" sz="1100" dirty="0" smtClean="0"/>
+                        <a:rPr lang="en" sz="1100" dirty="0"/>
                         <a:t>registration</a:t>
                       </a:r>
                       <a:endParaRPr sz="1100"/>
@@ -6357,7 +6137,7 @@
                         <a:buNone/>
                       </a:pPr>
                       <a:r>
-                        <a:rPr lang="en" sz="1000" dirty="0" smtClean="0"/>
+                        <a:rPr lang="en" sz="1000" dirty="0"/>
                         <a:t>18/08/2025</a:t>
                       </a:r>
                       <a:endParaRPr sz="1000"/>
@@ -6384,7 +6164,7 @@
                         <a:buNone/>
                       </a:pPr>
                       <a:r>
-                        <a:rPr lang="en" dirty="0" smtClean="0"/>
+                        <a:rPr lang="en" dirty="0"/>
                         <a:t>3</a:t>
                       </a:r>
                       <a:endParaRPr dirty="0"/>
@@ -6465,7 +6245,7 @@
                         <a:buNone/>
                       </a:pPr>
                       <a:r>
-                        <a:rPr lang="en" dirty="0" smtClean="0"/>
+                        <a:rPr lang="en" dirty="0"/>
                         <a:t>1</a:t>
                       </a:r>
                       <a:endParaRPr/>
@@ -6668,7 +6448,7 @@
                 </a:tc>
                 <a:extLst>
                   <a:ext uri="{0D108BD9-81ED-4DB2-BD59-A6C34878D82A}">
-                    <a16:rowId xmlns:a16="http://schemas.microsoft.com/office/drawing/2014/main" xmlns="" val="10002"/>
+                    <a16:rowId xmlns:a16="http://schemas.microsoft.com/office/drawing/2014/main" val="10002"/>
                   </a:ext>
                 </a:extLst>
               </a:tr>
@@ -6688,11 +6468,11 @@
                         <a:buNone/>
                       </a:pPr>
                       <a:r>
-                        <a:rPr lang="en-US" sz="1100" dirty="0" smtClean="0"/>
+                        <a:rPr lang="en-US" sz="1100" dirty="0"/>
                         <a:t>C</a:t>
                       </a:r>
                       <a:r>
-                        <a:rPr lang="en" sz="1100" dirty="0" smtClean="0"/>
+                        <a:rPr lang="en" sz="1100" dirty="0"/>
                         <a:t>ustomer</a:t>
                       </a:r>
                     </a:p>
@@ -6707,7 +6487,7 @@
                         <a:buNone/>
                       </a:pPr>
                       <a:r>
-                        <a:rPr lang="en" sz="1100" dirty="0" smtClean="0"/>
+                        <a:rPr lang="en" sz="1100" dirty="0"/>
                         <a:t>login</a:t>
                       </a:r>
                       <a:endParaRPr sz="1100"/>
@@ -6734,7 +6514,7 @@
                         <a:buNone/>
                       </a:pPr>
                       <a:r>
-                        <a:rPr lang="en" sz="1000" dirty="0" smtClean="0"/>
+                        <a:rPr lang="en" sz="1000" dirty="0"/>
                         <a:t>19/08/2025</a:t>
                       </a:r>
                       <a:endParaRPr/>
@@ -6761,7 +6541,7 @@
                         <a:buNone/>
                       </a:pPr>
                       <a:r>
-                        <a:rPr lang="en" dirty="0" smtClean="0"/>
+                        <a:rPr lang="en" dirty="0"/>
                         <a:t>2</a:t>
                       </a:r>
                       <a:endParaRPr/>
@@ -6842,36 +6622,36 @@
                         <a:buNone/>
                       </a:pPr>
                       <a:r>
-                        <a:rPr lang="en" dirty="0" smtClean="0"/>
-                        <a:t>0</a:t>
-                      </a:r>
-                      <a:endParaRPr/>
-                    </a:p>
-                  </a:txBody>
-                  <a:tcPr marL="91425" marR="91425" marT="91425" marB="91425" anchor="ctr">
-                    <a:solidFill>
-                      <a:schemeClr val="bg1"/>
-                    </a:solidFill>
-                  </a:tcPr>
-                </a:tc>
-                <a:tc>
-                  <a:txBody>
-                    <a:bodyPr/>
-                    <a:lstStyle/>
-                    <a:p>
-                      <a:pPr marL="0" lvl="0" indent="0" algn="ctr" rtl="0">
-                        <a:spcBef>
-                          <a:spcPts val="0"/>
-                        </a:spcBef>
-                        <a:spcAft>
-                          <a:spcPts val="0"/>
-                        </a:spcAft>
-                        <a:buNone/>
-                      </a:pPr>
-                      <a:r>
                         <a:rPr lang="en" dirty="0"/>
                         <a:t>0</a:t>
                       </a:r>
+                      <a:endParaRPr/>
+                    </a:p>
+                  </a:txBody>
+                  <a:tcPr marL="91425" marR="91425" marT="91425" marB="91425" anchor="ctr">
+                    <a:solidFill>
+                      <a:schemeClr val="bg1"/>
+                    </a:solidFill>
+                  </a:tcPr>
+                </a:tc>
+                <a:tc>
+                  <a:txBody>
+                    <a:bodyPr/>
+                    <a:lstStyle/>
+                    <a:p>
+                      <a:pPr marL="0" lvl="0" indent="0" algn="ctr" rtl="0">
+                        <a:spcBef>
+                          <a:spcPts val="0"/>
+                        </a:spcBef>
+                        <a:spcAft>
+                          <a:spcPts val="0"/>
+                        </a:spcAft>
+                        <a:buNone/>
+                      </a:pPr>
+                      <a:r>
+                        <a:rPr lang="en" dirty="0"/>
+                        <a:t>0</a:t>
+                      </a:r>
                       <a:endParaRPr dirty="0"/>
                     </a:p>
                   </a:txBody>
@@ -7045,7 +6825,7 @@
                 </a:tc>
                 <a:extLst>
                   <a:ext uri="{0D108BD9-81ED-4DB2-BD59-A6C34878D82A}">
-                    <a16:rowId xmlns:a16="http://schemas.microsoft.com/office/drawing/2014/main" xmlns="" val="10003"/>
+                    <a16:rowId xmlns:a16="http://schemas.microsoft.com/office/drawing/2014/main" val="10003"/>
                   </a:ext>
                 </a:extLst>
               </a:tr>
@@ -7065,15 +6845,15 @@
                         <a:buNone/>
                       </a:pPr>
                       <a:r>
-                        <a:rPr lang="en-US" sz="1100" dirty="0" smtClean="0"/>
+                        <a:rPr lang="en-US" sz="1100" dirty="0"/>
                         <a:t>S</a:t>
                       </a:r>
                       <a:r>
-                        <a:rPr lang="en" sz="1100" dirty="0" smtClean="0"/>
+                        <a:rPr lang="en" sz="1100" dirty="0"/>
                         <a:t>alon</a:t>
                       </a:r>
                       <a:r>
-                        <a:rPr lang="en" sz="1100" baseline="0" dirty="0" smtClean="0"/>
+                        <a:rPr lang="en" sz="1100" baseline="0" dirty="0"/>
                         <a:t> owner registration</a:t>
                       </a:r>
                       <a:endParaRPr sz="1100"/>
@@ -7100,7 +6880,7 @@
                         <a:buNone/>
                       </a:pPr>
                       <a:r>
-                        <a:rPr lang="en" sz="1000" dirty="0" smtClean="0"/>
+                        <a:rPr lang="en" sz="1000" dirty="0"/>
                         <a:t>19/08/2025</a:t>
                       </a:r>
                       <a:endParaRPr/>
@@ -7127,7 +6907,7 @@
                         <a:buNone/>
                       </a:pPr>
                       <a:r>
-                        <a:rPr lang="en" dirty="0" smtClean="0"/>
+                        <a:rPr lang="en" dirty="0"/>
                         <a:t>3</a:t>
                       </a:r>
                       <a:endParaRPr/>
@@ -7411,7 +7191,7 @@
                 </a:tc>
                 <a:extLst>
                   <a:ext uri="{0D108BD9-81ED-4DB2-BD59-A6C34878D82A}">
-                    <a16:rowId xmlns:a16="http://schemas.microsoft.com/office/drawing/2014/main" xmlns="" val="10004"/>
+                    <a16:rowId xmlns:a16="http://schemas.microsoft.com/office/drawing/2014/main" val="10004"/>
                   </a:ext>
                 </a:extLst>
               </a:tr>
@@ -7431,11 +7211,11 @@
                         <a:buNone/>
                       </a:pPr>
                       <a:r>
-                        <a:rPr lang="en-US" sz="1100" dirty="0" smtClean="0"/>
+                        <a:rPr lang="en-US" sz="1100" dirty="0"/>
                         <a:t>Admin</a:t>
                       </a:r>
                       <a:r>
-                        <a:rPr lang="en-US" sz="1100" baseline="0" dirty="0" smtClean="0"/>
+                        <a:rPr lang="en-US" sz="1100" baseline="0" dirty="0"/>
                         <a:t> access setup</a:t>
                       </a:r>
                       <a:endParaRPr sz="1100"/>
@@ -7462,7 +7242,7 @@
                         <a:buNone/>
                       </a:pPr>
                       <a:r>
-                        <a:rPr lang="en-US" sz="1000" dirty="0" smtClean="0">
+                        <a:rPr lang="en-US" sz="1000" dirty="0">
                           <a:latin typeface="+mn-lt"/>
                         </a:rPr>
                         <a:t>20/08/2025</a:t>
@@ -7493,7 +7273,7 @@
                         <a:buNone/>
                       </a:pPr>
                       <a:r>
-                        <a:rPr lang="en-US" dirty="0" smtClean="0"/>
+                        <a:rPr lang="en-US" dirty="0"/>
                         <a:t>3</a:t>
                       </a:r>
                       <a:endParaRPr/>
@@ -7520,7 +7300,7 @@
                         <a:buNone/>
                       </a:pPr>
                       <a:r>
-                        <a:rPr lang="en-US" dirty="0" smtClean="0"/>
+                        <a:rPr lang="en-US" dirty="0"/>
                         <a:t>1</a:t>
                       </a:r>
                       <a:endParaRPr/>
@@ -7547,7 +7327,7 @@
                         <a:buNone/>
                       </a:pPr>
                       <a:r>
-                        <a:rPr lang="en-US" dirty="0" smtClean="0"/>
+                        <a:rPr lang="en-US" dirty="0"/>
                         <a:t>1</a:t>
                       </a:r>
                       <a:endParaRPr dirty="0"/>
@@ -7574,7 +7354,7 @@
                         <a:buNone/>
                       </a:pPr>
                       <a:r>
-                        <a:rPr lang="en-US" dirty="0" smtClean="0"/>
+                        <a:rPr lang="en-US" dirty="0"/>
                         <a:t>1</a:t>
                       </a:r>
                       <a:endParaRPr dirty="0"/>
@@ -7601,7 +7381,7 @@
                         <a:buNone/>
                       </a:pPr>
                       <a:r>
-                        <a:rPr lang="en-US" dirty="0" smtClean="0"/>
+                        <a:rPr lang="en-US" dirty="0"/>
                         <a:t>0</a:t>
                       </a:r>
                       <a:endParaRPr/>
@@ -7628,7 +7408,7 @@
                         <a:buNone/>
                       </a:pPr>
                       <a:r>
-                        <a:rPr lang="en-US" dirty="0" smtClean="0"/>
+                        <a:rPr lang="en-US" dirty="0"/>
                         <a:t>0</a:t>
                       </a:r>
                       <a:endParaRPr dirty="0"/>
@@ -7655,7 +7435,7 @@
                         <a:buNone/>
                       </a:pPr>
                       <a:r>
-                        <a:rPr lang="en-US" dirty="0" smtClean="0"/>
+                        <a:rPr lang="en-US" dirty="0"/>
                         <a:t>0</a:t>
                       </a:r>
                       <a:endParaRPr dirty="0"/>
@@ -7682,7 +7462,7 @@
                         <a:buNone/>
                       </a:pPr>
                       <a:r>
-                        <a:rPr lang="en-US" dirty="0" smtClean="0"/>
+                        <a:rPr lang="en-US" dirty="0"/>
                         <a:t>0</a:t>
                       </a:r>
                       <a:endParaRPr/>
@@ -7709,7 +7489,7 @@
                         <a:buNone/>
                       </a:pPr>
                       <a:r>
-                        <a:rPr lang="en-US" dirty="0" smtClean="0"/>
+                        <a:rPr lang="en-US" dirty="0"/>
                         <a:t>0</a:t>
                       </a:r>
                       <a:endParaRPr/>
@@ -7736,7 +7516,7 @@
                         <a:buNone/>
                       </a:pPr>
                       <a:r>
-                        <a:rPr lang="en-US" dirty="0" smtClean="0"/>
+                        <a:rPr lang="en-US" dirty="0"/>
                         <a:t>0</a:t>
                       </a:r>
                       <a:endParaRPr/>
@@ -7763,7 +7543,7 @@
                         <a:buNone/>
                       </a:pPr>
                       <a:r>
-                        <a:rPr lang="en-US" dirty="0" smtClean="0"/>
+                        <a:rPr lang="en-US" dirty="0"/>
                         <a:t>0</a:t>
                       </a:r>
                       <a:endParaRPr/>
@@ -7775,6 +7555,11 @@
                     </a:solidFill>
                   </a:tcPr>
                 </a:tc>
+                <a:extLst>
+                  <a:ext uri="{0D108BD9-81ED-4DB2-BD59-A6C34878D82A}">
+                    <a16:rowId xmlns:a16="http://schemas.microsoft.com/office/drawing/2014/main" val="10007"/>
+                  </a:ext>
+                </a:extLst>
               </a:tr>
               <a:tr h="394318">
                 <a:tc gridSpan="13">
@@ -7926,7 +7711,7 @@
                 </a:tc>
                 <a:extLst>
                   <a:ext uri="{0D108BD9-81ED-4DB2-BD59-A6C34878D82A}">
-                    <a16:rowId xmlns:a16="http://schemas.microsoft.com/office/drawing/2014/main" xmlns="" val="10005"/>
+                    <a16:rowId xmlns:a16="http://schemas.microsoft.com/office/drawing/2014/main" val="10005"/>
                   </a:ext>
                 </a:extLst>
               </a:tr>
@@ -7946,7 +7731,7 @@
                         <a:buNone/>
                       </a:pPr>
                       <a:r>
-                        <a:rPr lang="en" sz="1100" dirty="0" smtClean="0"/>
+                        <a:rPr lang="en" sz="1100" dirty="0"/>
                         <a:t>Add/manage services</a:t>
                       </a:r>
                       <a:endParaRPr sz="1100"/>
@@ -7973,7 +7758,7 @@
                         <a:buNone/>
                       </a:pPr>
                       <a:r>
-                        <a:rPr lang="en" sz="1000" dirty="0" smtClean="0"/>
+                        <a:rPr lang="en" sz="1000" dirty="0"/>
                         <a:t>10/09/2025</a:t>
                       </a:r>
                       <a:endParaRPr sz="1000"/>
@@ -8000,7 +7785,7 @@
                         <a:buNone/>
                       </a:pPr>
                       <a:r>
-                        <a:rPr lang="en" dirty="0" smtClean="0"/>
+                        <a:rPr lang="en" dirty="0"/>
                         <a:t>4</a:t>
                       </a:r>
                       <a:endParaRPr/>
@@ -8135,87 +7920,6 @@
                         <a:buNone/>
                       </a:pPr>
                       <a:r>
-                        <a:rPr lang="en" dirty="0" smtClean="0"/>
-                        <a:t>0</a:t>
-                      </a:r>
-                      <a:endParaRPr dirty="0"/>
-                    </a:p>
-                  </a:txBody>
-                  <a:tcPr marL="91425" marR="91425" marT="91425" marB="91425" anchor="ctr">
-                    <a:solidFill>
-                      <a:schemeClr val="bg1"/>
-                    </a:solidFill>
-                  </a:tcPr>
-                </a:tc>
-                <a:tc>
-                  <a:txBody>
-                    <a:bodyPr/>
-                    <a:lstStyle/>
-                    <a:p>
-                      <a:pPr marL="0" lvl="0" indent="0" algn="ctr" rtl="0">
-                        <a:spcBef>
-                          <a:spcPts val="0"/>
-                        </a:spcBef>
-                        <a:spcAft>
-                          <a:spcPts val="0"/>
-                        </a:spcAft>
-                        <a:buNone/>
-                      </a:pPr>
-                      <a:r>
-                        <a:rPr lang="en" dirty="0" smtClean="0"/>
-                        <a:t>0</a:t>
-                      </a:r>
-                      <a:endParaRPr dirty="0"/>
-                    </a:p>
-                  </a:txBody>
-                  <a:tcPr marL="91425" marR="91425" marT="91425" marB="91425" anchor="ctr">
-                    <a:solidFill>
-                      <a:schemeClr val="bg1"/>
-                    </a:solidFill>
-                  </a:tcPr>
-                </a:tc>
-                <a:tc>
-                  <a:txBody>
-                    <a:bodyPr/>
-                    <a:lstStyle/>
-                    <a:p>
-                      <a:pPr marL="0" lvl="0" indent="0" algn="ctr" rtl="0">
-                        <a:spcBef>
-                          <a:spcPts val="0"/>
-                        </a:spcBef>
-                        <a:spcAft>
-                          <a:spcPts val="0"/>
-                        </a:spcAft>
-                        <a:buNone/>
-                      </a:pPr>
-                      <a:r>
-                        <a:rPr lang="en" dirty="0" smtClean="0"/>
-                        <a:t>0</a:t>
-                      </a:r>
-                      <a:endParaRPr dirty="0"/>
-                    </a:p>
-                  </a:txBody>
-                  <a:tcPr marL="91425" marR="91425" marT="91425" marB="91425" anchor="ctr">
-                    <a:solidFill>
-                      <a:schemeClr val="bg1"/>
-                    </a:solidFill>
-                  </a:tcPr>
-                </a:tc>
-                <a:tc>
-                  <a:txBody>
-                    <a:bodyPr/>
-                    <a:lstStyle/>
-                    <a:p>
-                      <a:pPr marL="0" lvl="0" indent="0" algn="ctr" rtl="0">
-                        <a:spcBef>
-                          <a:spcPts val="0"/>
-                        </a:spcBef>
-                        <a:spcAft>
-                          <a:spcPts val="0"/>
-                        </a:spcAft>
-                        <a:buNone/>
-                      </a:pPr>
-                      <a:r>
                         <a:rPr lang="en" dirty="0"/>
                         <a:t>0</a:t>
                       </a:r>
@@ -8282,9 +7986,90 @@
                     </a:solidFill>
                   </a:tcPr>
                 </a:tc>
+                <a:tc>
+                  <a:txBody>
+                    <a:bodyPr/>
+                    <a:lstStyle/>
+                    <a:p>
+                      <a:pPr marL="0" lvl="0" indent="0" algn="ctr" rtl="0">
+                        <a:spcBef>
+                          <a:spcPts val="0"/>
+                        </a:spcBef>
+                        <a:spcAft>
+                          <a:spcPts val="0"/>
+                        </a:spcAft>
+                        <a:buNone/>
+                      </a:pPr>
+                      <a:r>
+                        <a:rPr lang="en" dirty="0"/>
+                        <a:t>0</a:t>
+                      </a:r>
+                      <a:endParaRPr dirty="0"/>
+                    </a:p>
+                  </a:txBody>
+                  <a:tcPr marL="91425" marR="91425" marT="91425" marB="91425" anchor="ctr">
+                    <a:solidFill>
+                      <a:schemeClr val="bg1"/>
+                    </a:solidFill>
+                  </a:tcPr>
+                </a:tc>
+                <a:tc>
+                  <a:txBody>
+                    <a:bodyPr/>
+                    <a:lstStyle/>
+                    <a:p>
+                      <a:pPr marL="0" lvl="0" indent="0" algn="ctr" rtl="0">
+                        <a:spcBef>
+                          <a:spcPts val="0"/>
+                        </a:spcBef>
+                        <a:spcAft>
+                          <a:spcPts val="0"/>
+                        </a:spcAft>
+                        <a:buNone/>
+                      </a:pPr>
+                      <a:r>
+                        <a:rPr lang="en" dirty="0"/>
+                        <a:t>0</a:t>
+                      </a:r>
+                      <a:endParaRPr dirty="0"/>
+                    </a:p>
+                  </a:txBody>
+                  <a:tcPr marL="91425" marR="91425" marT="91425" marB="91425" anchor="ctr">
+                    <a:solidFill>
+                      <a:schemeClr val="bg1"/>
+                    </a:solidFill>
+                  </a:tcPr>
+                </a:tc>
+                <a:tc>
+                  <a:txBody>
+                    <a:bodyPr/>
+                    <a:lstStyle/>
+                    <a:p>
+                      <a:pPr marL="0" lvl="0" indent="0" algn="ctr" rtl="0">
+                        <a:spcBef>
+                          <a:spcPts val="0"/>
+                        </a:spcBef>
+                        <a:spcAft>
+                          <a:spcPts val="0"/>
+                        </a:spcAft>
+                        <a:buNone/>
+                      </a:pPr>
+                      <a:r>
+                        <a:rPr lang="en" dirty="0"/>
+                        <a:t>0</a:t>
+                      </a:r>
+                      <a:endParaRPr dirty="0"/>
+                    </a:p>
+                  </a:txBody>
+                  <a:tcPr marL="91425" marR="91425" marT="91425" marB="91425" anchor="ctr">
+                    <a:solidFill>
+                      <a:schemeClr val="bg1"/>
+                    </a:solidFill>
+                  </a:tcPr>
+                </a:tc>
                 <a:extLst>
                   <a:ext uri="{0D108BD9-81ED-4DB2-BD59-A6C34878D82A}">
-                    <a16:rowId xmlns:a16="http://schemas.microsoft.com/office/drawing/2014/main" xmlns="" val="10006"/>
+                    <a16:rowId xmlns:a16="http://schemas.microsoft.com/office/drawing/2014/main" val="10006"/>
                   </a:ext>
                 </a:extLst>
               </a:tr>
@@ -8412,7 +8197,7 @@
           <p:nvPr>
             <p:extLst>
               <p:ext uri="{D42A27DB-BD31-4B8C-83A1-F6EECF244321}">
-                <p14:modId xmlns:p14="http://schemas.microsoft.com/office/powerpoint/2010/main" xmlns="" val="3206989839"/>
+                <p14:modId xmlns:p14="http://schemas.microsoft.com/office/powerpoint/2010/main" val="3206989839"/>
               </p:ext>
             </p:extLst>
           </p:nvPr>
@@ -8431,91 +8216,91 @@
                 <a:gridCol w="835508">
                   <a:extLst>
                     <a:ext uri="{9D8B030D-6E8A-4147-A177-3AD203B41FA5}">
-                      <a16:colId xmlns:a16="http://schemas.microsoft.com/office/drawing/2014/main" xmlns="" val="20000"/>
+                      <a16:colId xmlns:a16="http://schemas.microsoft.com/office/drawing/2014/main" val="20000"/>
                     </a:ext>
                   </a:extLst>
                 </a:gridCol>
                 <a:gridCol w="935543">
                   <a:extLst>
                     <a:ext uri="{9D8B030D-6E8A-4147-A177-3AD203B41FA5}">
-                      <a16:colId xmlns:a16="http://schemas.microsoft.com/office/drawing/2014/main" xmlns="" val="20001"/>
+                      <a16:colId xmlns:a16="http://schemas.microsoft.com/office/drawing/2014/main" val="20001"/>
                     </a:ext>
                   </a:extLst>
                 </a:gridCol>
                 <a:gridCol w="832316">
                   <a:extLst>
                     <a:ext uri="{9D8B030D-6E8A-4147-A177-3AD203B41FA5}">
-                      <a16:colId xmlns:a16="http://schemas.microsoft.com/office/drawing/2014/main" xmlns="" val="20002"/>
+                      <a16:colId xmlns:a16="http://schemas.microsoft.com/office/drawing/2014/main" val="20002"/>
                     </a:ext>
                   </a:extLst>
                 </a:gridCol>
                 <a:gridCol w="608247">
                   <a:extLst>
                     <a:ext uri="{9D8B030D-6E8A-4147-A177-3AD203B41FA5}">
-                      <a16:colId xmlns:a16="http://schemas.microsoft.com/office/drawing/2014/main" xmlns="" val="20003"/>
+                      <a16:colId xmlns:a16="http://schemas.microsoft.com/office/drawing/2014/main" val="20003"/>
                     </a:ext>
                   </a:extLst>
                 </a:gridCol>
                 <a:gridCol w="561997">
                   <a:extLst>
                     <a:ext uri="{9D8B030D-6E8A-4147-A177-3AD203B41FA5}">
-                      <a16:colId xmlns:a16="http://schemas.microsoft.com/office/drawing/2014/main" xmlns="" val="20004"/>
+                      <a16:colId xmlns:a16="http://schemas.microsoft.com/office/drawing/2014/main" val="20004"/>
                     </a:ext>
                   </a:extLst>
                 </a:gridCol>
                 <a:gridCol w="584135">
                   <a:extLst>
                     <a:ext uri="{9D8B030D-6E8A-4147-A177-3AD203B41FA5}">
-                      <a16:colId xmlns:a16="http://schemas.microsoft.com/office/drawing/2014/main" xmlns="" val="20005"/>
+                      <a16:colId xmlns:a16="http://schemas.microsoft.com/office/drawing/2014/main" val="20005"/>
                     </a:ext>
                   </a:extLst>
                 </a:gridCol>
                 <a:gridCol w="550169">
                   <a:extLst>
                     <a:ext uri="{9D8B030D-6E8A-4147-A177-3AD203B41FA5}">
-                      <a16:colId xmlns:a16="http://schemas.microsoft.com/office/drawing/2014/main" xmlns="" val="20006"/>
+                      <a16:colId xmlns:a16="http://schemas.microsoft.com/office/drawing/2014/main" val="20006"/>
                     </a:ext>
                   </a:extLst>
                 </a:gridCol>
                 <a:gridCol w="553614">
                   <a:extLst>
                     <a:ext uri="{9D8B030D-6E8A-4147-A177-3AD203B41FA5}">
-                      <a16:colId xmlns:a16="http://schemas.microsoft.com/office/drawing/2014/main" xmlns="" val="20007"/>
+                      <a16:colId xmlns:a16="http://schemas.microsoft.com/office/drawing/2014/main" val="20007"/>
                     </a:ext>
                   </a:extLst>
                 </a:gridCol>
                 <a:gridCol w="553614">
                   <a:extLst>
                     <a:ext uri="{9D8B030D-6E8A-4147-A177-3AD203B41FA5}">
-                      <a16:colId xmlns:a16="http://schemas.microsoft.com/office/drawing/2014/main" xmlns="" val="20008"/>
+                      <a16:colId xmlns:a16="http://schemas.microsoft.com/office/drawing/2014/main" val="20008"/>
                     </a:ext>
                   </a:extLst>
                 </a:gridCol>
                 <a:gridCol w="553614">
                   <a:extLst>
                     <a:ext uri="{9D8B030D-6E8A-4147-A177-3AD203B41FA5}">
-                      <a16:colId xmlns:a16="http://schemas.microsoft.com/office/drawing/2014/main" xmlns="" val="20009"/>
+                      <a16:colId xmlns:a16="http://schemas.microsoft.com/office/drawing/2014/main" val="20009"/>
                     </a:ext>
                   </a:extLst>
                 </a:gridCol>
                 <a:gridCol w="553614">
                   <a:extLst>
                     <a:ext uri="{9D8B030D-6E8A-4147-A177-3AD203B41FA5}">
-                      <a16:colId xmlns:a16="http://schemas.microsoft.com/office/drawing/2014/main" xmlns="" val="20010"/>
+                      <a16:colId xmlns:a16="http://schemas.microsoft.com/office/drawing/2014/main" val="20010"/>
                     </a:ext>
                   </a:extLst>
                 </a:gridCol>
                 <a:gridCol w="553614">
                   <a:extLst>
                     <a:ext uri="{9D8B030D-6E8A-4147-A177-3AD203B41FA5}">
-                      <a16:colId xmlns:a16="http://schemas.microsoft.com/office/drawing/2014/main" xmlns="" val="20011"/>
+                      <a16:colId xmlns:a16="http://schemas.microsoft.com/office/drawing/2014/main" val="20011"/>
                     </a:ext>
                   </a:extLst>
                 </a:gridCol>
                 <a:gridCol w="553614">
                   <a:extLst>
                     <a:ext uri="{9D8B030D-6E8A-4147-A177-3AD203B41FA5}">
-                      <a16:colId xmlns:a16="http://schemas.microsoft.com/office/drawing/2014/main" xmlns="" val="20012"/>
+                      <a16:colId xmlns:a16="http://schemas.microsoft.com/office/drawing/2014/main" val="20012"/>
                     </a:ext>
                   </a:extLst>
                 </a:gridCol>
@@ -8666,7 +8451,7 @@
                 </a:tc>
                 <a:extLst>
                   <a:ext uri="{0D108BD9-81ED-4DB2-BD59-A6C34878D82A}">
-                    <a16:rowId xmlns:a16="http://schemas.microsoft.com/office/drawing/2014/main" xmlns="" val="10001"/>
+                    <a16:rowId xmlns:a16="http://schemas.microsoft.com/office/drawing/2014/main" val="10001"/>
                   </a:ext>
                 </a:extLst>
               </a:tr>
@@ -8686,38 +8471,38 @@
                         <a:buNone/>
                       </a:pPr>
                       <a:r>
-                        <a:rPr lang="en-US" sz="1100" dirty="0" smtClean="0"/>
+                        <a:rPr lang="en-US" sz="1100" dirty="0"/>
                         <a:t>Manage</a:t>
                       </a:r>
                       <a:r>
-                        <a:rPr lang="en-US" sz="1100" baseline="0" dirty="0" smtClean="0"/>
+                        <a:rPr lang="en-US" sz="1100" baseline="0" dirty="0"/>
                         <a:t> staff  and schedules</a:t>
                       </a:r>
-                      <a:endParaRPr lang="en" sz="1100" dirty="0" smtClean="0"/>
-                    </a:p>
-                  </a:txBody>
-                  <a:tcPr marL="91425" marR="91425" marT="91425" marB="91425" anchor="ctr">
-                    <a:solidFill>
-                      <a:schemeClr val="bg1"/>
-                    </a:solidFill>
-                  </a:tcPr>
-                </a:tc>
-                <a:tc>
-                  <a:txBody>
-                    <a:bodyPr/>
-                    <a:lstStyle/>
-                    <a:p>
-                      <a:pPr marL="0" lvl="0" indent="0" algn="ctr" rtl="0">
-                        <a:spcBef>
-                          <a:spcPts val="0"/>
-                        </a:spcBef>
-                        <a:spcAft>
-                          <a:spcPts val="0"/>
-                        </a:spcAft>
-                        <a:buNone/>
-                      </a:pPr>
-                      <a:r>
-                        <a:rPr lang="en" sz="1000" dirty="0" smtClean="0"/>
+                      <a:endParaRPr lang="en" sz="1100" dirty="0"/>
+                    </a:p>
+                  </a:txBody>
+                  <a:tcPr marL="91425" marR="91425" marT="91425" marB="91425" anchor="ctr">
+                    <a:solidFill>
+                      <a:schemeClr val="bg1"/>
+                    </a:solidFill>
+                  </a:tcPr>
+                </a:tc>
+                <a:tc>
+                  <a:txBody>
+                    <a:bodyPr/>
+                    <a:lstStyle/>
+                    <a:p>
+                      <a:pPr marL="0" lvl="0" indent="0" algn="ctr" rtl="0">
+                        <a:spcBef>
+                          <a:spcPts val="0"/>
+                        </a:spcBef>
+                        <a:spcAft>
+                          <a:spcPts val="0"/>
+                        </a:spcAft>
+                        <a:buNone/>
+                      </a:pPr>
+                      <a:r>
+                        <a:rPr lang="en" sz="1000" dirty="0"/>
                         <a:t>12/09/2025</a:t>
                       </a:r>
                       <a:endParaRPr/>
@@ -8744,7 +8529,7 @@
                         <a:buNone/>
                       </a:pPr>
                       <a:r>
-                        <a:rPr lang="en" dirty="0" smtClean="0"/>
+                        <a:rPr lang="en" dirty="0"/>
                         <a:t>3</a:t>
                       </a:r>
                       <a:endParaRPr/>
@@ -8825,7 +8610,7 @@
                         <a:buNone/>
                       </a:pPr>
                       <a:r>
-                        <a:rPr lang="en" dirty="0" smtClean="0"/>
+                        <a:rPr lang="en" dirty="0"/>
                         <a:t>1</a:t>
                       </a:r>
                       <a:endParaRPr/>
@@ -9028,7 +8813,7 @@
                 </a:tc>
                 <a:extLst>
                   <a:ext uri="{0D108BD9-81ED-4DB2-BD59-A6C34878D82A}">
-                    <a16:rowId xmlns:a16="http://schemas.microsoft.com/office/drawing/2014/main" xmlns="" val="10003"/>
+                    <a16:rowId xmlns:a16="http://schemas.microsoft.com/office/drawing/2014/main" val="10003"/>
                   </a:ext>
                 </a:extLst>
               </a:tr>
@@ -9048,7 +8833,7 @@
                         <a:buNone/>
                       </a:pPr>
                       <a:r>
-                        <a:rPr lang="en-US" sz="1100" dirty="0" smtClean="0"/>
+                        <a:rPr lang="en-US" sz="1100" dirty="0"/>
                         <a:t>Customer search and filter</a:t>
                       </a:r>
                       <a:endParaRPr sz="1100"/>
@@ -9075,7 +8860,7 @@
                         <a:buNone/>
                       </a:pPr>
                       <a:r>
-                        <a:rPr lang="en" sz="1000" dirty="0" smtClean="0"/>
+                        <a:rPr lang="en" sz="1000" dirty="0"/>
                         <a:t>15/09/2025</a:t>
                       </a:r>
                       <a:endParaRPr/>
@@ -9102,7 +8887,7 @@
                         <a:buNone/>
                       </a:pPr>
                       <a:r>
-                        <a:rPr lang="en" dirty="0" smtClean="0"/>
+                        <a:rPr lang="en" dirty="0"/>
                         <a:t>5</a:t>
                       </a:r>
                       <a:endParaRPr/>
@@ -9210,7 +8995,7 @@
                         <a:buNone/>
                       </a:pPr>
                       <a:r>
-                        <a:rPr lang="en" dirty="0" smtClean="0"/>
+                        <a:rPr lang="en" dirty="0"/>
                         <a:t>1</a:t>
                       </a:r>
                       <a:endParaRPr/>
@@ -9237,7 +9022,7 @@
                         <a:buNone/>
                       </a:pPr>
                       <a:r>
-                        <a:rPr lang="en" dirty="0" smtClean="0"/>
+                        <a:rPr lang="en" dirty="0"/>
                         <a:t>1</a:t>
                       </a:r>
                       <a:endParaRPr dirty="0"/>
@@ -9386,7 +9171,7 @@
                 </a:tc>
                 <a:extLst>
                   <a:ext uri="{0D108BD9-81ED-4DB2-BD59-A6C34878D82A}">
-                    <a16:rowId xmlns:a16="http://schemas.microsoft.com/office/drawing/2014/main" xmlns="" val="10004"/>
+                    <a16:rowId xmlns:a16="http://schemas.microsoft.com/office/drawing/2014/main" val="10004"/>
                   </a:ext>
                 </a:extLst>
               </a:tr>
@@ -9406,7 +9191,7 @@
                         <a:buNone/>
                       </a:pPr>
                       <a:r>
-                        <a:rPr lang="en-US" sz="1100" dirty="0" smtClean="0"/>
+                        <a:rPr lang="en-US" sz="1100" dirty="0"/>
                         <a:t>Customer appointment booking</a:t>
                       </a:r>
                       <a:endParaRPr sz="1100"/>
@@ -9433,7 +9218,7 @@
                         <a:buNone/>
                       </a:pPr>
                       <a:r>
-                        <a:rPr lang="en-US" sz="1000" dirty="0" smtClean="0">
+                        <a:rPr lang="en-US" sz="1000" dirty="0">
                           <a:latin typeface="+mn-lt"/>
                         </a:rPr>
                         <a:t>17/09/2025</a:t>
@@ -9464,7 +9249,7 @@
                         <a:buNone/>
                       </a:pPr>
                       <a:r>
-                        <a:rPr lang="en-US" dirty="0" smtClean="0"/>
+                        <a:rPr lang="en-US" dirty="0"/>
                         <a:t>4</a:t>
                       </a:r>
                       <a:endParaRPr/>
@@ -9491,7 +9276,7 @@
                         <a:buNone/>
                       </a:pPr>
                       <a:r>
-                        <a:rPr lang="en-US" dirty="0" smtClean="0"/>
+                        <a:rPr lang="en-US" dirty="0"/>
                         <a:t>1</a:t>
                       </a:r>
                       <a:endParaRPr/>
@@ -9518,7 +9303,7 @@
                         <a:buNone/>
                       </a:pPr>
                       <a:r>
-                        <a:rPr lang="en-US" dirty="0" smtClean="0"/>
+                        <a:rPr lang="en-US" dirty="0"/>
                         <a:t>1</a:t>
                       </a:r>
                       <a:endParaRPr dirty="0"/>
@@ -9545,7 +9330,7 @@
                         <a:buNone/>
                       </a:pPr>
                       <a:r>
-                        <a:rPr lang="en-US" dirty="0" smtClean="0"/>
+                        <a:rPr lang="en-US" dirty="0"/>
                         <a:t>1</a:t>
                       </a:r>
                       <a:endParaRPr dirty="0"/>
@@ -9572,7 +9357,7 @@
                         <a:buNone/>
                       </a:pPr>
                       <a:r>
-                        <a:rPr lang="en-US" dirty="0" smtClean="0"/>
+                        <a:rPr lang="en-US" dirty="0"/>
                         <a:t>1</a:t>
                       </a:r>
                       <a:endParaRPr/>
@@ -9599,7 +9384,7 @@
                         <a:buNone/>
                       </a:pPr>
                       <a:r>
-                        <a:rPr lang="en-US" dirty="0" smtClean="0"/>
+                        <a:rPr lang="en-US" dirty="0"/>
                         <a:t>0</a:t>
                       </a:r>
                       <a:endParaRPr dirty="0"/>
@@ -9626,7 +9411,7 @@
                         <a:buNone/>
                       </a:pPr>
                       <a:r>
-                        <a:rPr lang="en-US" dirty="0" smtClean="0"/>
+                        <a:rPr lang="en-US" dirty="0"/>
                         <a:t>0</a:t>
                       </a:r>
                       <a:endParaRPr dirty="0"/>
@@ -9653,7 +9438,7 @@
                         <a:buNone/>
                       </a:pPr>
                       <a:r>
-                        <a:rPr lang="en-US" dirty="0" smtClean="0"/>
+                        <a:rPr lang="en-US" dirty="0"/>
                         <a:t>0</a:t>
                       </a:r>
                       <a:endParaRPr/>
@@ -9680,7 +9465,7 @@
                         <a:buNone/>
                       </a:pPr>
                       <a:r>
-                        <a:rPr lang="en-US" dirty="0" smtClean="0"/>
+                        <a:rPr lang="en-US" dirty="0"/>
                         <a:t>0</a:t>
                       </a:r>
                       <a:endParaRPr/>
@@ -9707,7 +9492,7 @@
                         <a:buNone/>
                       </a:pPr>
                       <a:r>
-                        <a:rPr lang="en-US" dirty="0" smtClean="0"/>
+                        <a:rPr lang="en-US" dirty="0"/>
                         <a:t>0</a:t>
                       </a:r>
                       <a:endParaRPr/>
@@ -9734,7 +9519,7 @@
                         <a:buNone/>
                       </a:pPr>
                       <a:r>
-                        <a:rPr lang="en-US" dirty="0" smtClean="0"/>
+                        <a:rPr lang="en-US" dirty="0"/>
                         <a:t>0</a:t>
                       </a:r>
                       <a:endParaRPr/>
@@ -9746,6 +9531,11 @@
                     </a:solidFill>
                   </a:tcPr>
                 </a:tc>
+                <a:extLst>
+                  <a:ext uri="{0D108BD9-81ED-4DB2-BD59-A6C34878D82A}">
+                    <a16:rowId xmlns:a16="http://schemas.microsoft.com/office/drawing/2014/main" val="10007"/>
+                  </a:ext>
+                </a:extLst>
               </a:tr>
               <a:tr h="346887">
                 <a:tc gridSpan="13">
@@ -9764,11 +9554,7 @@
                       </a:pPr>
                       <a:r>
                         <a:rPr lang="en" sz="1300" dirty="0"/>
-                        <a:t>SPRINT </a:t>
-                      </a:r>
-                      <a:r>
-                        <a:rPr lang="en" sz="1300" dirty="0" smtClean="0"/>
-                        <a:t>3</a:t>
+                        <a:t>SPRINT 3</a:t>
                       </a:r>
                       <a:endParaRPr sz="1300" dirty="0"/>
                     </a:p>
@@ -9901,7 +9687,7 @@
                 </a:tc>
                 <a:extLst>
                   <a:ext uri="{0D108BD9-81ED-4DB2-BD59-A6C34878D82A}">
-                    <a16:rowId xmlns:a16="http://schemas.microsoft.com/office/drawing/2014/main" xmlns="" val="10005"/>
+                    <a16:rowId xmlns:a16="http://schemas.microsoft.com/office/drawing/2014/main" val="10005"/>
                   </a:ext>
                 </a:extLst>
               </a:tr>
@@ -9921,61 +9707,59 @@
                         <a:buNone/>
                       </a:pPr>
                       <a:r>
-                        <a:rPr lang="en-US" sz="1100" dirty="0" smtClean="0"/>
+                        <a:rPr lang="en-US" sz="1100" dirty="0"/>
                         <a:t>Notifications and reminders</a:t>
                       </a:r>
-                      <a:endParaRPr lang="en-US" sz="1100" dirty="0"/>
-                    </a:p>
-                  </a:txBody>
-                  <a:tcPr marL="91425" marR="91425" marT="91425" marB="91425" anchor="ctr">
-                    <a:solidFill>
-                      <a:schemeClr val="bg1"/>
-                    </a:solidFill>
-                  </a:tcPr>
-                </a:tc>
-                <a:tc>
-                  <a:txBody>
-                    <a:bodyPr/>
-                    <a:lstStyle/>
-                    <a:p>
-                      <a:pPr marL="0" lvl="0" indent="0" algn="ctr" rtl="0">
-                        <a:spcBef>
-                          <a:spcPts val="0"/>
-                        </a:spcBef>
-                        <a:spcAft>
-                          <a:spcPts val="0"/>
-                        </a:spcAft>
-                        <a:buNone/>
-                      </a:pPr>
-                      <a:r>
-                        <a:rPr lang="en-US" sz="1000" dirty="0" smtClean="0"/>
+                    </a:p>
+                  </a:txBody>
+                  <a:tcPr marL="91425" marR="91425" marT="91425" marB="91425" anchor="ctr">
+                    <a:solidFill>
+                      <a:schemeClr val="bg1"/>
+                    </a:solidFill>
+                  </a:tcPr>
+                </a:tc>
+                <a:tc>
+                  <a:txBody>
+                    <a:bodyPr/>
+                    <a:lstStyle/>
+                    <a:p>
+                      <a:pPr marL="0" lvl="0" indent="0" algn="ctr" rtl="0">
+                        <a:spcBef>
+                          <a:spcPts val="0"/>
+                        </a:spcBef>
+                        <a:spcAft>
+                          <a:spcPts val="0"/>
+                        </a:spcAft>
+                        <a:buNone/>
+                      </a:pPr>
+                      <a:r>
+                        <a:rPr lang="en-US" sz="1000" dirty="0"/>
                         <a:t>02/10/2025</a:t>
                       </a:r>
-                      <a:endParaRPr lang="en-US" sz="1000" dirty="0"/>
-                    </a:p>
-                  </a:txBody>
-                  <a:tcPr marL="91425" marR="91425" marT="91425" marB="91425" anchor="ctr">
-                    <a:solidFill>
-                      <a:schemeClr val="bg1"/>
-                    </a:solidFill>
-                  </a:tcPr>
-                </a:tc>
-                <a:tc>
-                  <a:txBody>
-                    <a:bodyPr/>
-                    <a:lstStyle/>
-                    <a:p>
-                      <a:pPr marL="0" lvl="0" indent="0" algn="ctr" rtl="0">
-                        <a:spcBef>
-                          <a:spcPts val="0"/>
-                        </a:spcBef>
-                        <a:spcAft>
-                          <a:spcPts val="0"/>
-                        </a:spcAft>
-                        <a:buNone/>
-                      </a:pPr>
-                      <a:r>
-                        <a:rPr lang="en" dirty="0" smtClean="0"/>
+                    </a:p>
+                  </a:txBody>
+                  <a:tcPr marL="91425" marR="91425" marT="91425" marB="91425" anchor="ctr">
+                    <a:solidFill>
+                      <a:schemeClr val="bg1"/>
+                    </a:solidFill>
+                  </a:tcPr>
+                </a:tc>
+                <a:tc>
+                  <a:txBody>
+                    <a:bodyPr/>
+                    <a:lstStyle/>
+                    <a:p>
+                      <a:pPr marL="0" lvl="0" indent="0" algn="ctr" rtl="0">
+                        <a:spcBef>
+                          <a:spcPts val="0"/>
+                        </a:spcBef>
+                        <a:spcAft>
+                          <a:spcPts val="0"/>
+                        </a:spcAft>
+                        <a:buNone/>
+                      </a:pPr>
+                      <a:r>
+                        <a:rPr lang="en" dirty="0"/>
                         <a:t>3</a:t>
                       </a:r>
                       <a:endParaRPr/>
@@ -10083,118 +9867,10 @@
                         <a:buNone/>
                       </a:pPr>
                       <a:r>
-                        <a:rPr lang="en" dirty="0" smtClean="0"/>
-                        <a:t>0</a:t>
-                      </a:r>
-                      <a:endParaRPr/>
-                    </a:p>
-                  </a:txBody>
-                  <a:tcPr marL="91425" marR="91425" marT="91425" marB="91425" anchor="ctr">
-                    <a:solidFill>
-                      <a:schemeClr val="bg1"/>
-                    </a:solidFill>
-                  </a:tcPr>
-                </a:tc>
-                <a:tc>
-                  <a:txBody>
-                    <a:bodyPr/>
-                    <a:lstStyle/>
-                    <a:p>
-                      <a:pPr marL="0" lvl="0" indent="0" algn="ctr" rtl="0">
-                        <a:spcBef>
-                          <a:spcPts val="0"/>
-                        </a:spcBef>
-                        <a:spcAft>
-                          <a:spcPts val="0"/>
-                        </a:spcAft>
-                        <a:buNone/>
-                      </a:pPr>
-                      <a:r>
-                        <a:rPr lang="en" dirty="0" smtClean="0"/>
-                        <a:t>0</a:t>
-                      </a:r>
-                      <a:endParaRPr dirty="0"/>
-                    </a:p>
-                  </a:txBody>
-                  <a:tcPr marL="91425" marR="91425" marT="91425" marB="91425" anchor="ctr">
-                    <a:solidFill>
-                      <a:schemeClr val="bg1"/>
-                    </a:solidFill>
-                  </a:tcPr>
-                </a:tc>
-                <a:tc>
-                  <a:txBody>
-                    <a:bodyPr/>
-                    <a:lstStyle/>
-                    <a:p>
-                      <a:pPr marL="0" lvl="0" indent="0" algn="ctr" rtl="0">
-                        <a:spcBef>
-                          <a:spcPts val="0"/>
-                        </a:spcBef>
-                        <a:spcAft>
-                          <a:spcPts val="0"/>
-                        </a:spcAft>
-                        <a:buNone/>
-                      </a:pPr>
-                      <a:r>
-                        <a:rPr lang="en" dirty="0" smtClean="0"/>
-                        <a:t>0</a:t>
-                      </a:r>
-                      <a:endParaRPr dirty="0"/>
-                    </a:p>
-                  </a:txBody>
-                  <a:tcPr marL="91425" marR="91425" marT="91425" marB="91425" anchor="ctr">
-                    <a:solidFill>
-                      <a:schemeClr val="bg1"/>
-                    </a:solidFill>
-                  </a:tcPr>
-                </a:tc>
-                <a:tc>
-                  <a:txBody>
-                    <a:bodyPr/>
-                    <a:lstStyle/>
-                    <a:p>
-                      <a:pPr marL="0" lvl="0" indent="0" algn="ctr" rtl="0">
-                        <a:spcBef>
-                          <a:spcPts val="0"/>
-                        </a:spcBef>
-                        <a:spcAft>
-                          <a:spcPts val="0"/>
-                        </a:spcAft>
-                        <a:buNone/>
-                      </a:pPr>
-                      <a:r>
-                        <a:rPr lang="en" dirty="0" smtClean="0"/>
-                        <a:t>0</a:t>
-                      </a:r>
-                      <a:endParaRPr dirty="0"/>
-                    </a:p>
-                  </a:txBody>
-                  <a:tcPr marL="91425" marR="91425" marT="91425" marB="91425" anchor="ctr">
-                    <a:solidFill>
-                      <a:schemeClr val="bg1"/>
-                    </a:solidFill>
-                  </a:tcPr>
-                </a:tc>
-                <a:tc>
-                  <a:txBody>
-                    <a:bodyPr/>
-                    <a:lstStyle/>
-                    <a:p>
-                      <a:pPr marL="0" lvl="0" indent="0" algn="ctr" rtl="0">
-                        <a:spcBef>
-                          <a:spcPts val="0"/>
-                        </a:spcBef>
-                        <a:spcAft>
-                          <a:spcPts val="0"/>
-                        </a:spcAft>
-                        <a:buNone/>
-                      </a:pPr>
-                      <a:r>
                         <a:rPr lang="en" dirty="0"/>
                         <a:t>0</a:t>
                       </a:r>
-                      <a:endParaRPr dirty="0"/>
+                      <a:endParaRPr/>
                     </a:p>
                   </a:txBody>
                   <a:tcPr marL="91425" marR="91425" marT="91425" marB="91425" anchor="ctr">
@@ -10257,9 +9933,117 @@
                     </a:solidFill>
                   </a:tcPr>
                 </a:tc>
+                <a:tc>
+                  <a:txBody>
+                    <a:bodyPr/>
+                    <a:lstStyle/>
+                    <a:p>
+                      <a:pPr marL="0" lvl="0" indent="0" algn="ctr" rtl="0">
+                        <a:spcBef>
+                          <a:spcPts val="0"/>
+                        </a:spcBef>
+                        <a:spcAft>
+                          <a:spcPts val="0"/>
+                        </a:spcAft>
+                        <a:buNone/>
+                      </a:pPr>
+                      <a:r>
+                        <a:rPr lang="en" dirty="0"/>
+                        <a:t>0</a:t>
+                      </a:r>
+                      <a:endParaRPr dirty="0"/>
+                    </a:p>
+                  </a:txBody>
+                  <a:tcPr marL="91425" marR="91425" marT="91425" marB="91425" anchor="ctr">
+                    <a:solidFill>
+                      <a:schemeClr val="bg1"/>
+                    </a:solidFill>
+                  </a:tcPr>
+                </a:tc>
+                <a:tc>
+                  <a:txBody>
+                    <a:bodyPr/>
+                    <a:lstStyle/>
+                    <a:p>
+                      <a:pPr marL="0" lvl="0" indent="0" algn="ctr" rtl="0">
+                        <a:spcBef>
+                          <a:spcPts val="0"/>
+                        </a:spcBef>
+                        <a:spcAft>
+                          <a:spcPts val="0"/>
+                        </a:spcAft>
+                        <a:buNone/>
+                      </a:pPr>
+                      <a:r>
+                        <a:rPr lang="en" dirty="0"/>
+                        <a:t>0</a:t>
+                      </a:r>
+                      <a:endParaRPr dirty="0"/>
+                    </a:p>
+                  </a:txBody>
+                  <a:tcPr marL="91425" marR="91425" marT="91425" marB="91425" anchor="ctr">
+                    <a:solidFill>
+                      <a:schemeClr val="bg1"/>
+                    </a:solidFill>
+                  </a:tcPr>
+                </a:tc>
+                <a:tc>
+                  <a:txBody>
+                    <a:bodyPr/>
+                    <a:lstStyle/>
+                    <a:p>
+                      <a:pPr marL="0" lvl="0" indent="0" algn="ctr" rtl="0">
+                        <a:spcBef>
+                          <a:spcPts val="0"/>
+                        </a:spcBef>
+                        <a:spcAft>
+                          <a:spcPts val="0"/>
+                        </a:spcAft>
+                        <a:buNone/>
+                      </a:pPr>
+                      <a:r>
+                        <a:rPr lang="en" dirty="0"/>
+                        <a:t>0</a:t>
+                      </a:r>
+                      <a:endParaRPr dirty="0"/>
+                    </a:p>
+                  </a:txBody>
+                  <a:tcPr marL="91425" marR="91425" marT="91425" marB="91425" anchor="ctr">
+                    <a:solidFill>
+                      <a:schemeClr val="bg1"/>
+                    </a:solidFill>
+                  </a:tcPr>
+                </a:tc>
+                <a:tc>
+                  <a:txBody>
+                    <a:bodyPr/>
+                    <a:lstStyle/>
+                    <a:p>
+                      <a:pPr marL="0" lvl="0" indent="0" algn="ctr" rtl="0">
+                        <a:spcBef>
+                          <a:spcPts val="0"/>
+                        </a:spcBef>
+                        <a:spcAft>
+                          <a:spcPts val="0"/>
+                        </a:spcAft>
+                        <a:buNone/>
+                      </a:pPr>
+                      <a:r>
+                        <a:rPr lang="en" dirty="0"/>
+                        <a:t>0</a:t>
+                      </a:r>
+                      <a:endParaRPr dirty="0"/>
+                    </a:p>
+                  </a:txBody>
+                  <a:tcPr marL="91425" marR="91425" marT="91425" marB="91425" anchor="ctr">
+                    <a:solidFill>
+                      <a:schemeClr val="bg1"/>
+                    </a:solidFill>
+                  </a:tcPr>
+                </a:tc>
                 <a:extLst>
                   <a:ext uri="{0D108BD9-81ED-4DB2-BD59-A6C34878D82A}">
-                    <a16:rowId xmlns:a16="http://schemas.microsoft.com/office/drawing/2014/main" xmlns="" val="10006"/>
+                    <a16:rowId xmlns:a16="http://schemas.microsoft.com/office/drawing/2014/main" val="10006"/>
                   </a:ext>
                 </a:extLst>
               </a:tr>
@@ -10279,7 +10063,7 @@
                         <a:buNone/>
                       </a:pPr>
                       <a:r>
-                        <a:rPr lang="en-US" sz="1100" dirty="0" smtClean="0"/>
+                        <a:rPr lang="en-US" sz="1100" dirty="0"/>
                         <a:t>Rating and review system</a:t>
                       </a:r>
                       <a:endParaRPr sz="1100"/>
@@ -10306,7 +10090,7 @@
                         <a:buNone/>
                       </a:pPr>
                       <a:r>
-                        <a:rPr lang="en-US" sz="1000" dirty="0" smtClean="0"/>
+                        <a:rPr lang="en-US" sz="1000" dirty="0"/>
                         <a:t>05/10/2025</a:t>
                       </a:r>
                       <a:endParaRPr sz="1000"/>
@@ -10333,7 +10117,7 @@
                         <a:buNone/>
                       </a:pPr>
                       <a:r>
-                        <a:rPr lang="en-US" dirty="0" smtClean="0"/>
+                        <a:rPr lang="en-US" dirty="0"/>
                         <a:t>3</a:t>
                       </a:r>
                       <a:endParaRPr/>
@@ -10360,7 +10144,7 @@
                         <a:buNone/>
                       </a:pPr>
                       <a:r>
-                        <a:rPr lang="en-US" dirty="0" smtClean="0"/>
+                        <a:rPr lang="en-US" dirty="0"/>
                         <a:t>1</a:t>
                       </a:r>
                       <a:endParaRPr/>
@@ -10387,7 +10171,7 @@
                         <a:buNone/>
                       </a:pPr>
                       <a:r>
-                        <a:rPr lang="en-US" dirty="0" smtClean="0"/>
+                        <a:rPr lang="en-US" dirty="0"/>
                         <a:t>1</a:t>
                       </a:r>
                       <a:endParaRPr/>
@@ -10414,7 +10198,7 @@
                         <a:buNone/>
                       </a:pPr>
                       <a:r>
-                        <a:rPr lang="en-US" dirty="0" smtClean="0"/>
+                        <a:rPr lang="en-US" dirty="0"/>
                         <a:t>1</a:t>
                       </a:r>
                       <a:endParaRPr/>
@@ -10441,7 +10225,7 @@
                         <a:buNone/>
                       </a:pPr>
                       <a:r>
-                        <a:rPr lang="en-US" dirty="0" smtClean="0"/>
+                        <a:rPr lang="en-US" dirty="0"/>
                         <a:t>0</a:t>
                       </a:r>
                       <a:endParaRPr/>
@@ -10468,7 +10252,7 @@
                         <a:buNone/>
                       </a:pPr>
                       <a:r>
-                        <a:rPr lang="en-US" dirty="0" smtClean="0"/>
+                        <a:rPr lang="en-US" dirty="0"/>
                         <a:t>0</a:t>
                       </a:r>
                       <a:endParaRPr dirty="0"/>
@@ -10495,7 +10279,7 @@
                         <a:buNone/>
                       </a:pPr>
                       <a:r>
-                        <a:rPr lang="en-US" dirty="0" smtClean="0"/>
+                        <a:rPr lang="en-US" dirty="0"/>
                         <a:t>0</a:t>
                       </a:r>
                       <a:endParaRPr dirty="0"/>
@@ -10522,7 +10306,7 @@
                         <a:buNone/>
                       </a:pPr>
                       <a:r>
-                        <a:rPr lang="en-US" dirty="0" smtClean="0"/>
+                        <a:rPr lang="en-US" dirty="0"/>
                         <a:t>0</a:t>
                       </a:r>
                       <a:endParaRPr dirty="0"/>
@@ -10549,7 +10333,7 @@
                         <a:buNone/>
                       </a:pPr>
                       <a:r>
-                        <a:rPr lang="en-US" dirty="0" smtClean="0"/>
+                        <a:rPr lang="en-US" dirty="0"/>
                         <a:t>0</a:t>
                       </a:r>
                       <a:endParaRPr dirty="0"/>
@@ -10576,7 +10360,7 @@
                         <a:buNone/>
                       </a:pPr>
                       <a:r>
-                        <a:rPr lang="en-US" dirty="0" smtClean="0"/>
+                        <a:rPr lang="en-US" dirty="0"/>
                         <a:t>0</a:t>
                       </a:r>
                       <a:endParaRPr dirty="0"/>
@@ -10603,7 +10387,7 @@
                         <a:buNone/>
                       </a:pPr>
                       <a:r>
-                        <a:rPr lang="en-US" dirty="0" smtClean="0"/>
+                        <a:rPr lang="en-US" dirty="0"/>
                         <a:t>0</a:t>
                       </a:r>
                       <a:endParaRPr dirty="0"/>
@@ -10615,6 +10399,11 @@
                     </a:solidFill>
                   </a:tcPr>
                 </a:tc>
+                <a:extLst>
+                  <a:ext uri="{0D108BD9-81ED-4DB2-BD59-A6C34878D82A}">
+                    <a16:rowId xmlns:a16="http://schemas.microsoft.com/office/drawing/2014/main" val="10008"/>
+                  </a:ext>
+                </a:extLst>
               </a:tr>
               <a:tr h="536285">
                 <a:tc>
@@ -10632,7 +10421,7 @@
                         <a:buNone/>
                       </a:pPr>
                       <a:r>
-                        <a:rPr lang="en-US" sz="1100" dirty="0" smtClean="0"/>
+                        <a:rPr lang="en-US" sz="1100" dirty="0"/>
                         <a:t>Admin analytics and feedback</a:t>
                       </a:r>
                       <a:endParaRPr sz="1100"/>
@@ -10659,7 +10448,7 @@
                         <a:buNone/>
                       </a:pPr>
                       <a:r>
-                        <a:rPr lang="en-US" sz="1000" dirty="0" smtClean="0"/>
+                        <a:rPr lang="en-US" sz="1000" dirty="0"/>
                         <a:t>08/10/2025</a:t>
                       </a:r>
                       <a:endParaRPr sz="1000"/>
@@ -10686,7 +10475,7 @@
                         <a:buNone/>
                       </a:pPr>
                       <a:r>
-                        <a:rPr lang="en-US" dirty="0" smtClean="0"/>
+                        <a:rPr lang="en-US" dirty="0"/>
                         <a:t>5</a:t>
                       </a:r>
                       <a:endParaRPr/>
@@ -10713,7 +10502,7 @@
                         <a:buNone/>
                       </a:pPr>
                       <a:r>
-                        <a:rPr lang="en-US" dirty="0" smtClean="0"/>
+                        <a:rPr lang="en-US" dirty="0"/>
                         <a:t>1</a:t>
                       </a:r>
                       <a:endParaRPr/>
@@ -10740,7 +10529,7 @@
                         <a:buNone/>
                       </a:pPr>
                       <a:r>
-                        <a:rPr lang="en-US" dirty="0" smtClean="0"/>
+                        <a:rPr lang="en-US" dirty="0"/>
                         <a:t>1</a:t>
                       </a:r>
                       <a:endParaRPr/>
@@ -10767,7 +10556,7 @@
                         <a:buNone/>
                       </a:pPr>
                       <a:r>
-                        <a:rPr lang="en-US" dirty="0" smtClean="0"/>
+                        <a:rPr lang="en-US" dirty="0"/>
                         <a:t>1</a:t>
                       </a:r>
                       <a:endParaRPr/>
@@ -10794,7 +10583,7 @@
                         <a:buNone/>
                       </a:pPr>
                       <a:r>
-                        <a:rPr lang="en-US" dirty="0" smtClean="0"/>
+                        <a:rPr lang="en-US" dirty="0"/>
                         <a:t>1</a:t>
                       </a:r>
                       <a:endParaRPr/>
@@ -10821,7 +10610,7 @@
                         <a:buNone/>
                       </a:pPr>
                       <a:r>
-                        <a:rPr lang="en-US" dirty="0" smtClean="0"/>
+                        <a:rPr lang="en-US" dirty="0"/>
                         <a:t>1</a:t>
                       </a:r>
                       <a:endParaRPr dirty="0"/>
@@ -10848,7 +10637,7 @@
                         <a:buNone/>
                       </a:pPr>
                       <a:r>
-                        <a:rPr lang="en-US" dirty="0" smtClean="0"/>
+                        <a:rPr lang="en-US" dirty="0"/>
                         <a:t>0</a:t>
                       </a:r>
                       <a:endParaRPr dirty="0"/>
@@ -10875,7 +10664,7 @@
                         <a:buNone/>
                       </a:pPr>
                       <a:r>
-                        <a:rPr lang="en-US" dirty="0" smtClean="0"/>
+                        <a:rPr lang="en-US" dirty="0"/>
                         <a:t>0</a:t>
                       </a:r>
                       <a:endParaRPr dirty="0"/>
@@ -10902,7 +10691,7 @@
                         <a:buNone/>
                       </a:pPr>
                       <a:r>
-                        <a:rPr lang="en-US" dirty="0" smtClean="0"/>
+                        <a:rPr lang="en-US" dirty="0"/>
                         <a:t>0</a:t>
                       </a:r>
                       <a:endParaRPr dirty="0"/>
@@ -10929,7 +10718,7 @@
                         <a:buNone/>
                       </a:pPr>
                       <a:r>
-                        <a:rPr lang="en-US" dirty="0" smtClean="0"/>
+                        <a:rPr lang="en-US" dirty="0"/>
                         <a:t>0</a:t>
                       </a:r>
                       <a:endParaRPr dirty="0"/>
@@ -10956,7 +10745,7 @@
                         <a:buNone/>
                       </a:pPr>
                       <a:r>
-                        <a:rPr lang="en-US" dirty="0" smtClean="0"/>
+                        <a:rPr lang="en-US" dirty="0"/>
                         <a:t>0</a:t>
                       </a:r>
                       <a:endParaRPr dirty="0"/>
@@ -10968,6 +10757,11 @@
                     </a:solidFill>
                   </a:tcPr>
                 </a:tc>
+                <a:extLst>
+                  <a:ext uri="{0D108BD9-81ED-4DB2-BD59-A6C34878D82A}">
+                    <a16:rowId xmlns:a16="http://schemas.microsoft.com/office/drawing/2014/main" val="10009"/>
+                  </a:ext>
+                </a:extLst>
               </a:tr>
             </a:tbl>
           </a:graphicData>
@@ -11119,7 +10913,7 @@
           <p:nvPr>
             <p:extLst>
               <p:ext uri="{D42A27DB-BD31-4B8C-83A1-F6EECF244321}">
-                <p14:modId xmlns:p14="http://schemas.microsoft.com/office/powerpoint/2010/main" xmlns="" val="3902094266"/>
+                <p14:modId xmlns:p14="http://schemas.microsoft.com/office/powerpoint/2010/main" val="3902094266"/>
               </p:ext>
             </p:extLst>
           </p:nvPr>
@@ -11138,91 +10932,91 @@
                 <a:gridCol w="835508">
                   <a:extLst>
                     <a:ext uri="{9D8B030D-6E8A-4147-A177-3AD203B41FA5}">
-                      <a16:colId xmlns:a16="http://schemas.microsoft.com/office/drawing/2014/main" xmlns="" val="20000"/>
+                      <a16:colId xmlns:a16="http://schemas.microsoft.com/office/drawing/2014/main" val="20000"/>
                     </a:ext>
                   </a:extLst>
                 </a:gridCol>
                 <a:gridCol w="935543">
                   <a:extLst>
                     <a:ext uri="{9D8B030D-6E8A-4147-A177-3AD203B41FA5}">
-                      <a16:colId xmlns:a16="http://schemas.microsoft.com/office/drawing/2014/main" xmlns="" val="20001"/>
+                      <a16:colId xmlns:a16="http://schemas.microsoft.com/office/drawing/2014/main" val="20001"/>
                     </a:ext>
                   </a:extLst>
                 </a:gridCol>
                 <a:gridCol w="832316">
                   <a:extLst>
                     <a:ext uri="{9D8B030D-6E8A-4147-A177-3AD203B41FA5}">
-                      <a16:colId xmlns:a16="http://schemas.microsoft.com/office/drawing/2014/main" xmlns="" val="20002"/>
+                      <a16:colId xmlns:a16="http://schemas.microsoft.com/office/drawing/2014/main" val="20002"/>
                     </a:ext>
                   </a:extLst>
                 </a:gridCol>
                 <a:gridCol w="608247">
                   <a:extLst>
                     <a:ext uri="{9D8B030D-6E8A-4147-A177-3AD203B41FA5}">
-                      <a16:colId xmlns:a16="http://schemas.microsoft.com/office/drawing/2014/main" xmlns="" val="20003"/>
+                      <a16:colId xmlns:a16="http://schemas.microsoft.com/office/drawing/2014/main" val="20003"/>
                     </a:ext>
                   </a:extLst>
                 </a:gridCol>
                 <a:gridCol w="561996">
                   <a:extLst>
                     <a:ext uri="{9D8B030D-6E8A-4147-A177-3AD203B41FA5}">
-                      <a16:colId xmlns:a16="http://schemas.microsoft.com/office/drawing/2014/main" xmlns="" val="20004"/>
+                      <a16:colId xmlns:a16="http://schemas.microsoft.com/office/drawing/2014/main" val="20004"/>
                     </a:ext>
                   </a:extLst>
                 </a:gridCol>
                 <a:gridCol w="584134">
                   <a:extLst>
                     <a:ext uri="{9D8B030D-6E8A-4147-A177-3AD203B41FA5}">
-                      <a16:colId xmlns:a16="http://schemas.microsoft.com/office/drawing/2014/main" xmlns="" val="20005"/>
+                      <a16:colId xmlns:a16="http://schemas.microsoft.com/office/drawing/2014/main" val="20005"/>
                     </a:ext>
                   </a:extLst>
                 </a:gridCol>
                 <a:gridCol w="550169">
                   <a:extLst>
                     <a:ext uri="{9D8B030D-6E8A-4147-A177-3AD203B41FA5}">
-                      <a16:colId xmlns:a16="http://schemas.microsoft.com/office/drawing/2014/main" xmlns="" val="20006"/>
+                      <a16:colId xmlns:a16="http://schemas.microsoft.com/office/drawing/2014/main" val="20006"/>
                     </a:ext>
                   </a:extLst>
                 </a:gridCol>
                 <a:gridCol w="553615">
                   <a:extLst>
                     <a:ext uri="{9D8B030D-6E8A-4147-A177-3AD203B41FA5}">
-                      <a16:colId xmlns:a16="http://schemas.microsoft.com/office/drawing/2014/main" xmlns="" val="20007"/>
+                      <a16:colId xmlns:a16="http://schemas.microsoft.com/office/drawing/2014/main" val="20007"/>
                     </a:ext>
                   </a:extLst>
                 </a:gridCol>
                 <a:gridCol w="553615">
                   <a:extLst>
                     <a:ext uri="{9D8B030D-6E8A-4147-A177-3AD203B41FA5}">
-                      <a16:colId xmlns:a16="http://schemas.microsoft.com/office/drawing/2014/main" xmlns="" val="20008"/>
+                      <a16:colId xmlns:a16="http://schemas.microsoft.com/office/drawing/2014/main" val="20008"/>
                     </a:ext>
                   </a:extLst>
                 </a:gridCol>
                 <a:gridCol w="553615">
                   <a:extLst>
                     <a:ext uri="{9D8B030D-6E8A-4147-A177-3AD203B41FA5}">
-                      <a16:colId xmlns:a16="http://schemas.microsoft.com/office/drawing/2014/main" xmlns="" val="20009"/>
+                      <a16:colId xmlns:a16="http://schemas.microsoft.com/office/drawing/2014/main" val="20009"/>
                     </a:ext>
                   </a:extLst>
                 </a:gridCol>
                 <a:gridCol w="553615">
                   <a:extLst>
                     <a:ext uri="{9D8B030D-6E8A-4147-A177-3AD203B41FA5}">
-                      <a16:colId xmlns:a16="http://schemas.microsoft.com/office/drawing/2014/main" xmlns="" val="20010"/>
+                      <a16:colId xmlns:a16="http://schemas.microsoft.com/office/drawing/2014/main" val="20010"/>
                     </a:ext>
                   </a:extLst>
                 </a:gridCol>
                 <a:gridCol w="553615">
                   <a:extLst>
                     <a:ext uri="{9D8B030D-6E8A-4147-A177-3AD203B41FA5}">
-                      <a16:colId xmlns:a16="http://schemas.microsoft.com/office/drawing/2014/main" xmlns="" val="20011"/>
+                      <a16:colId xmlns:a16="http://schemas.microsoft.com/office/drawing/2014/main" val="20011"/>
                     </a:ext>
                   </a:extLst>
                 </a:gridCol>
                 <a:gridCol w="553615">
                   <a:extLst>
                     <a:ext uri="{9D8B030D-6E8A-4147-A177-3AD203B41FA5}">
-                      <a16:colId xmlns:a16="http://schemas.microsoft.com/office/drawing/2014/main" xmlns="" val="20012"/>
+                      <a16:colId xmlns:a16="http://schemas.microsoft.com/office/drawing/2014/main" val="20012"/>
                     </a:ext>
                   </a:extLst>
                 </a:gridCol>
@@ -11373,7 +11167,7 @@
                 </a:tc>
                 <a:extLst>
                   <a:ext uri="{0D108BD9-81ED-4DB2-BD59-A6C34878D82A}">
-                    <a16:rowId xmlns:a16="http://schemas.microsoft.com/office/drawing/2014/main" xmlns="" val="10001"/>
+                    <a16:rowId xmlns:a16="http://schemas.microsoft.com/office/drawing/2014/main" val="10001"/>
                   </a:ext>
                 </a:extLst>
               </a:tr>
@@ -11393,7 +11187,7 @@
                         <a:buNone/>
                       </a:pPr>
                       <a:r>
-                        <a:rPr lang="en" sz="1100" dirty="0" smtClean="0"/>
+                        <a:rPr lang="en" sz="1100" dirty="0"/>
                         <a:t>Final testing and debugging</a:t>
                       </a:r>
                       <a:endParaRPr sz="1100" dirty="0"/>
@@ -11420,7 +11214,7 @@
                         <a:buNone/>
                       </a:pPr>
                       <a:r>
-                        <a:rPr lang="en" sz="1000" dirty="0" smtClean="0"/>
+                        <a:rPr lang="en" sz="1000" dirty="0"/>
                         <a:t>10/10/2025</a:t>
                       </a:r>
                       <a:endParaRPr sz="1000" dirty="0"/>
@@ -11447,7 +11241,7 @@
                         <a:buNone/>
                       </a:pPr>
                       <a:r>
-                        <a:rPr lang="en" dirty="0" smtClean="0"/>
+                        <a:rPr lang="en" dirty="0"/>
                         <a:t>6</a:t>
                       </a:r>
                       <a:endParaRPr dirty="0"/>
@@ -11636,7 +11430,7 @@
                         <a:buNone/>
                       </a:pPr>
                       <a:r>
-                        <a:rPr lang="en" dirty="0" smtClean="0"/>
+                        <a:rPr lang="en" dirty="0"/>
                         <a:t>0</a:t>
                       </a:r>
                       <a:endParaRPr/>
@@ -11731,7 +11525,7 @@
                 </a:tc>
                 <a:extLst>
                   <a:ext uri="{0D108BD9-81ED-4DB2-BD59-A6C34878D82A}">
-                    <a16:rowId xmlns:a16="http://schemas.microsoft.com/office/drawing/2014/main" xmlns="" val="10002"/>
+                    <a16:rowId xmlns:a16="http://schemas.microsoft.com/office/drawing/2014/main" val="10002"/>
                   </a:ext>
                 </a:extLst>
               </a:tr>
@@ -11881,7 +11675,7 @@
                 </a:tc>
                 <a:extLst>
                   <a:ext uri="{0D108BD9-81ED-4DB2-BD59-A6C34878D82A}">
-                    <a16:rowId xmlns:a16="http://schemas.microsoft.com/office/drawing/2014/main" xmlns="" val="10004"/>
+                    <a16:rowId xmlns:a16="http://schemas.microsoft.com/office/drawing/2014/main" val="10004"/>
                   </a:ext>
                 </a:extLst>
               </a:tr>
@@ -12009,7 +11803,7 @@
           <p:nvPr>
             <p:extLst>
               <p:ext uri="{D42A27DB-BD31-4B8C-83A1-F6EECF244321}">
-                <p14:modId xmlns:p14="http://schemas.microsoft.com/office/powerpoint/2010/main" xmlns="" val="716020743"/>
+                <p14:modId xmlns:p14="http://schemas.microsoft.com/office/powerpoint/2010/main" val="716020743"/>
               </p:ext>
             </p:extLst>
           </p:nvPr>
@@ -12028,35 +11822,35 @@
                 <a:gridCol w="1612450">
                   <a:extLst>
                     <a:ext uri="{9D8B030D-6E8A-4147-A177-3AD203B41FA5}">
-                      <a16:colId xmlns:a16="http://schemas.microsoft.com/office/drawing/2014/main" xmlns="" val="20000"/>
+                      <a16:colId xmlns:a16="http://schemas.microsoft.com/office/drawing/2014/main" val="20000"/>
                     </a:ext>
                   </a:extLst>
                 </a:gridCol>
                 <a:gridCol w="1612450">
                   <a:extLst>
                     <a:ext uri="{9D8B030D-6E8A-4147-A177-3AD203B41FA5}">
-                      <a16:colId xmlns:a16="http://schemas.microsoft.com/office/drawing/2014/main" xmlns="" val="20001"/>
+                      <a16:colId xmlns:a16="http://schemas.microsoft.com/office/drawing/2014/main" val="20001"/>
                     </a:ext>
                   </a:extLst>
                 </a:gridCol>
                 <a:gridCol w="1612450">
                   <a:extLst>
                     <a:ext uri="{9D8B030D-6E8A-4147-A177-3AD203B41FA5}">
-                      <a16:colId xmlns:a16="http://schemas.microsoft.com/office/drawing/2014/main" xmlns="" val="20002"/>
+                      <a16:colId xmlns:a16="http://schemas.microsoft.com/office/drawing/2014/main" val="20002"/>
                     </a:ext>
                   </a:extLst>
                 </a:gridCol>
                 <a:gridCol w="1612450">
                   <a:extLst>
                     <a:ext uri="{9D8B030D-6E8A-4147-A177-3AD203B41FA5}">
-                      <a16:colId xmlns:a16="http://schemas.microsoft.com/office/drawing/2014/main" xmlns="" val="20003"/>
+                      <a16:colId xmlns:a16="http://schemas.microsoft.com/office/drawing/2014/main" val="20003"/>
                     </a:ext>
                   </a:extLst>
                 </a:gridCol>
                 <a:gridCol w="1715425">
                   <a:extLst>
                     <a:ext uri="{9D8B030D-6E8A-4147-A177-3AD203B41FA5}">
-                      <a16:colId xmlns:a16="http://schemas.microsoft.com/office/drawing/2014/main" xmlns="" val="20004"/>
+                      <a16:colId xmlns:a16="http://schemas.microsoft.com/office/drawing/2014/main" val="20004"/>
                     </a:ext>
                   </a:extLst>
                 </a:gridCol>
@@ -12257,7 +12051,7 @@
                 </a:tc>
                 <a:extLst>
                   <a:ext uri="{0D108BD9-81ED-4DB2-BD59-A6C34878D82A}">
-                    <a16:rowId xmlns:a16="http://schemas.microsoft.com/office/drawing/2014/main" xmlns="" val="10000"/>
+                    <a16:rowId xmlns:a16="http://schemas.microsoft.com/office/drawing/2014/main" val="10000"/>
                   </a:ext>
                 </a:extLst>
               </a:tr>
@@ -12304,7 +12098,7 @@
                         <a:buNone/>
                       </a:pPr>
                       <a:r>
-                        <a:rPr lang="en" dirty="0" smtClean="0"/>
+                        <a:rPr lang="en" dirty="0"/>
                         <a:t>CUSTOMER REGISTRATION</a:t>
                       </a:r>
                       <a:endParaRPr dirty="0"/>
@@ -12385,7 +12179,7 @@
                         <a:buNone/>
                       </a:pPr>
                       <a:r>
-                        <a:rPr lang="en" dirty="0" smtClean="0"/>
+                        <a:rPr lang="en" dirty="0"/>
                         <a:t>PLANNED</a:t>
                       </a:r>
                       <a:endParaRPr dirty="0"/>
@@ -12399,7 +12193,7 @@
                 </a:tc>
                 <a:extLst>
                   <a:ext uri="{0D108BD9-81ED-4DB2-BD59-A6C34878D82A}">
-                    <a16:rowId xmlns:a16="http://schemas.microsoft.com/office/drawing/2014/main" xmlns="" val="10001"/>
+                    <a16:rowId xmlns:a16="http://schemas.microsoft.com/office/drawing/2014/main" val="10001"/>
                   </a:ext>
                 </a:extLst>
               </a:tr>
@@ -12446,11 +12240,11 @@
                         <a:buNone/>
                       </a:pPr>
                       <a:r>
-                        <a:rPr lang="en" dirty="0" smtClean="0"/>
+                        <a:rPr lang="en" dirty="0"/>
                         <a:t>CUSTOMER</a:t>
                       </a:r>
                       <a:r>
-                        <a:rPr lang="en" baseline="0" dirty="0" smtClean="0"/>
+                        <a:rPr lang="en" baseline="0" dirty="0"/>
                         <a:t> LOGIN</a:t>
                       </a:r>
                       <a:endParaRPr dirty="0"/>
@@ -12531,10 +12325,9 @@
                         <a:buNone/>
                       </a:pPr>
                       <a:r>
-                        <a:rPr lang="en-US" dirty="0" smtClean="0"/>
+                        <a:rPr lang="en-US" dirty="0"/>
                         <a:t>PLANNED</a:t>
                       </a:r>
-                      <a:endParaRPr lang="en-US" dirty="0"/>
                     </a:p>
                   </a:txBody>
                   <a:tcPr marL="91425" marR="91425" marT="91425" marB="91425" anchor="ctr">
@@ -12545,7 +12338,7 @@
                 </a:tc>
                 <a:extLst>
                   <a:ext uri="{0D108BD9-81ED-4DB2-BD59-A6C34878D82A}">
-                    <a16:rowId xmlns:a16="http://schemas.microsoft.com/office/drawing/2014/main" xmlns="" val="10002"/>
+                    <a16:rowId xmlns:a16="http://schemas.microsoft.com/office/drawing/2014/main" val="10002"/>
                   </a:ext>
                 </a:extLst>
               </a:tr>
@@ -12592,7 +12385,7 @@
                         <a:buNone/>
                       </a:pPr>
                       <a:r>
-                        <a:rPr lang="en-US" dirty="0" smtClean="0"/>
+                        <a:rPr lang="en-US" dirty="0"/>
                         <a:t>SALON OWNER REGISTRATION</a:t>
                       </a:r>
                       <a:endParaRPr dirty="0"/>
@@ -12646,7 +12439,7 @@
                         <a:buNone/>
                       </a:pPr>
                       <a:r>
-                        <a:rPr lang="en" dirty="0" smtClean="0"/>
+                        <a:rPr lang="en" dirty="0"/>
                         <a:t>6</a:t>
                       </a:r>
                       <a:endParaRPr dirty="0"/>
@@ -12673,10 +12466,9 @@
                         <a:buNone/>
                       </a:pPr>
                       <a:r>
-                        <a:rPr lang="en-US" dirty="0" smtClean="0"/>
+                        <a:rPr lang="en-US" dirty="0"/>
                         <a:t>PLANNED</a:t>
                       </a:r>
-                      <a:endParaRPr lang="en-US" dirty="0"/>
                     </a:p>
                   </a:txBody>
                   <a:tcPr marL="91425" marR="91425" marT="91425" marB="91425" anchor="ctr">
@@ -12687,7 +12479,7 @@
                 </a:tc>
                 <a:extLst>
                   <a:ext uri="{0D108BD9-81ED-4DB2-BD59-A6C34878D82A}">
-                    <a16:rowId xmlns:a16="http://schemas.microsoft.com/office/drawing/2014/main" xmlns="" val="10003"/>
+                    <a16:rowId xmlns:a16="http://schemas.microsoft.com/office/drawing/2014/main" val="10003"/>
                   </a:ext>
                 </a:extLst>
               </a:tr>
@@ -12734,7 +12526,7 @@
                         <a:buNone/>
                       </a:pPr>
                       <a:r>
-                        <a:rPr lang="en" dirty="0" smtClean="0"/>
+                        <a:rPr lang="en" dirty="0"/>
                         <a:t>ADMIN ACCESS</a:t>
                       </a:r>
                       <a:endParaRPr/>
@@ -12788,7 +12580,7 @@
                         <a:buNone/>
                       </a:pPr>
                       <a:r>
-                        <a:rPr lang="en" dirty="0" smtClean="0"/>
+                        <a:rPr lang="en" dirty="0"/>
                         <a:t>6</a:t>
                       </a:r>
                       <a:endParaRPr dirty="0"/>
@@ -12815,10 +12607,9 @@
                         <a:buNone/>
                       </a:pPr>
                       <a:r>
-                        <a:rPr lang="en-US" dirty="0" smtClean="0"/>
+                        <a:rPr lang="en-US" dirty="0"/>
                         <a:t>PLANNED</a:t>
                       </a:r>
-                      <a:endParaRPr lang="en-US" dirty="0"/>
                     </a:p>
                   </a:txBody>
                   <a:tcPr marL="91425" marR="91425" marT="91425" marB="91425" anchor="ctr">
@@ -12829,7 +12620,7 @@
                 </a:tc>
                 <a:extLst>
                   <a:ext uri="{0D108BD9-81ED-4DB2-BD59-A6C34878D82A}">
-                    <a16:rowId xmlns:a16="http://schemas.microsoft.com/office/drawing/2014/main" xmlns="" val="10004"/>
+                    <a16:rowId xmlns:a16="http://schemas.microsoft.com/office/drawing/2014/main" val="10004"/>
                   </a:ext>
                 </a:extLst>
               </a:tr>
@@ -12876,7 +12667,7 @@
                         <a:buNone/>
                       </a:pPr>
                       <a:r>
-                        <a:rPr lang="en" dirty="0" smtClean="0"/>
+                        <a:rPr lang="en" dirty="0"/>
                         <a:t>APPROVE/REJECT SALON REGISTRATIONS</a:t>
                       </a:r>
                       <a:endParaRPr/>
@@ -12903,7 +12694,7 @@
                         <a:buNone/>
                       </a:pPr>
                       <a:r>
-                        <a:rPr lang="en" dirty="0" smtClean="0"/>
+                        <a:rPr lang="en" dirty="0"/>
                         <a:t>HIGH</a:t>
                       </a:r>
                       <a:endParaRPr dirty="0"/>
@@ -12930,7 +12721,7 @@
                         <a:buNone/>
                       </a:pPr>
                       <a:r>
-                        <a:rPr lang="en" dirty="0" smtClean="0"/>
+                        <a:rPr lang="en" dirty="0"/>
                         <a:t>8</a:t>
                       </a:r>
                       <a:endParaRPr dirty="0"/>
@@ -12957,10 +12748,9 @@
                         <a:buNone/>
                       </a:pPr>
                       <a:r>
-                        <a:rPr lang="en-US" dirty="0" smtClean="0"/>
+                        <a:rPr lang="en-US" dirty="0"/>
                         <a:t>PLANNED</a:t>
                       </a:r>
-                      <a:endParaRPr lang="en-US" dirty="0"/>
                     </a:p>
                   </a:txBody>
                   <a:tcPr marL="91425" marR="91425" marT="91425" marB="91425" anchor="ctr">
@@ -12971,7 +12761,7 @@
                 </a:tc>
                 <a:extLst>
                   <a:ext uri="{0D108BD9-81ED-4DB2-BD59-A6C34878D82A}">
-                    <a16:rowId xmlns:a16="http://schemas.microsoft.com/office/drawing/2014/main" xmlns="" val="10005"/>
+                    <a16:rowId xmlns:a16="http://schemas.microsoft.com/office/drawing/2014/main" val="10005"/>
                   </a:ext>
                 </a:extLst>
               </a:tr>
@@ -12982,7 +12772,7 @@
     </p:spTree>
     <p:extLst>
       <p:ext uri="{BB962C8B-B14F-4D97-AF65-F5344CB8AC3E}">
-        <p14:creationId xmlns:p14="http://schemas.microsoft.com/office/powerpoint/2010/main" xmlns="" val="3729327754"/>
+        <p14:creationId xmlns:p14="http://schemas.microsoft.com/office/powerpoint/2010/main" val="3729327754"/>
       </p:ext>
     </p:extLst>
   </p:cSld>
@@ -13104,7 +12894,7 @@
           <p:nvPr>
             <p:extLst>
               <p:ext uri="{D42A27DB-BD31-4B8C-83A1-F6EECF244321}">
-                <p14:modId xmlns:p14="http://schemas.microsoft.com/office/powerpoint/2010/main" xmlns="" val="716020743"/>
+                <p14:modId xmlns:p14="http://schemas.microsoft.com/office/powerpoint/2010/main" val="716020743"/>
               </p:ext>
             </p:extLst>
           </p:nvPr>
@@ -13123,35 +12913,35 @@
                 <a:gridCol w="1612450">
                   <a:extLst>
                     <a:ext uri="{9D8B030D-6E8A-4147-A177-3AD203B41FA5}">
-                      <a16:colId xmlns:a16="http://schemas.microsoft.com/office/drawing/2014/main" xmlns="" val="20000"/>
+                      <a16:colId xmlns:a16="http://schemas.microsoft.com/office/drawing/2014/main" val="20000"/>
                     </a:ext>
                   </a:extLst>
                 </a:gridCol>
                 <a:gridCol w="1612450">
                   <a:extLst>
                     <a:ext uri="{9D8B030D-6E8A-4147-A177-3AD203B41FA5}">
-                      <a16:colId xmlns:a16="http://schemas.microsoft.com/office/drawing/2014/main" xmlns="" val="20001"/>
+                      <a16:colId xmlns:a16="http://schemas.microsoft.com/office/drawing/2014/main" val="20001"/>
                     </a:ext>
                   </a:extLst>
                 </a:gridCol>
                 <a:gridCol w="1612450">
                   <a:extLst>
                     <a:ext uri="{9D8B030D-6E8A-4147-A177-3AD203B41FA5}">
-                      <a16:colId xmlns:a16="http://schemas.microsoft.com/office/drawing/2014/main" xmlns="" val="20002"/>
+                      <a16:colId xmlns:a16="http://schemas.microsoft.com/office/drawing/2014/main" val="20002"/>
                     </a:ext>
                   </a:extLst>
                 </a:gridCol>
                 <a:gridCol w="1612450">
                   <a:extLst>
                     <a:ext uri="{9D8B030D-6E8A-4147-A177-3AD203B41FA5}">
-                      <a16:colId xmlns:a16="http://schemas.microsoft.com/office/drawing/2014/main" xmlns="" val="20003"/>
+                      <a16:colId xmlns:a16="http://schemas.microsoft.com/office/drawing/2014/main" val="20003"/>
                     </a:ext>
                   </a:extLst>
                 </a:gridCol>
                 <a:gridCol w="1715425">
                   <a:extLst>
                     <a:ext uri="{9D8B030D-6E8A-4147-A177-3AD203B41FA5}">
-                      <a16:colId xmlns:a16="http://schemas.microsoft.com/office/drawing/2014/main" xmlns="" val="20004"/>
+                      <a16:colId xmlns:a16="http://schemas.microsoft.com/office/drawing/2014/main" val="20004"/>
                     </a:ext>
                   </a:extLst>
                 </a:gridCol>
@@ -13352,7 +13142,7 @@
                 </a:tc>
                 <a:extLst>
                   <a:ext uri="{0D108BD9-81ED-4DB2-BD59-A6C34878D82A}">
-                    <a16:rowId xmlns:a16="http://schemas.microsoft.com/office/drawing/2014/main" xmlns="" val="10000"/>
+                    <a16:rowId xmlns:a16="http://schemas.microsoft.com/office/drawing/2014/main" val="10000"/>
                   </a:ext>
                 </a:extLst>
               </a:tr>
@@ -13372,7 +13162,7 @@
                         <a:buNone/>
                       </a:pPr>
                       <a:r>
-                        <a:rPr lang="en" dirty="0" smtClean="0"/>
+                        <a:rPr lang="en" dirty="0"/>
                         <a:t>6</a:t>
                       </a:r>
                       <a:endParaRPr dirty="0"/>
@@ -13399,7 +13189,7 @@
                         <a:buNone/>
                       </a:pPr>
                       <a:r>
-                        <a:rPr lang="en" dirty="0" smtClean="0"/>
+                        <a:rPr lang="en" dirty="0"/>
                         <a:t>ADD AND MANAGE SERVICES</a:t>
                       </a:r>
                       <a:endParaRPr dirty="0"/>
@@ -13453,7 +13243,7 @@
                         <a:buNone/>
                       </a:pPr>
                       <a:r>
-                        <a:rPr lang="en" dirty="0" smtClean="0"/>
+                        <a:rPr lang="en" dirty="0"/>
                         <a:t>10</a:t>
                       </a:r>
                       <a:endParaRPr dirty="0"/>
@@ -13480,7 +13270,7 @@
                         <a:buNone/>
                       </a:pPr>
                       <a:r>
-                        <a:rPr lang="en" dirty="0" smtClean="0"/>
+                        <a:rPr lang="en" dirty="0"/>
                         <a:t>PLANNED</a:t>
                       </a:r>
                       <a:endParaRPr dirty="0"/>
@@ -13494,7 +13284,7 @@
                 </a:tc>
                 <a:extLst>
                   <a:ext uri="{0D108BD9-81ED-4DB2-BD59-A6C34878D82A}">
-                    <a16:rowId xmlns:a16="http://schemas.microsoft.com/office/drawing/2014/main" xmlns="" val="10001"/>
+                    <a16:rowId xmlns:a16="http://schemas.microsoft.com/office/drawing/2014/main" val="10001"/>
                   </a:ext>
                 </a:extLst>
               </a:tr>
@@ -13514,7 +13304,7 @@
                         <a:buNone/>
                       </a:pPr>
                       <a:r>
-                        <a:rPr lang="en" dirty="0" smtClean="0"/>
+                        <a:rPr lang="en" dirty="0"/>
                         <a:t>7</a:t>
                       </a:r>
                       <a:endParaRPr dirty="0"/>
@@ -13541,7 +13331,7 @@
                         <a:buNone/>
                       </a:pPr>
                       <a:r>
-                        <a:rPr lang="en" dirty="0" smtClean="0"/>
+                        <a:rPr lang="en" dirty="0"/>
                         <a:t>MANAGE STAFF AND SCHEDULES</a:t>
                       </a:r>
                       <a:endParaRPr dirty="0"/>
@@ -13568,7 +13358,7 @@
                         <a:buNone/>
                       </a:pPr>
                       <a:r>
-                        <a:rPr lang="en" dirty="0" smtClean="0"/>
+                        <a:rPr lang="en" dirty="0"/>
                         <a:t>MEDIUM</a:t>
                       </a:r>
                       <a:endParaRPr dirty="0"/>
@@ -13595,7 +13385,7 @@
                         <a:buNone/>
                       </a:pPr>
                       <a:r>
-                        <a:rPr lang="en" dirty="0" smtClean="0"/>
+                        <a:rPr lang="en" dirty="0"/>
                         <a:t>8</a:t>
                       </a:r>
                       <a:endParaRPr dirty="0"/>
@@ -13622,10 +13412,9 @@
                         <a:buNone/>
                       </a:pPr>
                       <a:r>
-                        <a:rPr lang="en-US" dirty="0" smtClean="0"/>
+                        <a:rPr lang="en-US" dirty="0"/>
                         <a:t>PLANNED</a:t>
                       </a:r>
-                      <a:endParaRPr lang="en-US" dirty="0"/>
                     </a:p>
                   </a:txBody>
                   <a:tcPr marL="91425" marR="91425" marT="91425" marB="91425" anchor="ctr">
@@ -13636,7 +13425,7 @@
                 </a:tc>
                 <a:extLst>
                   <a:ext uri="{0D108BD9-81ED-4DB2-BD59-A6C34878D82A}">
-                    <a16:rowId xmlns:a16="http://schemas.microsoft.com/office/drawing/2014/main" xmlns="" val="10002"/>
+                    <a16:rowId xmlns:a16="http://schemas.microsoft.com/office/drawing/2014/main" val="10002"/>
                   </a:ext>
                 </a:extLst>
               </a:tr>
@@ -13656,7 +13445,7 @@
                         <a:buNone/>
                       </a:pPr>
                       <a:r>
-                        <a:rPr lang="en" dirty="0" smtClean="0"/>
+                        <a:rPr lang="en" dirty="0"/>
                         <a:t>8</a:t>
                       </a:r>
                       <a:endParaRPr dirty="0"/>
@@ -13683,7 +13472,7 @@
                         <a:buNone/>
                       </a:pPr>
                       <a:r>
-                        <a:rPr lang="en-US" dirty="0" smtClean="0"/>
+                        <a:rPr lang="en-US" dirty="0"/>
                         <a:t>SEARCH SALONS</a:t>
                       </a:r>
                       <a:endParaRPr dirty="0"/>
@@ -13737,7 +13526,7 @@
                         <a:buNone/>
                       </a:pPr>
                       <a:r>
-                        <a:rPr lang="en" dirty="0" smtClean="0"/>
+                        <a:rPr lang="en" dirty="0"/>
                         <a:t>12</a:t>
                       </a:r>
                       <a:endParaRPr dirty="0"/>
@@ -13764,10 +13553,9 @@
                         <a:buNone/>
                       </a:pPr>
                       <a:r>
-                        <a:rPr lang="en-US" dirty="0" smtClean="0"/>
+                        <a:rPr lang="en-US" dirty="0"/>
                         <a:t>PLANNED</a:t>
                       </a:r>
-                      <a:endParaRPr lang="en-US" dirty="0"/>
                     </a:p>
                   </a:txBody>
                   <a:tcPr marL="91425" marR="91425" marT="91425" marB="91425" anchor="ctr">
@@ -13778,7 +13566,7 @@
                 </a:tc>
                 <a:extLst>
                   <a:ext uri="{0D108BD9-81ED-4DB2-BD59-A6C34878D82A}">
-                    <a16:rowId xmlns:a16="http://schemas.microsoft.com/office/drawing/2014/main" xmlns="" val="10003"/>
+                    <a16:rowId xmlns:a16="http://schemas.microsoft.com/office/drawing/2014/main" val="10003"/>
                   </a:ext>
                 </a:extLst>
               </a:tr>
@@ -13798,7 +13586,7 @@
                         <a:buNone/>
                       </a:pPr>
                       <a:r>
-                        <a:rPr lang="en" dirty="0" smtClean="0"/>
+                        <a:rPr lang="en" dirty="0"/>
                         <a:t>9</a:t>
                       </a:r>
                       <a:endParaRPr dirty="0"/>
@@ -13825,7 +13613,7 @@
                         <a:buNone/>
                       </a:pPr>
                       <a:r>
-                        <a:rPr lang="en" dirty="0" smtClean="0"/>
+                        <a:rPr lang="en" dirty="0"/>
                         <a:t>VIEW SERVICES AND PRICING</a:t>
                       </a:r>
                       <a:endParaRPr/>
@@ -13879,7 +13667,7 @@
                         <a:buNone/>
                       </a:pPr>
                       <a:r>
-                        <a:rPr lang="en" dirty="0" smtClean="0"/>
+                        <a:rPr lang="en" dirty="0"/>
                         <a:t>8</a:t>
                       </a:r>
                       <a:endParaRPr dirty="0"/>
@@ -13906,10 +13694,9 @@
                         <a:buNone/>
                       </a:pPr>
                       <a:r>
-                        <a:rPr lang="en-US" dirty="0" smtClean="0"/>
+                        <a:rPr lang="en-US" dirty="0"/>
                         <a:t>PLANNED</a:t>
                       </a:r>
-                      <a:endParaRPr lang="en-US" dirty="0"/>
                     </a:p>
                   </a:txBody>
                   <a:tcPr marL="91425" marR="91425" marT="91425" marB="91425" anchor="ctr">
@@ -13920,7 +13707,7 @@
                 </a:tc>
                 <a:extLst>
                   <a:ext uri="{0D108BD9-81ED-4DB2-BD59-A6C34878D82A}">
-                    <a16:rowId xmlns:a16="http://schemas.microsoft.com/office/drawing/2014/main" xmlns="" val="10004"/>
+                    <a16:rowId xmlns:a16="http://schemas.microsoft.com/office/drawing/2014/main" val="10004"/>
                   </a:ext>
                 </a:extLst>
               </a:tr>
@@ -13940,7 +13727,7 @@
                         <a:buNone/>
                       </a:pPr>
                       <a:r>
-                        <a:rPr lang="en" dirty="0" smtClean="0"/>
+                        <a:rPr lang="en" dirty="0"/>
                         <a:t>10</a:t>
                       </a:r>
                       <a:endParaRPr dirty="0"/>
@@ -13967,7 +13754,7 @@
                         <a:buNone/>
                       </a:pPr>
                       <a:r>
-                        <a:rPr lang="en" dirty="0" smtClean="0"/>
+                        <a:rPr lang="en" dirty="0"/>
                         <a:t>BOOK APPOINTMENT</a:t>
                       </a:r>
                       <a:endParaRPr/>
@@ -13994,7 +13781,7 @@
                         <a:buNone/>
                       </a:pPr>
                       <a:r>
-                        <a:rPr lang="en" dirty="0" smtClean="0"/>
+                        <a:rPr lang="en" dirty="0"/>
                         <a:t>HIGH</a:t>
                       </a:r>
                       <a:endParaRPr dirty="0"/>
@@ -14021,7 +13808,7 @@
                         <a:buNone/>
                       </a:pPr>
                       <a:r>
-                        <a:rPr lang="en" dirty="0" smtClean="0"/>
+                        <a:rPr lang="en" dirty="0"/>
                         <a:t>12</a:t>
                       </a:r>
                       <a:endParaRPr dirty="0"/>
@@ -14048,10 +13835,9 @@
                         <a:buNone/>
                       </a:pPr>
                       <a:r>
-                        <a:rPr lang="en-US" dirty="0" smtClean="0"/>
+                        <a:rPr lang="en-US" dirty="0"/>
                         <a:t>PLANNED</a:t>
                       </a:r>
-                      <a:endParaRPr lang="en-US" dirty="0"/>
                     </a:p>
                   </a:txBody>
                   <a:tcPr marL="91425" marR="91425" marT="91425" marB="91425" anchor="ctr">
@@ -14062,7 +13848,7 @@
                 </a:tc>
                 <a:extLst>
                   <a:ext uri="{0D108BD9-81ED-4DB2-BD59-A6C34878D82A}">
-                    <a16:rowId xmlns:a16="http://schemas.microsoft.com/office/drawing/2014/main" xmlns="" val="10005"/>
+                    <a16:rowId xmlns:a16="http://schemas.microsoft.com/office/drawing/2014/main" val="10005"/>
                   </a:ext>
                 </a:extLst>
               </a:tr>
@@ -14099,7 +13885,7 @@
     </p:spTree>
     <p:extLst>
       <p:ext uri="{BB962C8B-B14F-4D97-AF65-F5344CB8AC3E}">
-        <p14:creationId xmlns:p14="http://schemas.microsoft.com/office/powerpoint/2010/main" xmlns="" val="3729327754"/>
+        <p14:creationId xmlns:p14="http://schemas.microsoft.com/office/powerpoint/2010/main" val="3729327754"/>
       </p:ext>
     </p:extLst>
   </p:cSld>
@@ -14221,7 +14007,7 @@
           <p:nvPr>
             <p:extLst>
               <p:ext uri="{D42A27DB-BD31-4B8C-83A1-F6EECF244321}">
-                <p14:modId xmlns:p14="http://schemas.microsoft.com/office/powerpoint/2010/main" xmlns="" val="716020743"/>
+                <p14:modId xmlns:p14="http://schemas.microsoft.com/office/powerpoint/2010/main" val="716020743"/>
               </p:ext>
             </p:extLst>
           </p:nvPr>
@@ -14240,35 +14026,35 @@
                 <a:gridCol w="1612450">
                   <a:extLst>
                     <a:ext uri="{9D8B030D-6E8A-4147-A177-3AD203B41FA5}">
-                      <a16:colId xmlns:a16="http://schemas.microsoft.com/office/drawing/2014/main" xmlns="" val="20000"/>
+                      <a16:colId xmlns:a16="http://schemas.microsoft.com/office/drawing/2014/main" val="20000"/>
                     </a:ext>
                   </a:extLst>
                 </a:gridCol>
                 <a:gridCol w="1612450">
                   <a:extLst>
                     <a:ext uri="{9D8B030D-6E8A-4147-A177-3AD203B41FA5}">
-                      <a16:colId xmlns:a16="http://schemas.microsoft.com/office/drawing/2014/main" xmlns="" val="20001"/>
+                      <a16:colId xmlns:a16="http://schemas.microsoft.com/office/drawing/2014/main" val="20001"/>
                     </a:ext>
                   </a:extLst>
                 </a:gridCol>
                 <a:gridCol w="1612450">
                   <a:extLst>
                     <a:ext uri="{9D8B030D-6E8A-4147-A177-3AD203B41FA5}">
-                      <a16:colId xmlns:a16="http://schemas.microsoft.com/office/drawing/2014/main" xmlns="" val="20002"/>
+                      <a16:colId xmlns:a16="http://schemas.microsoft.com/office/drawing/2014/main" val="20002"/>
                     </a:ext>
                   </a:extLst>
                 </a:gridCol>
                 <a:gridCol w="1612450">
                   <a:extLst>
                     <a:ext uri="{9D8B030D-6E8A-4147-A177-3AD203B41FA5}">
-                      <a16:colId xmlns:a16="http://schemas.microsoft.com/office/drawing/2014/main" xmlns="" val="20003"/>
+                      <a16:colId xmlns:a16="http://schemas.microsoft.com/office/drawing/2014/main" val="20003"/>
                     </a:ext>
                   </a:extLst>
                 </a:gridCol>
                 <a:gridCol w="1715425">
                   <a:extLst>
                     <a:ext uri="{9D8B030D-6E8A-4147-A177-3AD203B41FA5}">
-                      <a16:colId xmlns:a16="http://schemas.microsoft.com/office/drawing/2014/main" xmlns="" val="20004"/>
+                      <a16:colId xmlns:a16="http://schemas.microsoft.com/office/drawing/2014/main" val="20004"/>
                     </a:ext>
                   </a:extLst>
                 </a:gridCol>
@@ -14469,7 +14255,7 @@
                 </a:tc>
                 <a:extLst>
                   <a:ext uri="{0D108BD9-81ED-4DB2-BD59-A6C34878D82A}">
-                    <a16:rowId xmlns:a16="http://schemas.microsoft.com/office/drawing/2014/main" xmlns="" val="10000"/>
+                    <a16:rowId xmlns:a16="http://schemas.microsoft.com/office/drawing/2014/main" val="10000"/>
                   </a:ext>
                 </a:extLst>
               </a:tr>
@@ -14489,7 +14275,7 @@
                         <a:buNone/>
                       </a:pPr>
                       <a:r>
-                        <a:rPr lang="en" dirty="0" smtClean="0"/>
+                        <a:rPr lang="en" dirty="0"/>
                         <a:t>11</a:t>
                       </a:r>
                       <a:endParaRPr dirty="0"/>
@@ -14516,7 +14302,7 @@
                         <a:buNone/>
                       </a:pPr>
                       <a:r>
-                        <a:rPr lang="en" dirty="0" smtClean="0"/>
+                        <a:rPr lang="en" dirty="0"/>
                         <a:t>SELECT SPECIFIC STYLIST</a:t>
                       </a:r>
                       <a:endParaRPr dirty="0"/>
@@ -14543,7 +14329,7 @@
                         <a:buNone/>
                       </a:pPr>
                       <a:r>
-                        <a:rPr lang="en" dirty="0" smtClean="0"/>
+                        <a:rPr lang="en" dirty="0"/>
                         <a:t>MEDIUM</a:t>
                       </a:r>
                       <a:endParaRPr dirty="0"/>
@@ -14570,7 +14356,7 @@
                         <a:buNone/>
                       </a:pPr>
                       <a:r>
-                        <a:rPr lang="en" dirty="0" smtClean="0"/>
+                        <a:rPr lang="en" dirty="0"/>
                         <a:t>6</a:t>
                       </a:r>
                       <a:endParaRPr dirty="0"/>
@@ -14597,7 +14383,7 @@
                         <a:buNone/>
                       </a:pPr>
                       <a:r>
-                        <a:rPr lang="en" dirty="0" smtClean="0"/>
+                        <a:rPr lang="en" dirty="0"/>
                         <a:t>PLANNED</a:t>
                       </a:r>
                       <a:endParaRPr dirty="0"/>
@@ -14611,7 +14397,7 @@
                 </a:tc>
                 <a:extLst>
                   <a:ext uri="{0D108BD9-81ED-4DB2-BD59-A6C34878D82A}">
-                    <a16:rowId xmlns:a16="http://schemas.microsoft.com/office/drawing/2014/main" xmlns="" val="10001"/>
+                    <a16:rowId xmlns:a16="http://schemas.microsoft.com/office/drawing/2014/main" val="10001"/>
                   </a:ext>
                 </a:extLst>
               </a:tr>
@@ -14631,7 +14417,7 @@
                         <a:buNone/>
                       </a:pPr>
                       <a:r>
-                        <a:rPr lang="en" dirty="0" smtClean="0"/>
+                        <a:rPr lang="en" dirty="0"/>
                         <a:t>12</a:t>
                       </a:r>
                       <a:endParaRPr dirty="0"/>
@@ -14658,7 +14444,7 @@
                         <a:buNone/>
                       </a:pPr>
                       <a:r>
-                        <a:rPr lang="en" dirty="0" smtClean="0"/>
+                        <a:rPr lang="en" dirty="0"/>
                         <a:t>VIEW BOOKING HISTORY</a:t>
                       </a:r>
                       <a:endParaRPr dirty="0"/>
@@ -14685,7 +14471,7 @@
                         <a:buNone/>
                       </a:pPr>
                       <a:r>
-                        <a:rPr lang="en" dirty="0" smtClean="0"/>
+                        <a:rPr lang="en" dirty="0"/>
                         <a:t>MEDIUM</a:t>
                       </a:r>
                       <a:endParaRPr dirty="0"/>
@@ -14712,7 +14498,7 @@
                         <a:buNone/>
                       </a:pPr>
                       <a:r>
-                        <a:rPr lang="en" dirty="0" smtClean="0"/>
+                        <a:rPr lang="en" dirty="0"/>
                         <a:t>5</a:t>
                       </a:r>
                       <a:endParaRPr dirty="0"/>
@@ -14739,10 +14525,9 @@
                         <a:buNone/>
                       </a:pPr>
                       <a:r>
-                        <a:rPr lang="en-US" dirty="0" smtClean="0"/>
+                        <a:rPr lang="en-US" dirty="0"/>
                         <a:t>PLANNED</a:t>
                       </a:r>
-                      <a:endParaRPr lang="en-US" dirty="0"/>
                     </a:p>
                   </a:txBody>
                   <a:tcPr marL="91425" marR="91425" marT="91425" marB="91425" anchor="ctr">
@@ -14753,7 +14538,7 @@
                 </a:tc>
                 <a:extLst>
                   <a:ext uri="{0D108BD9-81ED-4DB2-BD59-A6C34878D82A}">
-                    <a16:rowId xmlns:a16="http://schemas.microsoft.com/office/drawing/2014/main" xmlns="" val="10002"/>
+                    <a16:rowId xmlns:a16="http://schemas.microsoft.com/office/drawing/2014/main" val="10002"/>
                   </a:ext>
                 </a:extLst>
               </a:tr>
@@ -14773,7 +14558,7 @@
                         <a:buNone/>
                       </a:pPr>
                       <a:r>
-                        <a:rPr lang="en" dirty="0" smtClean="0"/>
+                        <a:rPr lang="en" dirty="0"/>
                         <a:t>13</a:t>
                       </a:r>
                       <a:endParaRPr dirty="0"/>
@@ -14800,11 +14585,11 @@
                         <a:buNone/>
                       </a:pPr>
                       <a:r>
-                        <a:rPr lang="en-US" dirty="0" smtClean="0"/>
+                        <a:rPr lang="en-US" dirty="0"/>
                         <a:t>NOTIFICATIONS AND</a:t>
                       </a:r>
                       <a:r>
-                        <a:rPr lang="en-US" baseline="0" dirty="0" smtClean="0"/>
+                        <a:rPr lang="en-US" baseline="0" dirty="0"/>
                         <a:t> REMINDERS</a:t>
                       </a:r>
                       <a:endParaRPr dirty="0"/>
@@ -14858,7 +14643,7 @@
                         <a:buNone/>
                       </a:pPr>
                       <a:r>
-                        <a:rPr lang="en" dirty="0" smtClean="0"/>
+                        <a:rPr lang="en" dirty="0"/>
                         <a:t>8</a:t>
                       </a:r>
                       <a:endParaRPr dirty="0"/>
@@ -14885,10 +14670,9 @@
                         <a:buNone/>
                       </a:pPr>
                       <a:r>
-                        <a:rPr lang="en-US" dirty="0" smtClean="0"/>
+                        <a:rPr lang="en-US" dirty="0"/>
                         <a:t>PLANNED</a:t>
                       </a:r>
-                      <a:endParaRPr lang="en-US" dirty="0"/>
                     </a:p>
                   </a:txBody>
                   <a:tcPr marL="91425" marR="91425" marT="91425" marB="91425" anchor="ctr">
@@ -14899,7 +14683,7 @@
                 </a:tc>
                 <a:extLst>
                   <a:ext uri="{0D108BD9-81ED-4DB2-BD59-A6C34878D82A}">
-                    <a16:rowId xmlns:a16="http://schemas.microsoft.com/office/drawing/2014/main" xmlns="" val="10003"/>
+                    <a16:rowId xmlns:a16="http://schemas.microsoft.com/office/drawing/2014/main" val="10003"/>
                   </a:ext>
                 </a:extLst>
               </a:tr>
@@ -14919,7 +14703,7 @@
                         <a:buNone/>
                       </a:pPr>
                       <a:r>
-                        <a:rPr lang="en" dirty="0" smtClean="0"/>
+                        <a:rPr lang="en" dirty="0"/>
                         <a:t>14</a:t>
                       </a:r>
                       <a:endParaRPr dirty="0"/>
@@ -14946,7 +14730,7 @@
                         <a:buNone/>
                       </a:pPr>
                       <a:r>
-                        <a:rPr lang="en" dirty="0" smtClean="0"/>
+                        <a:rPr lang="en" dirty="0"/>
                         <a:t>RATE AND REVIEW SERVICES</a:t>
                       </a:r>
                       <a:endParaRPr/>
@@ -14973,7 +14757,7 @@
                         <a:buNone/>
                       </a:pPr>
                       <a:r>
-                        <a:rPr lang="en" dirty="0" smtClean="0"/>
+                        <a:rPr lang="en" dirty="0"/>
                         <a:t>MEDIUM</a:t>
                       </a:r>
                       <a:endParaRPr dirty="0"/>
@@ -15000,7 +14784,7 @@
                         <a:buNone/>
                       </a:pPr>
                       <a:r>
-                        <a:rPr lang="en" dirty="0" smtClean="0"/>
+                        <a:rPr lang="en" dirty="0"/>
                         <a:t>7</a:t>
                       </a:r>
                       <a:endParaRPr dirty="0"/>
@@ -15027,10 +14811,9 @@
                         <a:buNone/>
                       </a:pPr>
                       <a:r>
-                        <a:rPr lang="en-US" dirty="0" smtClean="0"/>
+                        <a:rPr lang="en-US" dirty="0"/>
                         <a:t>PLANNED</a:t>
                       </a:r>
-                      <a:endParaRPr lang="en-US" dirty="0"/>
                     </a:p>
                   </a:txBody>
                   <a:tcPr marL="91425" marR="91425" marT="91425" marB="91425" anchor="ctr">
@@ -15041,7 +14824,7 @@
                 </a:tc>
                 <a:extLst>
                   <a:ext uri="{0D108BD9-81ED-4DB2-BD59-A6C34878D82A}">
-                    <a16:rowId xmlns:a16="http://schemas.microsoft.com/office/drawing/2014/main" xmlns="" val="10004"/>
+                    <a16:rowId xmlns:a16="http://schemas.microsoft.com/office/drawing/2014/main" val="10004"/>
                   </a:ext>
                 </a:extLst>
               </a:tr>
@@ -15078,7 +14861,7 @@
     </p:spTree>
     <p:extLst>
       <p:ext uri="{BB962C8B-B14F-4D97-AF65-F5344CB8AC3E}">
-        <p14:creationId xmlns:p14="http://schemas.microsoft.com/office/powerpoint/2010/main" xmlns="" val="3729327754"/>
+        <p14:creationId xmlns:p14="http://schemas.microsoft.com/office/powerpoint/2010/main" val="3729327754"/>
       </p:ext>
     </p:extLst>
   </p:cSld>
@@ -15200,7 +14983,7 @@
           <p:nvPr>
             <p:extLst>
               <p:ext uri="{D42A27DB-BD31-4B8C-83A1-F6EECF244321}">
-                <p14:modId xmlns:p14="http://schemas.microsoft.com/office/powerpoint/2010/main" xmlns="" val="716020743"/>
+                <p14:modId xmlns:p14="http://schemas.microsoft.com/office/powerpoint/2010/main" val="716020743"/>
               </p:ext>
             </p:extLst>
           </p:nvPr>
@@ -15219,35 +15002,35 @@
                 <a:gridCol w="1612450">
                   <a:extLst>
                     <a:ext uri="{9D8B030D-6E8A-4147-A177-3AD203B41FA5}">
-                      <a16:colId xmlns:a16="http://schemas.microsoft.com/office/drawing/2014/main" xmlns="" val="20000"/>
+                      <a16:colId xmlns:a16="http://schemas.microsoft.com/office/drawing/2014/main" val="20000"/>
                     </a:ext>
                   </a:extLst>
                 </a:gridCol>
                 <a:gridCol w="1612450">
                   <a:extLst>
                     <a:ext uri="{9D8B030D-6E8A-4147-A177-3AD203B41FA5}">
-                      <a16:colId xmlns:a16="http://schemas.microsoft.com/office/drawing/2014/main" xmlns="" val="20001"/>
+                      <a16:colId xmlns:a16="http://schemas.microsoft.com/office/drawing/2014/main" val="20001"/>
                     </a:ext>
                   </a:extLst>
                 </a:gridCol>
                 <a:gridCol w="1612450">
                   <a:extLst>
                     <a:ext uri="{9D8B030D-6E8A-4147-A177-3AD203B41FA5}">
-                      <a16:colId xmlns:a16="http://schemas.microsoft.com/office/drawing/2014/main" xmlns="" val="20002"/>
+                      <a16:colId xmlns:a16="http://schemas.microsoft.com/office/drawing/2014/main" val="20002"/>
                     </a:ext>
                   </a:extLst>
                 </a:gridCol>
                 <a:gridCol w="1612450">
                   <a:extLst>
                     <a:ext uri="{9D8B030D-6E8A-4147-A177-3AD203B41FA5}">
-                      <a16:colId xmlns:a16="http://schemas.microsoft.com/office/drawing/2014/main" xmlns="" val="20003"/>
+                      <a16:colId xmlns:a16="http://schemas.microsoft.com/office/drawing/2014/main" val="20003"/>
                     </a:ext>
                   </a:extLst>
                 </a:gridCol>
                 <a:gridCol w="1715425">
                   <a:extLst>
                     <a:ext uri="{9D8B030D-6E8A-4147-A177-3AD203B41FA5}">
-                      <a16:colId xmlns:a16="http://schemas.microsoft.com/office/drawing/2014/main" xmlns="" val="20004"/>
+                      <a16:colId xmlns:a16="http://schemas.microsoft.com/office/drawing/2014/main" val="20004"/>
                     </a:ext>
                   </a:extLst>
                 </a:gridCol>
@@ -15448,7 +15231,7 @@
                 </a:tc>
                 <a:extLst>
                   <a:ext uri="{0D108BD9-81ED-4DB2-BD59-A6C34878D82A}">
-                    <a16:rowId xmlns:a16="http://schemas.microsoft.com/office/drawing/2014/main" xmlns="" val="10000"/>
+                    <a16:rowId xmlns:a16="http://schemas.microsoft.com/office/drawing/2014/main" val="10000"/>
                   </a:ext>
                 </a:extLst>
               </a:tr>
@@ -15468,7 +15251,7 @@
                         <a:buNone/>
                       </a:pPr>
                       <a:r>
-                        <a:rPr lang="en" dirty="0" smtClean="0"/>
+                        <a:rPr lang="en" dirty="0"/>
                         <a:t>15</a:t>
                       </a:r>
                       <a:endParaRPr dirty="0"/>
@@ -15495,11 +15278,11 @@
                         <a:buNone/>
                       </a:pPr>
                       <a:r>
-                        <a:rPr lang="en" dirty="0" smtClean="0"/>
+                        <a:rPr lang="en" dirty="0"/>
                         <a:t>APPROVE/CANCEL</a:t>
                       </a:r>
                       <a:r>
-                        <a:rPr lang="en" baseline="0" dirty="0" smtClean="0"/>
+                        <a:rPr lang="en" baseline="0" dirty="0"/>
                         <a:t> BOOKINGS</a:t>
                       </a:r>
                       <a:endParaRPr dirty="0"/>
@@ -15526,7 +15309,7 @@
                         <a:buNone/>
                       </a:pPr>
                       <a:r>
-                        <a:rPr lang="en" dirty="0" smtClean="0"/>
+                        <a:rPr lang="en" dirty="0"/>
                         <a:t>HIGH</a:t>
                       </a:r>
                       <a:endParaRPr dirty="0"/>
@@ -15553,7 +15336,7 @@
                         <a:buNone/>
                       </a:pPr>
                       <a:r>
-                        <a:rPr lang="en" dirty="0" smtClean="0"/>
+                        <a:rPr lang="en" dirty="0"/>
                         <a:t>7</a:t>
                       </a:r>
                       <a:endParaRPr dirty="0"/>
@@ -15580,7 +15363,7 @@
                         <a:buNone/>
                       </a:pPr>
                       <a:r>
-                        <a:rPr lang="en" dirty="0" smtClean="0"/>
+                        <a:rPr lang="en" dirty="0"/>
                         <a:t>PLANNED</a:t>
                       </a:r>
                       <a:endParaRPr dirty="0"/>
@@ -15594,7 +15377,7 @@
                 </a:tc>
                 <a:extLst>
                   <a:ext uri="{0D108BD9-81ED-4DB2-BD59-A6C34878D82A}">
-                    <a16:rowId xmlns:a16="http://schemas.microsoft.com/office/drawing/2014/main" xmlns="" val="10001"/>
+                    <a16:rowId xmlns:a16="http://schemas.microsoft.com/office/drawing/2014/main" val="10001"/>
                   </a:ext>
                 </a:extLst>
               </a:tr>
@@ -15614,7 +15397,7 @@
                         <a:buNone/>
                       </a:pPr>
                       <a:r>
-                        <a:rPr lang="en" dirty="0" smtClean="0"/>
+                        <a:rPr lang="en" dirty="0"/>
                         <a:t>16</a:t>
                       </a:r>
                       <a:endParaRPr dirty="0"/>
@@ -15641,11 +15424,11 @@
                         <a:buNone/>
                       </a:pPr>
                       <a:r>
-                        <a:rPr lang="en" dirty="0" smtClean="0"/>
+                        <a:rPr lang="en" dirty="0"/>
                         <a:t>FEEDBACK AND</a:t>
                       </a:r>
                       <a:r>
-                        <a:rPr lang="en" baseline="0" dirty="0" smtClean="0"/>
+                        <a:rPr lang="en" baseline="0" dirty="0"/>
                         <a:t> ANALYTICS</a:t>
                       </a:r>
                       <a:endParaRPr dirty="0"/>
@@ -15672,7 +15455,7 @@
                         <a:buNone/>
                       </a:pPr>
                       <a:r>
-                        <a:rPr lang="en" dirty="0" smtClean="0"/>
+                        <a:rPr lang="en" dirty="0"/>
                         <a:t>MEDIUM</a:t>
                       </a:r>
                       <a:endParaRPr dirty="0"/>
@@ -15699,7 +15482,7 @@
                         <a:buNone/>
                       </a:pPr>
                       <a:r>
-                        <a:rPr lang="en" dirty="0" smtClean="0"/>
+                        <a:rPr lang="en" dirty="0"/>
                         <a:t>7</a:t>
                       </a:r>
                       <a:endParaRPr dirty="0"/>
@@ -15726,10 +15509,9 @@
                         <a:buNone/>
                       </a:pPr>
                       <a:r>
-                        <a:rPr lang="en-US" dirty="0" smtClean="0"/>
+                        <a:rPr lang="en-US" dirty="0"/>
                         <a:t>PLANNED</a:t>
                       </a:r>
-                      <a:endParaRPr lang="en-US" dirty="0"/>
                     </a:p>
                   </a:txBody>
                   <a:tcPr marL="91425" marR="91425" marT="91425" marB="91425" anchor="ctr">
@@ -15740,7 +15522,7 @@
                 </a:tc>
                 <a:extLst>
                   <a:ext uri="{0D108BD9-81ED-4DB2-BD59-A6C34878D82A}">
-                    <a16:rowId xmlns:a16="http://schemas.microsoft.com/office/drawing/2014/main" xmlns="" val="10002"/>
+                    <a16:rowId xmlns:a16="http://schemas.microsoft.com/office/drawing/2014/main" val="10002"/>
                   </a:ext>
                 </a:extLst>
               </a:tr>
@@ -15760,7 +15542,7 @@
                         <a:buNone/>
                       </a:pPr>
                       <a:r>
-                        <a:rPr lang="en" dirty="0" smtClean="0"/>
+                        <a:rPr lang="en" dirty="0"/>
                         <a:t>17</a:t>
                       </a:r>
                       <a:endParaRPr dirty="0"/>
@@ -15787,7 +15569,7 @@
                         <a:buNone/>
                       </a:pPr>
                       <a:r>
-                        <a:rPr lang="en-US" dirty="0" smtClean="0"/>
+                        <a:rPr lang="en-US" dirty="0"/>
                         <a:t>MANAGE USERS AND OWNERS</a:t>
                       </a:r>
                       <a:endParaRPr dirty="0"/>
@@ -15841,7 +15623,7 @@
                         <a:buNone/>
                       </a:pPr>
                       <a:r>
-                        <a:rPr lang="en" dirty="0" smtClean="0"/>
+                        <a:rPr lang="en" dirty="0"/>
                         <a:t>8</a:t>
                       </a:r>
                       <a:endParaRPr dirty="0"/>
@@ -15868,10 +15650,9 @@
                         <a:buNone/>
                       </a:pPr>
                       <a:r>
-                        <a:rPr lang="en-US" dirty="0" smtClean="0"/>
+                        <a:rPr lang="en-US" dirty="0"/>
                         <a:t>PLANNED</a:t>
                       </a:r>
-                      <a:endParaRPr lang="en-US" dirty="0"/>
                     </a:p>
                   </a:txBody>
                   <a:tcPr marL="91425" marR="91425" marT="91425" marB="91425" anchor="ctr">
@@ -15882,7 +15663,7 @@
                 </a:tc>
                 <a:extLst>
                   <a:ext uri="{0D108BD9-81ED-4DB2-BD59-A6C34878D82A}">
-                    <a16:rowId xmlns:a16="http://schemas.microsoft.com/office/drawing/2014/main" xmlns="" val="10003"/>
+                    <a16:rowId xmlns:a16="http://schemas.microsoft.com/office/drawing/2014/main" val="10003"/>
                   </a:ext>
                 </a:extLst>
               </a:tr>
@@ -15902,7 +15683,7 @@
                         <a:buNone/>
                       </a:pPr>
                       <a:r>
-                        <a:rPr lang="en" dirty="0" smtClean="0"/>
+                        <a:rPr lang="en" dirty="0"/>
                         <a:t>18</a:t>
                       </a:r>
                       <a:endParaRPr dirty="0"/>
@@ -15929,7 +15710,7 @@
                         <a:buNone/>
                       </a:pPr>
                       <a:r>
-                        <a:rPr lang="en" dirty="0" smtClean="0"/>
+                        <a:rPr lang="en" dirty="0"/>
                         <a:t>PLATFORM ANALYTICS</a:t>
                       </a:r>
                       <a:endParaRPr/>
@@ -15956,7 +15737,7 @@
                         <a:buNone/>
                       </a:pPr>
                       <a:r>
-                        <a:rPr lang="en" dirty="0" smtClean="0"/>
+                        <a:rPr lang="en" dirty="0"/>
                         <a:t>MEDIUM</a:t>
                       </a:r>
                       <a:endParaRPr dirty="0"/>
@@ -15983,7 +15764,7 @@
                         <a:buNone/>
                       </a:pPr>
                       <a:r>
-                        <a:rPr lang="en" dirty="0" smtClean="0"/>
+                        <a:rPr lang="en" dirty="0"/>
                         <a:t>7</a:t>
                       </a:r>
                       <a:endParaRPr dirty="0"/>
@@ -16010,10 +15791,9 @@
                         <a:buNone/>
                       </a:pPr>
                       <a:r>
-                        <a:rPr lang="en-US" dirty="0" smtClean="0"/>
+                        <a:rPr lang="en-US" dirty="0"/>
                         <a:t>PLANNED</a:t>
                       </a:r>
-                      <a:endParaRPr lang="en-US" dirty="0"/>
                     </a:p>
                   </a:txBody>
                   <a:tcPr marL="91425" marR="91425" marT="91425" marB="91425" anchor="ctr">
@@ -16024,7 +15804,7 @@
                 </a:tc>
                 <a:extLst>
                   <a:ext uri="{0D108BD9-81ED-4DB2-BD59-A6C34878D82A}">
-                    <a16:rowId xmlns:a16="http://schemas.microsoft.com/office/drawing/2014/main" xmlns="" val="10004"/>
+                    <a16:rowId xmlns:a16="http://schemas.microsoft.com/office/drawing/2014/main" val="10004"/>
                   </a:ext>
                 </a:extLst>
               </a:tr>
@@ -16044,7 +15824,7 @@
                         <a:buNone/>
                       </a:pPr>
                       <a:r>
-                        <a:rPr lang="en-US" dirty="0" smtClean="0"/>
+                        <a:rPr lang="en-US" dirty="0"/>
                         <a:t>19</a:t>
                       </a:r>
                       <a:endParaRPr dirty="0"/>
@@ -16071,11 +15851,11 @@
                         <a:buNone/>
                       </a:pPr>
                       <a:r>
-                        <a:rPr lang="en-US" dirty="0" smtClean="0"/>
+                        <a:rPr lang="en-US" dirty="0"/>
                         <a:t>ANALYZE</a:t>
                       </a:r>
                       <a:r>
-                        <a:rPr lang="en-US" baseline="0" dirty="0" smtClean="0"/>
+                        <a:rPr lang="en-US" baseline="0" dirty="0"/>
                         <a:t> FEEDBACK AND RATING</a:t>
                       </a:r>
                       <a:endParaRPr/>
@@ -16102,7 +15882,7 @@
                         <a:buNone/>
                       </a:pPr>
                       <a:r>
-                        <a:rPr lang="en-US" dirty="0" smtClean="0"/>
+                        <a:rPr lang="en-US" dirty="0"/>
                         <a:t>MEDIUM</a:t>
                       </a:r>
                       <a:endParaRPr dirty="0"/>
@@ -16129,7 +15909,7 @@
                         <a:buNone/>
                       </a:pPr>
                       <a:r>
-                        <a:rPr lang="en-US" dirty="0" smtClean="0"/>
+                        <a:rPr lang="en-US" dirty="0"/>
                         <a:t>6</a:t>
                       </a:r>
                       <a:endParaRPr dirty="0"/>
@@ -16156,18 +15936,22 @@
                         <a:buNone/>
                       </a:pPr>
                       <a:r>
-                        <a:rPr lang="en-US" dirty="0" smtClean="0"/>
+                        <a:rPr lang="en-US" dirty="0"/>
                         <a:t>PLANNED</a:t>
                       </a:r>
-                      <a:endParaRPr lang="en-US" dirty="0"/>
-                    </a:p>
-                  </a:txBody>
-                  <a:tcPr marL="91425" marR="91425" marT="91425" marB="91425" anchor="ctr">
-                    <a:solidFill>
-                      <a:schemeClr val="bg1"/>
-                    </a:solidFill>
-                  </a:tcPr>
-                </a:tc>
+                    </a:p>
+                  </a:txBody>
+                  <a:tcPr marL="91425" marR="91425" marT="91425" marB="91425" anchor="ctr">
+                    <a:solidFill>
+                      <a:schemeClr val="bg1"/>
+                    </a:solidFill>
+                  </a:tcPr>
+                </a:tc>
+                <a:extLst>
+                  <a:ext uri="{0D108BD9-81ED-4DB2-BD59-A6C34878D82A}">
+                    <a16:rowId xmlns:a16="http://schemas.microsoft.com/office/drawing/2014/main" val="10005"/>
+                  </a:ext>
+                </a:extLst>
               </a:tr>
             </a:tbl>
           </a:graphicData>
@@ -16202,7 +15986,7 @@
     </p:spTree>
     <p:extLst>
       <p:ext uri="{BB962C8B-B14F-4D97-AF65-F5344CB8AC3E}">
-        <p14:creationId xmlns:p14="http://schemas.microsoft.com/office/powerpoint/2010/main" xmlns="" val="3729327754"/>
+        <p14:creationId xmlns:p14="http://schemas.microsoft.com/office/powerpoint/2010/main" val="3729327754"/>
       </p:ext>
     </p:extLst>
   </p:cSld>
@@ -16258,26 +16042,12 @@
               </a:rPr>
               <a:t>PRODUCT OWNER</a:t>
             </a:r>
-            <a:r>
-              <a:rPr lang="en-US" dirty="0">
-                <a:latin typeface="Bookman Old Style" panose="02050604050505020204" pitchFamily="18" charset="0"/>
-                <a:cs typeface="Times New Roman" panose="02020603050405020304" pitchFamily="18" charset="0"/>
-              </a:rPr>
-              <a:t/>
-            </a:r>
             <a:br>
               <a:rPr lang="en-US" dirty="0">
                 <a:latin typeface="Bookman Old Style" panose="02050604050505020204" pitchFamily="18" charset="0"/>
                 <a:cs typeface="Times New Roman" panose="02020603050405020304" pitchFamily="18" charset="0"/>
               </a:rPr>
             </a:br>
-            <a:r>
-              <a:rPr lang="en-US" dirty="0">
-                <a:latin typeface="Bookman Old Style" panose="02050604050505020204" pitchFamily="18" charset="0"/>
-                <a:cs typeface="Times New Roman" panose="02020603050405020304" pitchFamily="18" charset="0"/>
-              </a:rPr>
-              <a:t/>
-            </a:r>
             <a:br>
               <a:rPr lang="en-US" dirty="0">
                 <a:latin typeface="Bookman Old Style" panose="02050604050505020204" pitchFamily="18" charset="0"/>
@@ -16288,26 +16058,12 @@
               <a:rPr lang="en-IN" sz="2800" dirty="0"/>
               <a:t>NOWSHAD C V</a:t>
             </a:r>
-            <a:r>
-              <a:rPr lang="en-US" dirty="0">
-                <a:latin typeface="Bookman Old Style" panose="02050604050505020204" pitchFamily="18" charset="0"/>
-                <a:cs typeface="Times New Roman" panose="02020603050405020304" pitchFamily="18" charset="0"/>
-              </a:rPr>
-              <a:t/>
-            </a:r>
             <a:br>
               <a:rPr lang="en-US" dirty="0">
                 <a:latin typeface="Bookman Old Style" panose="02050604050505020204" pitchFamily="18" charset="0"/>
                 <a:cs typeface="Times New Roman" panose="02020603050405020304" pitchFamily="18" charset="0"/>
               </a:rPr>
             </a:br>
-            <a:r>
-              <a:rPr lang="en-US" dirty="0">
-                <a:latin typeface="Bookman Old Style" panose="02050604050505020204" pitchFamily="18" charset="0"/>
-                <a:cs typeface="Times New Roman" panose="02020603050405020304" pitchFamily="18" charset="0"/>
-              </a:rPr>
-              <a:t/>
-            </a:r>
             <a:br>
               <a:rPr lang="en-US" dirty="0">
                 <a:latin typeface="Bookman Old Style" panose="02050604050505020204" pitchFamily="18" charset="0"/>
@@ -16317,13 +16073,6 @@
             <a:r>
               <a:rPr lang="en-IN" sz="2000" dirty="0"/>
               <a:t>ASSISTANT PROFESSOR</a:t>
-            </a:r>
-            <a:r>
-              <a:rPr lang="en-US" sz="2000" dirty="0">
-                <a:latin typeface="Bookman Old Style" panose="02050604050505020204" pitchFamily="18" charset="0"/>
-                <a:cs typeface="Times New Roman" panose="02020603050405020304" pitchFamily="18" charset="0"/>
-              </a:rPr>
-              <a:t/>
             </a:r>
             <a:br>
               <a:rPr lang="en-US" sz="2000" dirty="0">
@@ -16527,7 +16276,7 @@
     </p:spTree>
     <p:extLst>
       <p:ext uri="{BB962C8B-B14F-4D97-AF65-F5344CB8AC3E}">
-        <p14:creationId xmlns:p14="http://schemas.microsoft.com/office/powerpoint/2010/main" xmlns="" val="2979919727"/>
+        <p14:creationId xmlns:p14="http://schemas.microsoft.com/office/powerpoint/2010/main" val="2979919727"/>
       </p:ext>
     </p:extLst>
   </p:cSld>
@@ -16649,7 +16398,7 @@
           <p:nvPr>
             <p:extLst>
               <p:ext uri="{D42A27DB-BD31-4B8C-83A1-F6EECF244321}">
-                <p14:modId xmlns:p14="http://schemas.microsoft.com/office/powerpoint/2010/main" xmlns="" val="4059172709"/>
+                <p14:modId xmlns:p14="http://schemas.microsoft.com/office/powerpoint/2010/main" val="4059172709"/>
               </p:ext>
             </p:extLst>
           </p:nvPr>
@@ -16668,28 +16417,28 @@
                 <a:gridCol w="1828770">
                   <a:extLst>
                     <a:ext uri="{9D8B030D-6E8A-4147-A177-3AD203B41FA5}">
-                      <a16:colId xmlns:a16="http://schemas.microsoft.com/office/drawing/2014/main" xmlns="" val="20000"/>
+                      <a16:colId xmlns:a16="http://schemas.microsoft.com/office/drawing/2014/main" val="20000"/>
                     </a:ext>
                   </a:extLst>
                 </a:gridCol>
                 <a:gridCol w="1981230">
                   <a:extLst>
                     <a:ext uri="{9D8B030D-6E8A-4147-A177-3AD203B41FA5}">
-                      <a16:colId xmlns:a16="http://schemas.microsoft.com/office/drawing/2014/main" xmlns="" val="20001"/>
+                      <a16:colId xmlns:a16="http://schemas.microsoft.com/office/drawing/2014/main" val="20001"/>
                     </a:ext>
                   </a:extLst>
                 </a:gridCol>
                 <a:gridCol w="1780545">
                   <a:extLst>
                     <a:ext uri="{9D8B030D-6E8A-4147-A177-3AD203B41FA5}">
-                      <a16:colId xmlns:a16="http://schemas.microsoft.com/office/drawing/2014/main" xmlns="" val="20002"/>
+                      <a16:colId xmlns:a16="http://schemas.microsoft.com/office/drawing/2014/main" val="20002"/>
                     </a:ext>
                   </a:extLst>
                 </a:gridCol>
                 <a:gridCol w="2552580">
                   <a:extLst>
                     <a:ext uri="{9D8B030D-6E8A-4147-A177-3AD203B41FA5}">
-                      <a16:colId xmlns:a16="http://schemas.microsoft.com/office/drawing/2014/main" xmlns="" val="20003"/>
+                      <a16:colId xmlns:a16="http://schemas.microsoft.com/office/drawing/2014/main" val="20003"/>
                     </a:ext>
                   </a:extLst>
                 </a:gridCol>
@@ -16737,20 +16486,8 @@
                         <a:buNone/>
                       </a:pPr>
                       <a:r>
-                        <a:rPr lang="en" b="1" dirty="0" smtClean="0"/>
-                        <a:t>As a </a:t>
-                      </a:r>
-                      <a:r>
                         <a:rPr lang="en" b="1" dirty="0"/>
-                        <a:t>type </a:t>
-                      </a:r>
-                      <a:r>
-                        <a:rPr lang="en" b="1" dirty="0" smtClean="0"/>
-                        <a:t>of </a:t>
-                      </a:r>
-                      <a:r>
-                        <a:rPr lang="en" b="1" dirty="0"/>
-                        <a:t>User</a:t>
+                        <a:t>As a type of User</a:t>
                       </a:r>
                       <a:endParaRPr b="1" dirty="0"/>
                     </a:p>
@@ -16849,7 +16586,7 @@
                 </a:tc>
                 <a:extLst>
                   <a:ext uri="{0D108BD9-81ED-4DB2-BD59-A6C34878D82A}">
-                    <a16:rowId xmlns:a16="http://schemas.microsoft.com/office/drawing/2014/main" xmlns="" val="10000"/>
+                    <a16:rowId xmlns:a16="http://schemas.microsoft.com/office/drawing/2014/main" val="10000"/>
                   </a:ext>
                 </a:extLst>
               </a:tr>
@@ -16869,7 +16606,7 @@
                         <a:buNone/>
                       </a:pPr>
                       <a:r>
-                        <a:rPr lang="en" smtClean="0"/>
+                        <a:rPr lang="en"/>
                         <a:t>  1 </a:t>
                       </a:r>
                       <a:endParaRPr dirty="0"/>
@@ -16896,34 +16633,33 @@
                         <a:buNone/>
                       </a:pPr>
                       <a:r>
-                        <a:rPr lang="en-US" dirty="0" smtClean="0"/>
+                        <a:rPr lang="en-US" dirty="0"/>
                         <a:t>Customer</a:t>
                       </a:r>
-                      <a:endParaRPr lang="en-US" dirty="0"/>
-                    </a:p>
-                  </a:txBody>
-                  <a:tcPr marL="91425" marR="91425" marT="91425" marB="91425" anchor="ctr">
-                    <a:solidFill>
-                      <a:schemeClr val="bg1"/>
-                    </a:solidFill>
-                  </a:tcPr>
-                </a:tc>
-                <a:tc>
-                  <a:txBody>
-                    <a:bodyPr/>
-                    <a:lstStyle/>
-                    <a:p>
-                      <a:pPr marL="0" lvl="0" indent="0" algn="ctr" rtl="0">
-                        <a:spcBef>
-                          <a:spcPts val="0"/>
-                        </a:spcBef>
-                        <a:spcAft>
-                          <a:spcPts val="0"/>
-                        </a:spcAft>
-                        <a:buNone/>
-                      </a:pPr>
-                      <a:r>
-                        <a:rPr lang="en-US" dirty="0" smtClean="0"/>
+                    </a:p>
+                  </a:txBody>
+                  <a:tcPr marL="91425" marR="91425" marT="91425" marB="91425" anchor="ctr">
+                    <a:solidFill>
+                      <a:schemeClr val="bg1"/>
+                    </a:solidFill>
+                  </a:tcPr>
+                </a:tc>
+                <a:tc>
+                  <a:txBody>
+                    <a:bodyPr/>
+                    <a:lstStyle/>
+                    <a:p>
+                      <a:pPr marL="0" lvl="0" indent="0" algn="ctr" rtl="0">
+                        <a:spcBef>
+                          <a:spcPts val="0"/>
+                        </a:spcBef>
+                        <a:spcAft>
+                          <a:spcPts val="0"/>
+                        </a:spcAft>
+                        <a:buNone/>
+                      </a:pPr>
+                      <a:r>
+                        <a:rPr lang="en-US" dirty="0"/>
                         <a:t>Register</a:t>
                       </a:r>
                       <a:endParaRPr lang="en-US" sz="1800" kern="1200" dirty="0">
@@ -16957,7 +16693,7 @@
                         <a:buNone/>
                       </a:pPr>
                       <a:r>
-                        <a:rPr lang="en-US" dirty="0" smtClean="0"/>
+                        <a:rPr lang="en-US" dirty="0"/>
                         <a:t>Create an account to book services</a:t>
                       </a:r>
                       <a:endParaRPr sz="1800"/>
@@ -16971,7 +16707,7 @@
                 </a:tc>
                 <a:extLst>
                   <a:ext uri="{0D108BD9-81ED-4DB2-BD59-A6C34878D82A}">
-                    <a16:rowId xmlns:a16="http://schemas.microsoft.com/office/drawing/2014/main" xmlns="" val="10001"/>
+                    <a16:rowId xmlns:a16="http://schemas.microsoft.com/office/drawing/2014/main" val="10001"/>
                   </a:ext>
                 </a:extLst>
               </a:tr>
@@ -17018,7 +16754,7 @@
                         <a:buNone/>
                       </a:pPr>
                       <a:r>
-                        <a:rPr lang="en-US" dirty="0" smtClean="0"/>
+                        <a:rPr lang="en-US" dirty="0"/>
                         <a:t>Customer</a:t>
                       </a:r>
                       <a:endParaRPr dirty="0"/>
@@ -17045,7 +16781,7 @@
                         <a:buNone/>
                       </a:pPr>
                       <a:r>
-                        <a:rPr lang="en-US" dirty="0" smtClean="0"/>
+                        <a:rPr lang="en-US" dirty="0"/>
                         <a:t>Login</a:t>
                       </a:r>
                       <a:endParaRPr sz="1800" kern="1200" dirty="0">
@@ -17079,7 +16815,7 @@
                         <a:buNone/>
                       </a:pPr>
                       <a:r>
-                        <a:rPr lang="en-US" dirty="0" smtClean="0"/>
+                        <a:rPr lang="en-US" dirty="0"/>
                         <a:t>Access the platform</a:t>
                       </a:r>
                       <a:endParaRPr sz="1100"/>
@@ -17093,7 +16829,7 @@
                 </a:tc>
                 <a:extLst>
                   <a:ext uri="{0D108BD9-81ED-4DB2-BD59-A6C34878D82A}">
-                    <a16:rowId xmlns:a16="http://schemas.microsoft.com/office/drawing/2014/main" xmlns="" val="10002"/>
+                    <a16:rowId xmlns:a16="http://schemas.microsoft.com/office/drawing/2014/main" val="10002"/>
                   </a:ext>
                 </a:extLst>
               </a:tr>
@@ -17140,7 +16876,7 @@
                         <a:buNone/>
                       </a:pPr>
                       <a:r>
-                        <a:rPr lang="en-US" dirty="0" smtClean="0"/>
+                        <a:rPr lang="en-US" dirty="0"/>
                         <a:t>Salon Owner</a:t>
                       </a:r>
                       <a:endParaRPr dirty="0"/>
@@ -17167,7 +16903,7 @@
                         <a:buNone/>
                       </a:pPr>
                       <a:r>
-                        <a:rPr lang="en-US" dirty="0" smtClean="0"/>
+                        <a:rPr lang="en-US" dirty="0"/>
                         <a:t>Register</a:t>
                       </a:r>
                       <a:endParaRPr lang="en-US" sz="1800" kern="1200" dirty="0">
@@ -17201,7 +16937,7 @@
                         <a:buNone/>
                       </a:pPr>
                       <a:r>
-                        <a:rPr lang="en-US" dirty="0" smtClean="0"/>
+                        <a:rPr lang="en-US" dirty="0"/>
                         <a:t>Add my salon to the platform</a:t>
                       </a:r>
                       <a:endParaRPr sz="1800"/>
@@ -17215,7 +16951,7 @@
                 </a:tc>
                 <a:extLst>
                   <a:ext uri="{0D108BD9-81ED-4DB2-BD59-A6C34878D82A}">
-                    <a16:rowId xmlns:a16="http://schemas.microsoft.com/office/drawing/2014/main" xmlns="" val="10003"/>
+                    <a16:rowId xmlns:a16="http://schemas.microsoft.com/office/drawing/2014/main" val="10003"/>
                   </a:ext>
                 </a:extLst>
               </a:tr>
@@ -17262,7 +16998,7 @@
                         <a:buNone/>
                       </a:pPr>
                       <a:r>
-                        <a:rPr lang="en-US" dirty="0" smtClean="0"/>
+                        <a:rPr lang="en-US" dirty="0"/>
                         <a:t>Admin</a:t>
                       </a:r>
                       <a:endParaRPr/>
@@ -17289,7 +17025,7 @@
                         <a:buNone/>
                       </a:pPr>
                       <a:r>
-                        <a:rPr lang="en-US" dirty="0" smtClean="0"/>
+                        <a:rPr lang="en-US" dirty="0"/>
                         <a:t>Admin</a:t>
                       </a:r>
                       <a:endParaRPr dirty="0"/>
@@ -17316,7 +17052,7 @@
                         <a:buNone/>
                       </a:pPr>
                       <a:r>
-                        <a:rPr lang="en-US" dirty="0" smtClean="0"/>
+                        <a:rPr lang="en-US" dirty="0"/>
                         <a:t>Access the entire system</a:t>
                       </a:r>
                       <a:endParaRPr sz="1800" dirty="0"/>
@@ -17330,7 +17066,7 @@
                 </a:tc>
                 <a:extLst>
                   <a:ext uri="{0D108BD9-81ED-4DB2-BD59-A6C34878D82A}">
-                    <a16:rowId xmlns:a16="http://schemas.microsoft.com/office/drawing/2014/main" xmlns="" val="10004"/>
+                    <a16:rowId xmlns:a16="http://schemas.microsoft.com/office/drawing/2014/main" val="10004"/>
                   </a:ext>
                 </a:extLst>
               </a:tr>
@@ -17377,7 +17113,7 @@
                         <a:buNone/>
                       </a:pPr>
                       <a:r>
-                        <a:rPr lang="en-US" dirty="0" smtClean="0"/>
+                        <a:rPr lang="en-US" dirty="0"/>
                         <a:t>Admin</a:t>
                       </a:r>
                       <a:endParaRPr/>
@@ -17404,7 +17140,7 @@
                         <a:buNone/>
                       </a:pPr>
                       <a:r>
-                        <a:rPr lang="en-US" dirty="0" smtClean="0"/>
+                        <a:rPr lang="en-US" dirty="0"/>
                         <a:t>Approve or reject salon registrations</a:t>
                       </a:r>
                       <a:endParaRPr dirty="0"/>
@@ -17431,7 +17167,7 @@
                         <a:buNone/>
                       </a:pPr>
                       <a:r>
-                        <a:rPr lang="en-US" dirty="0" smtClean="0"/>
+                        <a:rPr lang="en-US" dirty="0"/>
                         <a:t>Ensure quality and trust</a:t>
                       </a:r>
                       <a:endParaRPr sz="1800" dirty="0"/>
@@ -17445,7 +17181,7 @@
                 </a:tc>
                 <a:extLst>
                   <a:ext uri="{0D108BD9-81ED-4DB2-BD59-A6C34878D82A}">
-                    <a16:rowId xmlns:a16="http://schemas.microsoft.com/office/drawing/2014/main" xmlns="" val="10005"/>
+                    <a16:rowId xmlns:a16="http://schemas.microsoft.com/office/drawing/2014/main" val="10005"/>
                   </a:ext>
                 </a:extLst>
               </a:tr>
@@ -17456,7 +17192,7 @@
     </p:spTree>
     <p:extLst>
       <p:ext uri="{BB962C8B-B14F-4D97-AF65-F5344CB8AC3E}">
-        <p14:creationId xmlns:p14="http://schemas.microsoft.com/office/powerpoint/2010/main" xmlns="" val="3480335941"/>
+        <p14:creationId xmlns:p14="http://schemas.microsoft.com/office/powerpoint/2010/main" val="3480335941"/>
       </p:ext>
     </p:extLst>
   </p:cSld>
@@ -17578,7 +17314,7 @@
           <p:nvPr>
             <p:extLst>
               <p:ext uri="{D42A27DB-BD31-4B8C-83A1-F6EECF244321}">
-                <p14:modId xmlns:p14="http://schemas.microsoft.com/office/powerpoint/2010/main" xmlns="" val="4059172709"/>
+                <p14:modId xmlns:p14="http://schemas.microsoft.com/office/powerpoint/2010/main" val="4059172709"/>
               </p:ext>
             </p:extLst>
           </p:nvPr>
@@ -17597,28 +17333,28 @@
                 <a:gridCol w="1831078">
                   <a:extLst>
                     <a:ext uri="{9D8B030D-6E8A-4147-A177-3AD203B41FA5}">
-                      <a16:colId xmlns:a16="http://schemas.microsoft.com/office/drawing/2014/main" xmlns="" val="20000"/>
+                      <a16:colId xmlns:a16="http://schemas.microsoft.com/office/drawing/2014/main" val="20000"/>
                     </a:ext>
                   </a:extLst>
                 </a:gridCol>
                 <a:gridCol w="1978922">
                   <a:extLst>
                     <a:ext uri="{9D8B030D-6E8A-4147-A177-3AD203B41FA5}">
-                      <a16:colId xmlns:a16="http://schemas.microsoft.com/office/drawing/2014/main" xmlns="" val="20001"/>
+                      <a16:colId xmlns:a16="http://schemas.microsoft.com/office/drawing/2014/main" val="20001"/>
                     </a:ext>
                   </a:extLst>
                 </a:gridCol>
                 <a:gridCol w="1787600">
                   <a:extLst>
                     <a:ext uri="{9D8B030D-6E8A-4147-A177-3AD203B41FA5}">
-                      <a16:colId xmlns:a16="http://schemas.microsoft.com/office/drawing/2014/main" xmlns="" val="20002"/>
+                      <a16:colId xmlns:a16="http://schemas.microsoft.com/office/drawing/2014/main" val="20002"/>
                     </a:ext>
                   </a:extLst>
                 </a:gridCol>
                 <a:gridCol w="2708200">
                   <a:extLst>
                     <a:ext uri="{9D8B030D-6E8A-4147-A177-3AD203B41FA5}">
-                      <a16:colId xmlns:a16="http://schemas.microsoft.com/office/drawing/2014/main" xmlns="" val="20003"/>
+                      <a16:colId xmlns:a16="http://schemas.microsoft.com/office/drawing/2014/main" val="20003"/>
                     </a:ext>
                   </a:extLst>
                 </a:gridCol>
@@ -17666,20 +17402,8 @@
                         <a:buNone/>
                       </a:pPr>
                       <a:r>
-                        <a:rPr lang="en" b="1" dirty="0" smtClean="0"/>
-                        <a:t>As a </a:t>
-                      </a:r>
-                      <a:r>
                         <a:rPr lang="en" b="1" dirty="0"/>
-                        <a:t>type </a:t>
-                      </a:r>
-                      <a:r>
-                        <a:rPr lang="en" b="1" dirty="0" smtClean="0"/>
-                        <a:t>of </a:t>
-                      </a:r>
-                      <a:r>
-                        <a:rPr lang="en" b="1" dirty="0"/>
-                        <a:t>User</a:t>
+                        <a:t>As a type of User</a:t>
                       </a:r>
                       <a:endParaRPr b="1" dirty="0"/>
                     </a:p>
@@ -17778,7 +17502,7 @@
                 </a:tc>
                 <a:extLst>
                   <a:ext uri="{0D108BD9-81ED-4DB2-BD59-A6C34878D82A}">
-                    <a16:rowId xmlns:a16="http://schemas.microsoft.com/office/drawing/2014/main" xmlns="" val="10000"/>
+                    <a16:rowId xmlns:a16="http://schemas.microsoft.com/office/drawing/2014/main" val="10000"/>
                   </a:ext>
                 </a:extLst>
               </a:tr>
@@ -17798,7 +17522,7 @@
                         <a:buNone/>
                       </a:pPr>
                       <a:r>
-                        <a:rPr lang="en" dirty="0" smtClean="0"/>
+                        <a:rPr lang="en" dirty="0"/>
                         <a:t>  6</a:t>
                       </a:r>
                       <a:endParaRPr dirty="0"/>
@@ -17825,61 +17549,59 @@
                         <a:buNone/>
                       </a:pPr>
                       <a:r>
-                        <a:rPr lang="en-US" dirty="0" smtClean="0"/>
+                        <a:rPr lang="en-US" dirty="0"/>
                         <a:t>Salon Owner</a:t>
                       </a:r>
-                      <a:endParaRPr lang="en-US" dirty="0"/>
-                    </a:p>
-                  </a:txBody>
-                  <a:tcPr marL="91425" marR="91425" marT="91425" marB="91425" anchor="ctr">
-                    <a:solidFill>
-                      <a:schemeClr val="bg1"/>
-                    </a:solidFill>
-                  </a:tcPr>
-                </a:tc>
-                <a:tc>
-                  <a:txBody>
-                    <a:bodyPr/>
-                    <a:lstStyle/>
-                    <a:p>
-                      <a:pPr marL="0" lvl="0" indent="0" algn="ctr" rtl="0">
-                        <a:spcBef>
-                          <a:spcPts val="0"/>
-                        </a:spcBef>
-                        <a:spcAft>
-                          <a:spcPts val="0"/>
-                        </a:spcAft>
-                        <a:buNone/>
-                      </a:pPr>
-                      <a:r>
-                        <a:rPr lang="en-US" dirty="0" smtClean="0"/>
+                    </a:p>
+                  </a:txBody>
+                  <a:tcPr marL="91425" marR="91425" marT="91425" marB="91425" anchor="ctr">
+                    <a:solidFill>
+                      <a:schemeClr val="bg1"/>
+                    </a:solidFill>
+                  </a:tcPr>
+                </a:tc>
+                <a:tc>
+                  <a:txBody>
+                    <a:bodyPr/>
+                    <a:lstStyle/>
+                    <a:p>
+                      <a:pPr marL="0" lvl="0" indent="0" algn="ctr" rtl="0">
+                        <a:spcBef>
+                          <a:spcPts val="0"/>
+                        </a:spcBef>
+                        <a:spcAft>
+                          <a:spcPts val="0"/>
+                        </a:spcAft>
+                        <a:buNone/>
+                      </a:pPr>
+                      <a:r>
+                        <a:rPr lang="en-US" dirty="0"/>
                         <a:t>Add and manage services</a:t>
                       </a:r>
-                      <a:endParaRPr lang="en-US" dirty="0"/>
-                    </a:p>
-                  </a:txBody>
-                  <a:tcPr marL="91425" marR="91425" marT="91425" marB="91425" anchor="ctr">
-                    <a:solidFill>
-                      <a:schemeClr val="bg1"/>
-                    </a:solidFill>
-                  </a:tcPr>
-                </a:tc>
-                <a:tc>
-                  <a:txBody>
-                    <a:bodyPr/>
-                    <a:lstStyle/>
-                    <a:p>
-                      <a:pPr marL="0" lvl="0" indent="0" algn="ctr" rtl="0">
-                        <a:spcBef>
-                          <a:spcPts val="0"/>
-                        </a:spcBef>
-                        <a:spcAft>
-                          <a:spcPts val="0"/>
-                        </a:spcAft>
-                        <a:buNone/>
-                      </a:pPr>
-                      <a:r>
-                        <a:rPr lang="en-US" dirty="0" smtClean="0"/>
+                    </a:p>
+                  </a:txBody>
+                  <a:tcPr marL="91425" marR="91425" marT="91425" marB="91425" anchor="ctr">
+                    <a:solidFill>
+                      <a:schemeClr val="bg1"/>
+                    </a:solidFill>
+                  </a:tcPr>
+                </a:tc>
+                <a:tc>
+                  <a:txBody>
+                    <a:bodyPr/>
+                    <a:lstStyle/>
+                    <a:p>
+                      <a:pPr marL="0" lvl="0" indent="0" algn="ctr" rtl="0">
+                        <a:spcBef>
+                          <a:spcPts val="0"/>
+                        </a:spcBef>
+                        <a:spcAft>
+                          <a:spcPts val="0"/>
+                        </a:spcAft>
+                        <a:buNone/>
+                      </a:pPr>
+                      <a:r>
+                        <a:rPr lang="en-US" dirty="0"/>
                         <a:t>Inform customers of available options</a:t>
                       </a:r>
                       <a:endParaRPr lang="en-US" sz="1800" dirty="0"/>
@@ -17893,7 +17615,7 @@
                 </a:tc>
                 <a:extLst>
                   <a:ext uri="{0D108BD9-81ED-4DB2-BD59-A6C34878D82A}">
-                    <a16:rowId xmlns:a16="http://schemas.microsoft.com/office/drawing/2014/main" xmlns="" val="10001"/>
+                    <a16:rowId xmlns:a16="http://schemas.microsoft.com/office/drawing/2014/main" val="10001"/>
                   </a:ext>
                 </a:extLst>
               </a:tr>
@@ -17914,11 +17636,7 @@
                       </a:pPr>
                       <a:r>
                         <a:rPr lang="en" dirty="0"/>
-                        <a:t> </a:t>
-                      </a:r>
-                      <a:r>
-                        <a:rPr lang="en" dirty="0" smtClean="0"/>
-                        <a:t> 7</a:t>
+                        <a:t>  7</a:t>
                       </a:r>
                       <a:endParaRPr/>
                     </a:p>
@@ -17944,61 +17662,59 @@
                         <a:buNone/>
                       </a:pPr>
                       <a:r>
-                        <a:rPr lang="en-US" dirty="0" smtClean="0"/>
+                        <a:rPr lang="en-US" dirty="0"/>
                         <a:t>Salon Owner</a:t>
                       </a:r>
-                      <a:endParaRPr lang="en-US" dirty="0"/>
-                    </a:p>
-                  </a:txBody>
-                  <a:tcPr marL="91425" marR="91425" marT="91425" marB="91425" anchor="ctr">
-                    <a:solidFill>
-                      <a:schemeClr val="bg1"/>
-                    </a:solidFill>
-                  </a:tcPr>
-                </a:tc>
-                <a:tc>
-                  <a:txBody>
-                    <a:bodyPr/>
-                    <a:lstStyle/>
-                    <a:p>
-                      <a:pPr marL="0" lvl="0" indent="0" algn="ctr" rtl="0">
-                        <a:spcBef>
-                          <a:spcPts val="0"/>
-                        </a:spcBef>
-                        <a:spcAft>
-                          <a:spcPts val="0"/>
-                        </a:spcAft>
-                        <a:buNone/>
-                      </a:pPr>
-                      <a:r>
-                        <a:rPr lang="en-US" dirty="0" smtClean="0"/>
+                    </a:p>
+                  </a:txBody>
+                  <a:tcPr marL="91425" marR="91425" marT="91425" marB="91425" anchor="ctr">
+                    <a:solidFill>
+                      <a:schemeClr val="bg1"/>
+                    </a:solidFill>
+                  </a:tcPr>
+                </a:tc>
+                <a:tc>
+                  <a:txBody>
+                    <a:bodyPr/>
+                    <a:lstStyle/>
+                    <a:p>
+                      <a:pPr marL="0" lvl="0" indent="0" algn="ctr" rtl="0">
+                        <a:spcBef>
+                          <a:spcPts val="0"/>
+                        </a:spcBef>
+                        <a:spcAft>
+                          <a:spcPts val="0"/>
+                        </a:spcAft>
+                        <a:buNone/>
+                      </a:pPr>
+                      <a:r>
+                        <a:rPr lang="en-US" dirty="0"/>
                         <a:t>Manage staff and schedules</a:t>
                       </a:r>
-                      <a:endParaRPr lang="en-US" dirty="0"/>
-                    </a:p>
-                  </a:txBody>
-                  <a:tcPr marL="91425" marR="91425" marT="91425" marB="91425" anchor="ctr">
-                    <a:solidFill>
-                      <a:schemeClr val="bg1"/>
-                    </a:solidFill>
-                  </a:tcPr>
-                </a:tc>
-                <a:tc>
-                  <a:txBody>
-                    <a:bodyPr/>
-                    <a:lstStyle/>
-                    <a:p>
-                      <a:pPr marL="0" lvl="0" indent="0" algn="ctr" rtl="0">
-                        <a:spcBef>
-                          <a:spcPts val="0"/>
-                        </a:spcBef>
-                        <a:spcAft>
-                          <a:spcPts val="0"/>
-                        </a:spcAft>
-                        <a:buNone/>
-                      </a:pPr>
-                      <a:r>
-                        <a:rPr lang="en-US" dirty="0" smtClean="0"/>
+                    </a:p>
+                  </a:txBody>
+                  <a:tcPr marL="91425" marR="91425" marT="91425" marB="91425" anchor="ctr">
+                    <a:solidFill>
+                      <a:schemeClr val="bg1"/>
+                    </a:solidFill>
+                  </a:tcPr>
+                </a:tc>
+                <a:tc>
+                  <a:txBody>
+                    <a:bodyPr/>
+                    <a:lstStyle/>
+                    <a:p>
+                      <a:pPr marL="0" lvl="0" indent="0" algn="ctr" rtl="0">
+                        <a:spcBef>
+                          <a:spcPts val="0"/>
+                        </a:spcBef>
+                        <a:spcAft>
+                          <a:spcPts val="0"/>
+                        </a:spcAft>
+                        <a:buNone/>
+                      </a:pPr>
+                      <a:r>
+                        <a:rPr lang="en-US" dirty="0"/>
                         <a:t>Avoid conflicts and manage workload</a:t>
                       </a:r>
                       <a:endParaRPr lang="en-US" sz="1800" dirty="0"/>
@@ -18012,7 +17728,7 @@
                 </a:tc>
                 <a:extLst>
                   <a:ext uri="{0D108BD9-81ED-4DB2-BD59-A6C34878D82A}">
-                    <a16:rowId xmlns:a16="http://schemas.microsoft.com/office/drawing/2014/main" xmlns="" val="10002"/>
+                    <a16:rowId xmlns:a16="http://schemas.microsoft.com/office/drawing/2014/main" val="10002"/>
                   </a:ext>
                 </a:extLst>
               </a:tr>
@@ -18032,7 +17748,7 @@
                         <a:buNone/>
                       </a:pPr>
                       <a:r>
-                        <a:rPr lang="en" dirty="0" smtClean="0"/>
+                        <a:rPr lang="en" dirty="0"/>
                         <a:t> 8</a:t>
                       </a:r>
                       <a:endParaRPr/>
@@ -18059,7 +17775,7 @@
                         <a:buNone/>
                       </a:pPr>
                       <a:r>
-                        <a:rPr lang="en-US" dirty="0" smtClean="0"/>
+                        <a:rPr lang="en-US" dirty="0"/>
                         <a:t>Customer</a:t>
                       </a:r>
                       <a:endParaRPr dirty="0"/>
@@ -18086,7 +17802,7 @@
                         <a:buNone/>
                       </a:pPr>
                       <a:r>
-                        <a:rPr lang="en-US" dirty="0" smtClean="0"/>
+                        <a:rPr lang="en-US" dirty="0"/>
                         <a:t>Search salons by location or service</a:t>
                       </a:r>
                       <a:endParaRPr lang="en-US" sz="1800" kern="1200" dirty="0">
@@ -18120,7 +17836,7 @@
                         <a:buNone/>
                       </a:pPr>
                       <a:r>
-                        <a:rPr lang="en-US" dirty="0" smtClean="0"/>
+                        <a:rPr lang="en-US" dirty="0"/>
                         <a:t>Find nearby or suitable salons</a:t>
                       </a:r>
                       <a:endParaRPr sz="1800"/>
@@ -18134,7 +17850,7 @@
                 </a:tc>
                 <a:extLst>
                   <a:ext uri="{0D108BD9-81ED-4DB2-BD59-A6C34878D82A}">
-                    <a16:rowId xmlns:a16="http://schemas.microsoft.com/office/drawing/2014/main" xmlns="" val="10003"/>
+                    <a16:rowId xmlns:a16="http://schemas.microsoft.com/office/drawing/2014/main" val="10003"/>
                   </a:ext>
                 </a:extLst>
               </a:tr>
@@ -18154,7 +17870,7 @@
                         <a:buNone/>
                       </a:pPr>
                       <a:r>
-                        <a:rPr lang="en" dirty="0" smtClean="0"/>
+                        <a:rPr lang="en" dirty="0"/>
                         <a:t> 9</a:t>
                       </a:r>
                       <a:endParaRPr/>
@@ -18181,7 +17897,7 @@
                         <a:buNone/>
                       </a:pPr>
                       <a:r>
-                        <a:rPr lang="en-US" dirty="0" smtClean="0"/>
+                        <a:rPr lang="en-US" dirty="0"/>
                         <a:t>Customer</a:t>
                       </a:r>
                       <a:endParaRPr/>
@@ -18208,7 +17924,7 @@
                         <a:buNone/>
                       </a:pPr>
                       <a:r>
-                        <a:rPr lang="en-US" dirty="0" smtClean="0"/>
+                        <a:rPr lang="en-US" dirty="0"/>
                         <a:t>View services and pricing</a:t>
                       </a:r>
                       <a:endParaRPr dirty="0"/>
@@ -18235,7 +17951,7 @@
                         <a:buNone/>
                       </a:pPr>
                       <a:r>
-                        <a:rPr lang="en-US" dirty="0" smtClean="0"/>
+                        <a:rPr lang="en-US" dirty="0"/>
                         <a:t>Choose what fits my need and budget</a:t>
                       </a:r>
                       <a:endParaRPr sz="1800" dirty="0"/>
@@ -18249,7 +17965,7 @@
                 </a:tc>
                 <a:extLst>
                   <a:ext uri="{0D108BD9-81ED-4DB2-BD59-A6C34878D82A}">
-                    <a16:rowId xmlns:a16="http://schemas.microsoft.com/office/drawing/2014/main" xmlns="" val="10004"/>
+                    <a16:rowId xmlns:a16="http://schemas.microsoft.com/office/drawing/2014/main" val="10004"/>
                   </a:ext>
                 </a:extLst>
               </a:tr>
@@ -18269,7 +17985,7 @@
                         <a:buNone/>
                       </a:pPr>
                       <a:r>
-                        <a:rPr lang="en" dirty="0" smtClean="0"/>
+                        <a:rPr lang="en" dirty="0"/>
                         <a:t> 10</a:t>
                       </a:r>
                       <a:endParaRPr/>
@@ -18296,7 +18012,7 @@
                         <a:buNone/>
                       </a:pPr>
                       <a:r>
-                        <a:rPr lang="en-US" dirty="0" smtClean="0"/>
+                        <a:rPr lang="en-US" dirty="0"/>
                         <a:t>Customer</a:t>
                       </a:r>
                       <a:endParaRPr/>
@@ -18323,7 +18039,7 @@
                         <a:buNone/>
                       </a:pPr>
                       <a:r>
-                        <a:rPr lang="en-US" dirty="0" smtClean="0"/>
+                        <a:rPr lang="en-US" dirty="0"/>
                         <a:t>Book an appointment</a:t>
                       </a:r>
                       <a:endParaRPr dirty="0"/>
@@ -18350,7 +18066,7 @@
                         <a:buNone/>
                       </a:pPr>
                       <a:r>
-                        <a:rPr lang="en-US" dirty="0" smtClean="0"/>
+                        <a:rPr lang="en-US" dirty="0"/>
                         <a:t>Schedule salon services easily</a:t>
                       </a:r>
                       <a:endParaRPr sz="1800" dirty="0"/>
@@ -18364,7 +18080,7 @@
                 </a:tc>
                 <a:extLst>
                   <a:ext uri="{0D108BD9-81ED-4DB2-BD59-A6C34878D82A}">
-                    <a16:rowId xmlns:a16="http://schemas.microsoft.com/office/drawing/2014/main" xmlns="" val="10005"/>
+                    <a16:rowId xmlns:a16="http://schemas.microsoft.com/office/drawing/2014/main" val="10005"/>
                   </a:ext>
                 </a:extLst>
               </a:tr>
@@ -18375,7 +18091,7 @@
     </p:spTree>
     <p:extLst>
       <p:ext uri="{BB962C8B-B14F-4D97-AF65-F5344CB8AC3E}">
-        <p14:creationId xmlns:p14="http://schemas.microsoft.com/office/powerpoint/2010/main" xmlns="" val="3480335941"/>
+        <p14:creationId xmlns:p14="http://schemas.microsoft.com/office/powerpoint/2010/main" val="3480335941"/>
       </p:ext>
     </p:extLst>
   </p:cSld>
@@ -18497,7 +18213,7 @@
           <p:nvPr>
             <p:extLst>
               <p:ext uri="{D42A27DB-BD31-4B8C-83A1-F6EECF244321}">
-                <p14:modId xmlns:p14="http://schemas.microsoft.com/office/powerpoint/2010/main" xmlns="" val="4059172709"/>
+                <p14:modId xmlns:p14="http://schemas.microsoft.com/office/powerpoint/2010/main" val="4059172709"/>
               </p:ext>
             </p:extLst>
           </p:nvPr>
@@ -18516,28 +18232,28 @@
                 <a:gridCol w="1831078">
                   <a:extLst>
                     <a:ext uri="{9D8B030D-6E8A-4147-A177-3AD203B41FA5}">
-                      <a16:colId xmlns:a16="http://schemas.microsoft.com/office/drawing/2014/main" xmlns="" val="20000"/>
+                      <a16:colId xmlns:a16="http://schemas.microsoft.com/office/drawing/2014/main" val="20000"/>
                     </a:ext>
                   </a:extLst>
                 </a:gridCol>
                 <a:gridCol w="1978922">
                   <a:extLst>
                     <a:ext uri="{9D8B030D-6E8A-4147-A177-3AD203B41FA5}">
-                      <a16:colId xmlns:a16="http://schemas.microsoft.com/office/drawing/2014/main" xmlns="" val="20001"/>
+                      <a16:colId xmlns:a16="http://schemas.microsoft.com/office/drawing/2014/main" val="20001"/>
                     </a:ext>
                   </a:extLst>
                 </a:gridCol>
                 <a:gridCol w="1787600">
                   <a:extLst>
                     <a:ext uri="{9D8B030D-6E8A-4147-A177-3AD203B41FA5}">
-                      <a16:colId xmlns:a16="http://schemas.microsoft.com/office/drawing/2014/main" xmlns="" val="20002"/>
+                      <a16:colId xmlns:a16="http://schemas.microsoft.com/office/drawing/2014/main" val="20002"/>
                     </a:ext>
                   </a:extLst>
                 </a:gridCol>
                 <a:gridCol w="2708200">
                   <a:extLst>
                     <a:ext uri="{9D8B030D-6E8A-4147-A177-3AD203B41FA5}">
-                      <a16:colId xmlns:a16="http://schemas.microsoft.com/office/drawing/2014/main" xmlns="" val="20003"/>
+                      <a16:colId xmlns:a16="http://schemas.microsoft.com/office/drawing/2014/main" val="20003"/>
                     </a:ext>
                   </a:extLst>
                 </a:gridCol>
@@ -18585,20 +18301,8 @@
                         <a:buNone/>
                       </a:pPr>
                       <a:r>
-                        <a:rPr lang="en" b="1" dirty="0" smtClean="0"/>
-                        <a:t>As a </a:t>
-                      </a:r>
-                      <a:r>
                         <a:rPr lang="en" b="1" dirty="0"/>
-                        <a:t>type </a:t>
-                      </a:r>
-                      <a:r>
-                        <a:rPr lang="en" b="1" dirty="0" smtClean="0"/>
-                        <a:t>of </a:t>
-                      </a:r>
-                      <a:r>
-                        <a:rPr lang="en" b="1" dirty="0"/>
-                        <a:t>User</a:t>
+                        <a:t>As a type of User</a:t>
                       </a:r>
                       <a:endParaRPr b="1" dirty="0"/>
                     </a:p>
@@ -18697,7 +18401,7 @@
                 </a:tc>
                 <a:extLst>
                   <a:ext uri="{0D108BD9-81ED-4DB2-BD59-A6C34878D82A}">
-                    <a16:rowId xmlns:a16="http://schemas.microsoft.com/office/drawing/2014/main" xmlns="" val="10000"/>
+                    <a16:rowId xmlns:a16="http://schemas.microsoft.com/office/drawing/2014/main" val="10000"/>
                   </a:ext>
                 </a:extLst>
               </a:tr>
@@ -18717,7 +18421,7 @@
                         <a:buNone/>
                       </a:pPr>
                       <a:r>
-                        <a:rPr lang="en" dirty="0" smtClean="0"/>
+                        <a:rPr lang="en" dirty="0"/>
                         <a:t>  11</a:t>
                       </a:r>
                       <a:endParaRPr dirty="0"/>
@@ -18744,34 +18448,33 @@
                         <a:buNone/>
                       </a:pPr>
                       <a:r>
-                        <a:rPr lang="en-US" dirty="0" smtClean="0"/>
+                        <a:rPr lang="en-US" dirty="0"/>
                         <a:t>Customer</a:t>
                       </a:r>
-                      <a:endParaRPr lang="en-US" dirty="0"/>
-                    </a:p>
-                  </a:txBody>
-                  <a:tcPr marL="91425" marR="91425" marT="91425" marB="91425" anchor="ctr">
-                    <a:solidFill>
-                      <a:schemeClr val="bg1"/>
-                    </a:solidFill>
-                  </a:tcPr>
-                </a:tc>
-                <a:tc>
-                  <a:txBody>
-                    <a:bodyPr/>
-                    <a:lstStyle/>
-                    <a:p>
-                      <a:pPr marL="0" lvl="0" indent="0" algn="ctr" rtl="0">
-                        <a:spcBef>
-                          <a:spcPts val="0"/>
-                        </a:spcBef>
-                        <a:spcAft>
-                          <a:spcPts val="0"/>
-                        </a:spcAft>
-                        <a:buNone/>
-                      </a:pPr>
-                      <a:r>
-                        <a:rPr lang="en-US" dirty="0" smtClean="0"/>
+                    </a:p>
+                  </a:txBody>
+                  <a:tcPr marL="91425" marR="91425" marT="91425" marB="91425" anchor="ctr">
+                    <a:solidFill>
+                      <a:schemeClr val="bg1"/>
+                    </a:solidFill>
+                  </a:tcPr>
+                </a:tc>
+                <a:tc>
+                  <a:txBody>
+                    <a:bodyPr/>
+                    <a:lstStyle/>
+                    <a:p>
+                      <a:pPr marL="0" lvl="0" indent="0" algn="ctr" rtl="0">
+                        <a:spcBef>
+                          <a:spcPts val="0"/>
+                        </a:spcBef>
+                        <a:spcAft>
+                          <a:spcPts val="0"/>
+                        </a:spcAft>
+                        <a:buNone/>
+                      </a:pPr>
+                      <a:r>
+                        <a:rPr lang="en-US" dirty="0"/>
                         <a:t>Select a specific stylist</a:t>
                       </a:r>
                       <a:endParaRPr lang="en-US" sz="1800" kern="1200" dirty="0">
@@ -18805,7 +18508,7 @@
                         <a:buNone/>
                       </a:pPr>
                       <a:r>
-                        <a:rPr lang="en-US" dirty="0" smtClean="0"/>
+                        <a:rPr lang="en-US" dirty="0"/>
                         <a:t>Get service from someone I trust</a:t>
                       </a:r>
                       <a:endParaRPr sz="1800"/>
@@ -18819,7 +18522,7 @@
                 </a:tc>
                 <a:extLst>
                   <a:ext uri="{0D108BD9-81ED-4DB2-BD59-A6C34878D82A}">
-                    <a16:rowId xmlns:a16="http://schemas.microsoft.com/office/drawing/2014/main" xmlns="" val="10001"/>
+                    <a16:rowId xmlns:a16="http://schemas.microsoft.com/office/drawing/2014/main" val="10001"/>
                   </a:ext>
                 </a:extLst>
               </a:tr>
@@ -18840,11 +18543,7 @@
                       </a:pPr>
                       <a:r>
                         <a:rPr lang="en" dirty="0"/>
-                        <a:t> </a:t>
-                      </a:r>
-                      <a:r>
-                        <a:rPr lang="en" dirty="0" smtClean="0"/>
-                        <a:t> 12</a:t>
+                        <a:t>  12</a:t>
                       </a:r>
                       <a:endParaRPr/>
                     </a:p>
@@ -18870,7 +18569,7 @@
                         <a:buNone/>
                       </a:pPr>
                       <a:r>
-                        <a:rPr lang="en-US" dirty="0" smtClean="0"/>
+                        <a:rPr lang="en-US" dirty="0"/>
                         <a:t>Customer</a:t>
                       </a:r>
                       <a:endParaRPr dirty="0"/>
@@ -18897,7 +18596,7 @@
                         <a:buNone/>
                       </a:pPr>
                       <a:r>
-                        <a:rPr lang="en-US" dirty="0" smtClean="0"/>
+                        <a:rPr lang="en-US" dirty="0"/>
                         <a:t>View booking history</a:t>
                       </a:r>
                       <a:endParaRPr sz="1800" kern="1200" dirty="0">
@@ -18931,7 +18630,7 @@
                         <a:buNone/>
                       </a:pPr>
                       <a:r>
-                        <a:rPr lang="en-US" dirty="0" smtClean="0"/>
+                        <a:rPr lang="en-US" dirty="0"/>
                         <a:t>Keep track of past appointments</a:t>
                       </a:r>
                       <a:endParaRPr sz="1100"/>
@@ -18945,7 +18644,7 @@
                 </a:tc>
                 <a:extLst>
                   <a:ext uri="{0D108BD9-81ED-4DB2-BD59-A6C34878D82A}">
-                    <a16:rowId xmlns:a16="http://schemas.microsoft.com/office/drawing/2014/main" xmlns="" val="10002"/>
+                    <a16:rowId xmlns:a16="http://schemas.microsoft.com/office/drawing/2014/main" val="10002"/>
                   </a:ext>
                 </a:extLst>
               </a:tr>
@@ -18965,7 +18664,7 @@
                         <a:buNone/>
                       </a:pPr>
                       <a:r>
-                        <a:rPr lang="en" dirty="0" smtClean="0"/>
+                        <a:rPr lang="en" dirty="0"/>
                         <a:t> 13</a:t>
                       </a:r>
                       <a:endParaRPr/>
@@ -18992,7 +18691,7 @@
                         <a:buNone/>
                       </a:pPr>
                       <a:r>
-                        <a:rPr lang="en-US" dirty="0" smtClean="0"/>
+                        <a:rPr lang="en-US" dirty="0"/>
                         <a:t>Customer</a:t>
                       </a:r>
                       <a:endParaRPr dirty="0"/>
@@ -19019,7 +18718,7 @@
                         <a:buNone/>
                       </a:pPr>
                       <a:r>
-                        <a:rPr lang="en-US" dirty="0" smtClean="0"/>
+                        <a:rPr lang="en-US" dirty="0"/>
                         <a:t>Receive notifications and reminders</a:t>
                       </a:r>
                       <a:endParaRPr lang="en-US" sz="1800" kern="1200" dirty="0">
@@ -19053,7 +18752,7 @@
                         <a:buNone/>
                       </a:pPr>
                       <a:r>
-                        <a:rPr lang="en-US" dirty="0" smtClean="0"/>
+                        <a:rPr lang="en-US" dirty="0"/>
                         <a:t>Stay updated on bookings</a:t>
                       </a:r>
                       <a:endParaRPr sz="1800"/>
@@ -19067,7 +18766,7 @@
                 </a:tc>
                 <a:extLst>
                   <a:ext uri="{0D108BD9-81ED-4DB2-BD59-A6C34878D82A}">
-                    <a16:rowId xmlns:a16="http://schemas.microsoft.com/office/drawing/2014/main" xmlns="" val="10003"/>
+                    <a16:rowId xmlns:a16="http://schemas.microsoft.com/office/drawing/2014/main" val="10003"/>
                   </a:ext>
                 </a:extLst>
               </a:tr>
@@ -19087,7 +18786,7 @@
                         <a:buNone/>
                       </a:pPr>
                       <a:r>
-                        <a:rPr lang="en" dirty="0" smtClean="0"/>
+                        <a:rPr lang="en" dirty="0"/>
                         <a:t> 14</a:t>
                       </a:r>
                       <a:endParaRPr/>
@@ -19114,7 +18813,7 @@
                         <a:buNone/>
                       </a:pPr>
                       <a:r>
-                        <a:rPr lang="en-US" dirty="0" smtClean="0"/>
+                        <a:rPr lang="en-US" dirty="0"/>
                         <a:t>Customer</a:t>
                       </a:r>
                       <a:endParaRPr/>
@@ -19141,7 +18840,7 @@
                         <a:buNone/>
                       </a:pPr>
                       <a:r>
-                        <a:rPr lang="en-US" dirty="0" smtClean="0"/>
+                        <a:rPr lang="en-US" dirty="0"/>
                         <a:t>Rate and review services</a:t>
                       </a:r>
                       <a:endParaRPr dirty="0"/>
@@ -19168,7 +18867,7 @@
                         <a:buNone/>
                       </a:pPr>
                       <a:r>
-                        <a:rPr lang="en-US" dirty="0" smtClean="0"/>
+                        <a:rPr lang="en-US" dirty="0"/>
                         <a:t>Help others and share my experience</a:t>
                       </a:r>
                       <a:endParaRPr sz="1800" dirty="0"/>
@@ -19182,7 +18881,7 @@
                 </a:tc>
                 <a:extLst>
                   <a:ext uri="{0D108BD9-81ED-4DB2-BD59-A6C34878D82A}">
-                    <a16:rowId xmlns:a16="http://schemas.microsoft.com/office/drawing/2014/main" xmlns="" val="10004"/>
+                    <a16:rowId xmlns:a16="http://schemas.microsoft.com/office/drawing/2014/main" val="10004"/>
                   </a:ext>
                 </a:extLst>
               </a:tr>
@@ -19202,7 +18901,7 @@
                         <a:buNone/>
                       </a:pPr>
                       <a:r>
-                        <a:rPr lang="en" dirty="0" smtClean="0"/>
+                        <a:rPr lang="en" dirty="0"/>
                         <a:t> 15</a:t>
                       </a:r>
                       <a:endParaRPr/>
@@ -19229,7 +18928,7 @@
                         <a:buNone/>
                       </a:pPr>
                       <a:r>
-                        <a:rPr lang="en-US" dirty="0" smtClean="0"/>
+                        <a:rPr lang="en-US" dirty="0"/>
                         <a:t>Salon Owner</a:t>
                       </a:r>
                       <a:endParaRPr/>
@@ -19256,7 +18955,7 @@
                         <a:buNone/>
                       </a:pPr>
                       <a:r>
-                        <a:rPr lang="en-US" dirty="0" smtClean="0"/>
+                        <a:rPr lang="en-US" dirty="0"/>
                         <a:t>Approve or cancel bookings</a:t>
                       </a:r>
                       <a:endParaRPr dirty="0"/>
@@ -19283,7 +18982,7 @@
                         <a:buNone/>
                       </a:pPr>
                       <a:r>
-                        <a:rPr lang="en-US" dirty="0" smtClean="0"/>
+                        <a:rPr lang="en-US" dirty="0"/>
                         <a:t>Control salon workflow</a:t>
                       </a:r>
                       <a:endParaRPr sz="1800" dirty="0"/>
@@ -19297,7 +18996,7 @@
                 </a:tc>
                 <a:extLst>
                   <a:ext uri="{0D108BD9-81ED-4DB2-BD59-A6C34878D82A}">
-                    <a16:rowId xmlns:a16="http://schemas.microsoft.com/office/drawing/2014/main" xmlns="" val="10005"/>
+                    <a16:rowId xmlns:a16="http://schemas.microsoft.com/office/drawing/2014/main" val="10005"/>
                   </a:ext>
                 </a:extLst>
               </a:tr>
@@ -19308,7 +19007,7 @@
     </p:spTree>
     <p:extLst>
       <p:ext uri="{BB962C8B-B14F-4D97-AF65-F5344CB8AC3E}">
-        <p14:creationId xmlns:p14="http://schemas.microsoft.com/office/powerpoint/2010/main" xmlns="" val="3480335941"/>
+        <p14:creationId xmlns:p14="http://schemas.microsoft.com/office/powerpoint/2010/main" val="3480335941"/>
       </p:ext>
     </p:extLst>
   </p:cSld>
@@ -19430,7 +19129,7 @@
           <p:nvPr>
             <p:extLst>
               <p:ext uri="{D42A27DB-BD31-4B8C-83A1-F6EECF244321}">
-                <p14:modId xmlns:p14="http://schemas.microsoft.com/office/powerpoint/2010/main" xmlns="" val="4059172709"/>
+                <p14:modId xmlns:p14="http://schemas.microsoft.com/office/powerpoint/2010/main" val="4059172709"/>
               </p:ext>
             </p:extLst>
           </p:nvPr>
@@ -19449,28 +19148,28 @@
                 <a:gridCol w="1831078">
                   <a:extLst>
                     <a:ext uri="{9D8B030D-6E8A-4147-A177-3AD203B41FA5}">
-                      <a16:colId xmlns:a16="http://schemas.microsoft.com/office/drawing/2014/main" xmlns="" val="20000"/>
+                      <a16:colId xmlns:a16="http://schemas.microsoft.com/office/drawing/2014/main" val="20000"/>
                     </a:ext>
                   </a:extLst>
                 </a:gridCol>
                 <a:gridCol w="1978922">
                   <a:extLst>
                     <a:ext uri="{9D8B030D-6E8A-4147-A177-3AD203B41FA5}">
-                      <a16:colId xmlns:a16="http://schemas.microsoft.com/office/drawing/2014/main" xmlns="" val="20001"/>
+                      <a16:colId xmlns:a16="http://schemas.microsoft.com/office/drawing/2014/main" val="20001"/>
                     </a:ext>
                   </a:extLst>
                 </a:gridCol>
                 <a:gridCol w="1787600">
                   <a:extLst>
                     <a:ext uri="{9D8B030D-6E8A-4147-A177-3AD203B41FA5}">
-                      <a16:colId xmlns:a16="http://schemas.microsoft.com/office/drawing/2014/main" xmlns="" val="20002"/>
+                      <a16:colId xmlns:a16="http://schemas.microsoft.com/office/drawing/2014/main" val="20002"/>
                     </a:ext>
                   </a:extLst>
                 </a:gridCol>
                 <a:gridCol w="2708200">
                   <a:extLst>
                     <a:ext uri="{9D8B030D-6E8A-4147-A177-3AD203B41FA5}">
-                      <a16:colId xmlns:a16="http://schemas.microsoft.com/office/drawing/2014/main" xmlns="" val="20003"/>
+                      <a16:colId xmlns:a16="http://schemas.microsoft.com/office/drawing/2014/main" val="20003"/>
                     </a:ext>
                   </a:extLst>
                 </a:gridCol>
@@ -19518,20 +19217,8 @@
                         <a:buNone/>
                       </a:pPr>
                       <a:r>
-                        <a:rPr lang="en" b="1" dirty="0" smtClean="0"/>
-                        <a:t>As a </a:t>
-                      </a:r>
-                      <a:r>
                         <a:rPr lang="en" b="1" dirty="0"/>
-                        <a:t>type </a:t>
-                      </a:r>
-                      <a:r>
-                        <a:rPr lang="en" b="1" dirty="0" smtClean="0"/>
-                        <a:t>of </a:t>
-                      </a:r>
-                      <a:r>
-                        <a:rPr lang="en" b="1" dirty="0"/>
-                        <a:t>User</a:t>
+                        <a:t>As a type of User</a:t>
                       </a:r>
                       <a:endParaRPr b="1" dirty="0"/>
                     </a:p>
@@ -19630,7 +19317,7 @@
                 </a:tc>
                 <a:extLst>
                   <a:ext uri="{0D108BD9-81ED-4DB2-BD59-A6C34878D82A}">
-                    <a16:rowId xmlns:a16="http://schemas.microsoft.com/office/drawing/2014/main" xmlns="" val="10000"/>
+                    <a16:rowId xmlns:a16="http://schemas.microsoft.com/office/drawing/2014/main" val="10000"/>
                   </a:ext>
                 </a:extLst>
               </a:tr>
@@ -19650,7 +19337,7 @@
                         <a:buNone/>
                       </a:pPr>
                       <a:r>
-                        <a:rPr lang="en" dirty="0" smtClean="0"/>
+                        <a:rPr lang="en" dirty="0"/>
                         <a:t>  16</a:t>
                       </a:r>
                       <a:endParaRPr dirty="0"/>
@@ -19677,34 +19364,33 @@
                         <a:buNone/>
                       </a:pPr>
                       <a:r>
-                        <a:rPr lang="en-US" dirty="0" smtClean="0"/>
+                        <a:rPr lang="en-US" dirty="0"/>
                         <a:t>Salon Owner</a:t>
                       </a:r>
-                      <a:endParaRPr lang="en-US" dirty="0"/>
-                    </a:p>
-                  </a:txBody>
-                  <a:tcPr marL="91425" marR="91425" marT="91425" marB="91425" anchor="ctr">
-                    <a:solidFill>
-                      <a:schemeClr val="bg1"/>
-                    </a:solidFill>
-                  </a:tcPr>
-                </a:tc>
-                <a:tc>
-                  <a:txBody>
-                    <a:bodyPr/>
-                    <a:lstStyle/>
-                    <a:p>
-                      <a:pPr marL="0" lvl="0" indent="0" algn="ctr" rtl="0">
-                        <a:spcBef>
-                          <a:spcPts val="0"/>
-                        </a:spcBef>
-                        <a:spcAft>
-                          <a:spcPts val="0"/>
-                        </a:spcAft>
-                        <a:buNone/>
-                      </a:pPr>
-                      <a:r>
-                        <a:rPr lang="en-US" dirty="0" smtClean="0"/>
+                    </a:p>
+                  </a:txBody>
+                  <a:tcPr marL="91425" marR="91425" marT="91425" marB="91425" anchor="ctr">
+                    <a:solidFill>
+                      <a:schemeClr val="bg1"/>
+                    </a:solidFill>
+                  </a:tcPr>
+                </a:tc>
+                <a:tc>
+                  <a:txBody>
+                    <a:bodyPr/>
+                    <a:lstStyle/>
+                    <a:p>
+                      <a:pPr marL="0" lvl="0" indent="0" algn="ctr" rtl="0">
+                        <a:spcBef>
+                          <a:spcPts val="0"/>
+                        </a:spcBef>
+                        <a:spcAft>
+                          <a:spcPts val="0"/>
+                        </a:spcAft>
+                        <a:buNone/>
+                      </a:pPr>
+                      <a:r>
+                        <a:rPr lang="en-US" dirty="0"/>
                         <a:t>View feedback and analytics</a:t>
                       </a:r>
                       <a:endParaRPr lang="en-US" sz="1800" kern="1200" dirty="0">
@@ -19738,7 +19424,7 @@
                         <a:buNone/>
                       </a:pPr>
                       <a:r>
-                        <a:rPr lang="en-US" dirty="0" smtClean="0"/>
+                        <a:rPr lang="en-US" dirty="0"/>
                         <a:t>Improve service based on customer responses</a:t>
                       </a:r>
                       <a:endParaRPr sz="1800"/>
@@ -19752,7 +19438,7 @@
                 </a:tc>
                 <a:extLst>
                   <a:ext uri="{0D108BD9-81ED-4DB2-BD59-A6C34878D82A}">
-                    <a16:rowId xmlns:a16="http://schemas.microsoft.com/office/drawing/2014/main" xmlns="" val="10001"/>
+                    <a16:rowId xmlns:a16="http://schemas.microsoft.com/office/drawing/2014/main" val="10001"/>
                   </a:ext>
                 </a:extLst>
               </a:tr>
@@ -19773,11 +19459,7 @@
                       </a:pPr>
                       <a:r>
                         <a:rPr lang="en" dirty="0"/>
-                        <a:t> </a:t>
-                      </a:r>
-                      <a:r>
-                        <a:rPr lang="en" dirty="0" smtClean="0"/>
-                        <a:t> 17</a:t>
+                        <a:t>  17</a:t>
                       </a:r>
                       <a:endParaRPr/>
                     </a:p>
@@ -19803,7 +19485,7 @@
                         <a:buNone/>
                       </a:pPr>
                       <a:r>
-                        <a:rPr lang="en-US" dirty="0" smtClean="0"/>
+                        <a:rPr lang="en-US" dirty="0"/>
                         <a:t>Admin</a:t>
                       </a:r>
                       <a:endParaRPr dirty="0"/>
@@ -19830,7 +19512,7 @@
                         <a:buNone/>
                       </a:pPr>
                       <a:r>
-                        <a:rPr lang="en-US" dirty="0" smtClean="0"/>
+                        <a:rPr lang="en-US" dirty="0"/>
                         <a:t>Manage users and salon owners</a:t>
                       </a:r>
                       <a:endParaRPr sz="1800" kern="1200" dirty="0">
@@ -19864,7 +19546,7 @@
                         <a:buNone/>
                       </a:pPr>
                       <a:r>
-                        <a:rPr lang="en-US" dirty="0" smtClean="0"/>
+                        <a:rPr lang="en-US" dirty="0"/>
                         <a:t>Control access to the system</a:t>
                       </a:r>
                       <a:endParaRPr sz="1100"/>
@@ -19878,7 +19560,7 @@
                 </a:tc>
                 <a:extLst>
                   <a:ext uri="{0D108BD9-81ED-4DB2-BD59-A6C34878D82A}">
-                    <a16:rowId xmlns:a16="http://schemas.microsoft.com/office/drawing/2014/main" xmlns="" val="10002"/>
+                    <a16:rowId xmlns:a16="http://schemas.microsoft.com/office/drawing/2014/main" val="10002"/>
                   </a:ext>
                 </a:extLst>
               </a:tr>
@@ -19898,7 +19580,7 @@
                         <a:buNone/>
                       </a:pPr>
                       <a:r>
-                        <a:rPr lang="en" dirty="0" smtClean="0"/>
+                        <a:rPr lang="en" dirty="0"/>
                         <a:t> 18</a:t>
                       </a:r>
                       <a:endParaRPr/>
@@ -19925,7 +19607,7 @@
                         <a:buNone/>
                       </a:pPr>
                       <a:r>
-                        <a:rPr lang="en-US" dirty="0" smtClean="0"/>
+                        <a:rPr lang="en-US" dirty="0"/>
                         <a:t>Admin</a:t>
                       </a:r>
                       <a:endParaRPr dirty="0"/>
@@ -19952,7 +19634,7 @@
                         <a:buNone/>
                       </a:pPr>
                       <a:r>
-                        <a:rPr lang="en-US" dirty="0" smtClean="0"/>
+                        <a:rPr lang="en-US" dirty="0"/>
                         <a:t>View platform analytics</a:t>
                       </a:r>
                       <a:endParaRPr lang="en-US" sz="1800" kern="1200" dirty="0">
@@ -19986,7 +19668,7 @@
                         <a:buNone/>
                       </a:pPr>
                       <a:r>
-                        <a:rPr lang="en-US" dirty="0" smtClean="0"/>
+                        <a:rPr lang="en-US" dirty="0"/>
                         <a:t>Monitor system usage and performance</a:t>
                       </a:r>
                       <a:endParaRPr sz="1800"/>
@@ -20000,7 +19682,7 @@
                 </a:tc>
                 <a:extLst>
                   <a:ext uri="{0D108BD9-81ED-4DB2-BD59-A6C34878D82A}">
-                    <a16:rowId xmlns:a16="http://schemas.microsoft.com/office/drawing/2014/main" xmlns="" val="10003"/>
+                    <a16:rowId xmlns:a16="http://schemas.microsoft.com/office/drawing/2014/main" val="10003"/>
                   </a:ext>
                 </a:extLst>
               </a:tr>
@@ -20020,7 +19702,7 @@
                         <a:buNone/>
                       </a:pPr>
                       <a:r>
-                        <a:rPr lang="en" dirty="0" smtClean="0"/>
+                        <a:rPr lang="en" dirty="0"/>
                         <a:t> 19</a:t>
                       </a:r>
                       <a:endParaRPr/>
@@ -20047,7 +19729,7 @@
                         <a:buNone/>
                       </a:pPr>
                       <a:r>
-                        <a:rPr lang="en-US" dirty="0" smtClean="0"/>
+                        <a:rPr lang="en-US" dirty="0"/>
                         <a:t>Admin</a:t>
                       </a:r>
                       <a:endParaRPr/>
@@ -20074,7 +19756,7 @@
                         <a:buNone/>
                       </a:pPr>
                       <a:r>
-                        <a:rPr lang="en-US" dirty="0" smtClean="0"/>
+                        <a:rPr lang="en-US" dirty="0"/>
                         <a:t>Analyze feedback and ratings</a:t>
                       </a:r>
                       <a:endParaRPr dirty="0"/>
@@ -20101,7 +19783,7 @@
                         <a:buNone/>
                       </a:pPr>
                       <a:r>
-                        <a:rPr lang="en-US" dirty="0" smtClean="0"/>
+                        <a:rPr lang="en-US" dirty="0"/>
                         <a:t>Identify improvements for the platform</a:t>
                       </a:r>
                       <a:endParaRPr sz="1800" dirty="0"/>
@@ -20115,7 +19797,7 @@
                 </a:tc>
                 <a:extLst>
                   <a:ext uri="{0D108BD9-81ED-4DB2-BD59-A6C34878D82A}">
-                    <a16:rowId xmlns:a16="http://schemas.microsoft.com/office/drawing/2014/main" xmlns="" val="10004"/>
+                    <a16:rowId xmlns:a16="http://schemas.microsoft.com/office/drawing/2014/main" val="10004"/>
                   </a:ext>
                 </a:extLst>
               </a:tr>
@@ -20126,7 +19808,7 @@
     </p:spTree>
     <p:extLst>
       <p:ext uri="{BB962C8B-B14F-4D97-AF65-F5344CB8AC3E}">
-        <p14:creationId xmlns:p14="http://schemas.microsoft.com/office/powerpoint/2010/main" xmlns="" val="3480335941"/>
+        <p14:creationId xmlns:p14="http://schemas.microsoft.com/office/powerpoint/2010/main" val="3480335941"/>
       </p:ext>
     </p:extLst>
   </p:cSld>
@@ -20248,7 +19930,7 @@
           <p:nvPr>
             <p:extLst>
               <p:ext uri="{D42A27DB-BD31-4B8C-83A1-F6EECF244321}">
-                <p14:modId xmlns:p14="http://schemas.microsoft.com/office/powerpoint/2010/main" xmlns="" val="2944679008"/>
+                <p14:modId xmlns:p14="http://schemas.microsoft.com/office/powerpoint/2010/main" val="2944679008"/>
               </p:ext>
             </p:extLst>
           </p:nvPr>
@@ -20267,42 +19949,42 @@
                 <a:gridCol w="1311235">
                   <a:extLst>
                     <a:ext uri="{9D8B030D-6E8A-4147-A177-3AD203B41FA5}">
-                      <a16:colId xmlns:a16="http://schemas.microsoft.com/office/drawing/2014/main" xmlns="" val="20000"/>
+                      <a16:colId xmlns:a16="http://schemas.microsoft.com/office/drawing/2014/main" val="20000"/>
                     </a:ext>
                   </a:extLst>
                 </a:gridCol>
                 <a:gridCol w="1365693">
                   <a:extLst>
                     <a:ext uri="{9D8B030D-6E8A-4147-A177-3AD203B41FA5}">
-                      <a16:colId xmlns:a16="http://schemas.microsoft.com/office/drawing/2014/main" xmlns="" val="20001"/>
+                      <a16:colId xmlns:a16="http://schemas.microsoft.com/office/drawing/2014/main" val="20001"/>
                     </a:ext>
                   </a:extLst>
                 </a:gridCol>
                 <a:gridCol w="1365693">
                   <a:extLst>
                     <a:ext uri="{9D8B030D-6E8A-4147-A177-3AD203B41FA5}">
-                      <a16:colId xmlns:a16="http://schemas.microsoft.com/office/drawing/2014/main" xmlns="" val="20002"/>
+                      <a16:colId xmlns:a16="http://schemas.microsoft.com/office/drawing/2014/main" val="20002"/>
                     </a:ext>
                   </a:extLst>
                 </a:gridCol>
                 <a:gridCol w="1365693">
                   <a:extLst>
                     <a:ext uri="{9D8B030D-6E8A-4147-A177-3AD203B41FA5}">
-                      <a16:colId xmlns:a16="http://schemas.microsoft.com/office/drawing/2014/main" xmlns="" val="20003"/>
+                      <a16:colId xmlns:a16="http://schemas.microsoft.com/office/drawing/2014/main" val="20003"/>
                     </a:ext>
                   </a:extLst>
                 </a:gridCol>
                 <a:gridCol w="1365693">
                   <a:extLst>
                     <a:ext uri="{9D8B030D-6E8A-4147-A177-3AD203B41FA5}">
-                      <a16:colId xmlns:a16="http://schemas.microsoft.com/office/drawing/2014/main" xmlns="" val="20004"/>
+                      <a16:colId xmlns:a16="http://schemas.microsoft.com/office/drawing/2014/main" val="20004"/>
                     </a:ext>
                   </a:extLst>
                 </a:gridCol>
                 <a:gridCol w="1365693">
                   <a:extLst>
                     <a:ext uri="{9D8B030D-6E8A-4147-A177-3AD203B41FA5}">
-                      <a16:colId xmlns:a16="http://schemas.microsoft.com/office/drawing/2014/main" xmlns="" val="20005"/>
+                      <a16:colId xmlns:a16="http://schemas.microsoft.com/office/drawing/2014/main" val="20005"/>
                     </a:ext>
                   </a:extLst>
                 </a:gridCol>
@@ -20488,7 +20170,7 @@
                 </a:tc>
                 <a:extLst>
                   <a:ext uri="{0D108BD9-81ED-4DB2-BD59-A6C34878D82A}">
-                    <a16:rowId xmlns:a16="http://schemas.microsoft.com/office/drawing/2014/main" xmlns="" val="10000"/>
+                    <a16:rowId xmlns:a16="http://schemas.microsoft.com/office/drawing/2014/main" val="10000"/>
                   </a:ext>
                 </a:extLst>
               </a:tr>
@@ -20578,7 +20260,7 @@
                         <a:buNone/>
                       </a:pPr>
                       <a:r>
-                        <a:rPr lang="en" dirty="0" smtClean="0"/>
+                        <a:rPr lang="en" dirty="0"/>
                         <a:t>12/08/2025</a:t>
                       </a:r>
                       <a:endParaRPr/>
@@ -20605,7 +20287,7 @@
                         <a:buNone/>
                       </a:pPr>
                       <a:r>
-                        <a:rPr lang="en" dirty="0" smtClean="0"/>
+                        <a:rPr lang="en" dirty="0"/>
                         <a:t>14/08/2025</a:t>
                       </a:r>
                       <a:endParaRPr/>
@@ -20632,7 +20314,7 @@
                         <a:buNone/>
                       </a:pPr>
                       <a:r>
-                        <a:rPr lang="en" dirty="0" smtClean="0"/>
+                        <a:rPr lang="en" dirty="0"/>
                         <a:t>11</a:t>
                       </a:r>
                       <a:endParaRPr dirty="0"/>
@@ -20671,7 +20353,7 @@
                         <a:buNone/>
                       </a:pPr>
                       <a:r>
-                        <a:rPr lang="en" dirty="0" smtClean="0"/>
+                        <a:rPr lang="en" dirty="0"/>
                         <a:t>Planned</a:t>
                       </a:r>
                       <a:endParaRPr/>
@@ -20685,7 +20367,7 @@
                 </a:tc>
                 <a:extLst>
                   <a:ext uri="{0D108BD9-81ED-4DB2-BD59-A6C34878D82A}">
-                    <a16:rowId xmlns:a16="http://schemas.microsoft.com/office/drawing/2014/main" xmlns="" val="10001"/>
+                    <a16:rowId xmlns:a16="http://schemas.microsoft.com/office/drawing/2014/main" val="10001"/>
                   </a:ext>
                 </a:extLst>
               </a:tr>
@@ -20705,7 +20387,7 @@
                         <a:buNone/>
                       </a:pPr>
                       <a:r>
-                        <a:rPr lang="en" dirty="0" smtClean="0"/>
+                        <a:rPr lang="en" dirty="0"/>
                         <a:t>2</a:t>
                       </a:r>
                       <a:endParaRPr dirty="0"/>
@@ -20742,7 +20424,7 @@
                         <a:buNone/>
                       </a:pPr>
                       <a:r>
-                        <a:rPr lang="en" dirty="0" smtClean="0"/>
+                        <a:rPr lang="en" dirty="0"/>
                         <a:t>15/08/2025</a:t>
                       </a:r>
                       <a:endParaRPr dirty="0"/>
@@ -20769,7 +20451,7 @@
                         <a:buNone/>
                       </a:pPr>
                       <a:r>
-                        <a:rPr lang="en" dirty="0" smtClean="0"/>
+                        <a:rPr lang="en" dirty="0"/>
                         <a:t>16/08/2025</a:t>
                       </a:r>
                       <a:endParaRPr/>
@@ -20806,10 +20488,9 @@
                         <a:buNone/>
                       </a:pPr>
                       <a:r>
-                        <a:rPr lang="en-US" dirty="0" smtClean="0"/>
+                        <a:rPr lang="en-US" dirty="0"/>
                         <a:t>Planned</a:t>
                       </a:r>
-                      <a:endParaRPr lang="en-US" dirty="0"/>
                     </a:p>
                   </a:txBody>
                   <a:tcPr marL="91425" marR="91425" marT="91425" marB="91425" anchor="ctr">
@@ -20820,7 +20501,7 @@
                 </a:tc>
                 <a:extLst>
                   <a:ext uri="{0D108BD9-81ED-4DB2-BD59-A6C34878D82A}">
-                    <a16:rowId xmlns:a16="http://schemas.microsoft.com/office/drawing/2014/main" xmlns="" val="10002"/>
+                    <a16:rowId xmlns:a16="http://schemas.microsoft.com/office/drawing/2014/main" val="10002"/>
                   </a:ext>
                 </a:extLst>
               </a:tr>
@@ -20840,7 +20521,7 @@
                         <a:buNone/>
                       </a:pPr>
                       <a:r>
-                        <a:rPr lang="en" dirty="0" smtClean="0"/>
+                        <a:rPr lang="en" dirty="0"/>
                         <a:t>3</a:t>
                       </a:r>
                       <a:endParaRPr dirty="0"/>
@@ -20877,7 +20558,7 @@
                         <a:buNone/>
                       </a:pPr>
                       <a:r>
-                        <a:rPr lang="en" dirty="0" smtClean="0"/>
+                        <a:rPr lang="en" dirty="0"/>
                         <a:t>17/08/2025</a:t>
                       </a:r>
                       <a:endParaRPr dirty="0"/>
@@ -20904,7 +20585,7 @@
                         <a:buNone/>
                       </a:pPr>
                       <a:r>
-                        <a:rPr lang="en" dirty="0" smtClean="0"/>
+                        <a:rPr lang="en" dirty="0"/>
                         <a:t>18/08/2025</a:t>
                       </a:r>
                       <a:endParaRPr dirty="0"/>
@@ -20941,10 +20622,9 @@
                         <a:buNone/>
                       </a:pPr>
                       <a:r>
-                        <a:rPr lang="en-US" dirty="0" smtClean="0"/>
+                        <a:rPr lang="en-US" dirty="0"/>
                         <a:t>Planned</a:t>
                       </a:r>
-                      <a:endParaRPr lang="en-US" dirty="0"/>
                     </a:p>
                   </a:txBody>
                   <a:tcPr marL="91425" marR="91425" marT="91425" marB="91425" anchor="ctr">
@@ -20955,7 +20635,7 @@
                 </a:tc>
                 <a:extLst>
                   <a:ext uri="{0D108BD9-81ED-4DB2-BD59-A6C34878D82A}">
-                    <a16:rowId xmlns:a16="http://schemas.microsoft.com/office/drawing/2014/main" xmlns="" val="10003"/>
+                    <a16:rowId xmlns:a16="http://schemas.microsoft.com/office/drawing/2014/main" val="10003"/>
                   </a:ext>
                 </a:extLst>
               </a:tr>
@@ -20975,7 +20655,7 @@
                         <a:buNone/>
                       </a:pPr>
                       <a:r>
-                        <a:rPr lang="en" dirty="0" smtClean="0"/>
+                        <a:rPr lang="en" dirty="0"/>
                         <a:t>4</a:t>
                       </a:r>
                       <a:endParaRPr/>
@@ -21012,7 +20692,7 @@
                         <a:buNone/>
                       </a:pPr>
                       <a:r>
-                        <a:rPr lang="en" dirty="0" smtClean="0"/>
+                        <a:rPr lang="en" dirty="0"/>
                         <a:t>19/08/2025</a:t>
                       </a:r>
                       <a:endParaRPr dirty="0"/>
@@ -21039,7 +20719,7 @@
                         <a:buNone/>
                       </a:pPr>
                       <a:r>
-                        <a:rPr lang="en" dirty="0" smtClean="0"/>
+                        <a:rPr lang="en" dirty="0"/>
                         <a:t>20/08/2025</a:t>
                       </a:r>
                       <a:endParaRPr dirty="0"/>
@@ -21084,7 +20764,7 @@
                         <a:defRPr/>
                       </a:pPr>
                       <a:r>
-                        <a:rPr lang="en-US" dirty="0" smtClean="0"/>
+                        <a:rPr lang="en-US" dirty="0"/>
                         <a:t>Planned</a:t>
                       </a:r>
                     </a:p>
@@ -21097,7 +20777,7 @@
                 </a:tc>
                 <a:extLst>
                   <a:ext uri="{0D108BD9-81ED-4DB2-BD59-A6C34878D82A}">
-                    <a16:rowId xmlns:a16="http://schemas.microsoft.com/office/drawing/2014/main" xmlns="" val="10004"/>
+                    <a16:rowId xmlns:a16="http://schemas.microsoft.com/office/drawing/2014/main" val="10004"/>
                   </a:ext>
                 </a:extLst>
               </a:tr>
@@ -21117,7 +20797,7 @@
                         <a:buNone/>
                       </a:pPr>
                       <a:r>
-                        <a:rPr lang="en" dirty="0" smtClean="0"/>
+                        <a:rPr lang="en" dirty="0"/>
                         <a:t>5</a:t>
                       </a:r>
                       <a:endParaRPr/>
@@ -21154,7 +20834,7 @@
                         <a:buNone/>
                       </a:pPr>
                       <a:r>
-                        <a:rPr lang="en" dirty="0" smtClean="0"/>
+                        <a:rPr lang="en" dirty="0"/>
                         <a:t>21/08/2025</a:t>
                       </a:r>
                       <a:endParaRPr dirty="0"/>
@@ -21181,7 +20861,7 @@
                         <a:buNone/>
                       </a:pPr>
                       <a:r>
-                        <a:rPr lang="en" dirty="0" smtClean="0"/>
+                        <a:rPr lang="en" dirty="0"/>
                         <a:t>22/08/2025</a:t>
                       </a:r>
                       <a:endParaRPr dirty="0"/>
@@ -21218,10 +20898,9 @@
                         <a:buNone/>
                       </a:pPr>
                       <a:r>
-                        <a:rPr lang="en-US" dirty="0" smtClean="0"/>
+                        <a:rPr lang="en-US" dirty="0"/>
                         <a:t>Planned</a:t>
                       </a:r>
-                      <a:endParaRPr lang="en-US" dirty="0"/>
                     </a:p>
                   </a:txBody>
                   <a:tcPr marL="91425" marR="91425" marT="91425" marB="91425" anchor="ctr">
@@ -21232,7 +20911,7 @@
                 </a:tc>
                 <a:extLst>
                   <a:ext uri="{0D108BD9-81ED-4DB2-BD59-A6C34878D82A}">
-                    <a16:rowId xmlns:a16="http://schemas.microsoft.com/office/drawing/2014/main" xmlns="" val="10005"/>
+                    <a16:rowId xmlns:a16="http://schemas.microsoft.com/office/drawing/2014/main" val="10005"/>
                   </a:ext>
                 </a:extLst>
               </a:tr>
@@ -21252,7 +20931,7 @@
                         <a:buNone/>
                       </a:pPr>
                       <a:r>
-                        <a:rPr lang="en" dirty="0" smtClean="0"/>
+                        <a:rPr lang="en" dirty="0"/>
                         <a:t>6</a:t>
                       </a:r>
                       <a:endParaRPr/>
@@ -21306,7 +20985,7 @@
                         <a:buNone/>
                       </a:pPr>
                       <a:r>
-                        <a:rPr lang="en" dirty="0" smtClean="0"/>
+                        <a:rPr lang="en" dirty="0"/>
                         <a:t>05/09/2025</a:t>
                       </a:r>
                       <a:endParaRPr/>
@@ -21333,7 +21012,7 @@
                         <a:buNone/>
                       </a:pPr>
                       <a:r>
-                        <a:rPr lang="en" dirty="0" smtClean="0"/>
+                        <a:rPr lang="en" dirty="0"/>
                         <a:t>07/09/2025</a:t>
                       </a:r>
                       <a:endParaRPr dirty="0"/>
@@ -21395,7 +21074,7 @@
                         <a:defRPr/>
                       </a:pPr>
                       <a:r>
-                        <a:rPr lang="en-US" dirty="0" smtClean="0"/>
+                        <a:rPr lang="en-US" dirty="0"/>
                         <a:t>Planned</a:t>
                       </a:r>
                     </a:p>
@@ -21408,7 +21087,7 @@
                 </a:tc>
                 <a:extLst>
                   <a:ext uri="{0D108BD9-81ED-4DB2-BD59-A6C34878D82A}">
-                    <a16:rowId xmlns:a16="http://schemas.microsoft.com/office/drawing/2014/main" xmlns="" val="10006"/>
+                    <a16:rowId xmlns:a16="http://schemas.microsoft.com/office/drawing/2014/main" val="10006"/>
                   </a:ext>
                 </a:extLst>
               </a:tr>
@@ -21465,7 +21144,7 @@
                         <a:buNone/>
                       </a:pPr>
                       <a:r>
-                        <a:rPr lang="en" dirty="0" smtClean="0"/>
+                        <a:rPr lang="en" dirty="0"/>
                         <a:t>08/09/2025</a:t>
                       </a:r>
                       <a:endParaRPr/>
@@ -21492,7 +21171,7 @@
                         <a:buNone/>
                       </a:pPr>
                       <a:r>
-                        <a:rPr lang="en" dirty="0" smtClean="0"/>
+                        <a:rPr lang="en" dirty="0"/>
                         <a:t>09/09/2025</a:t>
                       </a:r>
                       <a:endParaRPr dirty="0"/>
@@ -21537,7 +21216,7 @@
                         <a:defRPr/>
                       </a:pPr>
                       <a:r>
-                        <a:rPr lang="en-US" dirty="0" smtClean="0"/>
+                        <a:rPr lang="en-US" dirty="0"/>
                         <a:t>Planned</a:t>
                       </a:r>
                     </a:p>
@@ -21550,7 +21229,7 @@
                 </a:tc>
                 <a:extLst>
                   <a:ext uri="{0D108BD9-81ED-4DB2-BD59-A6C34878D82A}">
-                    <a16:rowId xmlns:a16="http://schemas.microsoft.com/office/drawing/2014/main" xmlns="" val="10007"/>
+                    <a16:rowId xmlns:a16="http://schemas.microsoft.com/office/drawing/2014/main" val="10007"/>
                   </a:ext>
                 </a:extLst>
               </a:tr>
@@ -21570,7 +21249,7 @@
                         <a:buNone/>
                       </a:pPr>
                       <a:r>
-                        <a:rPr lang="en" dirty="0" smtClean="0"/>
+                        <a:rPr lang="en" dirty="0"/>
                         <a:t>8</a:t>
                       </a:r>
                       <a:endParaRPr/>
@@ -21607,7 +21286,7 @@
                         <a:buNone/>
                       </a:pPr>
                       <a:r>
-                        <a:rPr lang="en" dirty="0" smtClean="0"/>
+                        <a:rPr lang="en" dirty="0"/>
                         <a:t>10/09/2025</a:t>
                       </a:r>
                       <a:endParaRPr/>
@@ -21634,7 +21313,7 @@
                         <a:buNone/>
                       </a:pPr>
                       <a:r>
-                        <a:rPr lang="en" dirty="0" smtClean="0"/>
+                        <a:rPr lang="en" dirty="0"/>
                         <a:t>13/09/2025</a:t>
                       </a:r>
                       <a:endParaRPr dirty="0"/>
@@ -21679,7 +21358,7 @@
                         <a:defRPr/>
                       </a:pPr>
                       <a:r>
-                        <a:rPr lang="en-US" dirty="0" smtClean="0"/>
+                        <a:rPr lang="en-US" dirty="0"/>
                         <a:t>Planned</a:t>
                       </a:r>
                     </a:p>
@@ -21692,7 +21371,7 @@
                 </a:tc>
                 <a:extLst>
                   <a:ext uri="{0D108BD9-81ED-4DB2-BD59-A6C34878D82A}">
-                    <a16:rowId xmlns:a16="http://schemas.microsoft.com/office/drawing/2014/main" xmlns="" val="10008"/>
+                    <a16:rowId xmlns:a16="http://schemas.microsoft.com/office/drawing/2014/main" val="10008"/>
                   </a:ext>
                 </a:extLst>
               </a:tr>
@@ -21703,7 +21382,7 @@
     </p:spTree>
     <p:extLst>
       <p:ext uri="{BB962C8B-B14F-4D97-AF65-F5344CB8AC3E}">
-        <p14:creationId xmlns:p14="http://schemas.microsoft.com/office/powerpoint/2010/main" xmlns="" val="3929722202"/>
+        <p14:creationId xmlns:p14="http://schemas.microsoft.com/office/powerpoint/2010/main" val="3929722202"/>
       </p:ext>
     </p:extLst>
   </p:cSld>
@@ -21825,7 +21504,7 @@
           <p:nvPr>
             <p:extLst>
               <p:ext uri="{D42A27DB-BD31-4B8C-83A1-F6EECF244321}">
-                <p14:modId xmlns:p14="http://schemas.microsoft.com/office/powerpoint/2010/main" xmlns="" val="56936155"/>
+                <p14:modId xmlns:p14="http://schemas.microsoft.com/office/powerpoint/2010/main" val="56936155"/>
               </p:ext>
             </p:extLst>
           </p:nvPr>
@@ -21844,42 +21523,42 @@
                 <a:gridCol w="1345114">
                   <a:extLst>
                     <a:ext uri="{9D8B030D-6E8A-4147-A177-3AD203B41FA5}">
-                      <a16:colId xmlns:a16="http://schemas.microsoft.com/office/drawing/2014/main" xmlns="" val="20000"/>
+                      <a16:colId xmlns:a16="http://schemas.microsoft.com/office/drawing/2014/main" val="20000"/>
                     </a:ext>
                   </a:extLst>
                 </a:gridCol>
                 <a:gridCol w="1358467">
                   <a:extLst>
                     <a:ext uri="{9D8B030D-6E8A-4147-A177-3AD203B41FA5}">
-                      <a16:colId xmlns:a16="http://schemas.microsoft.com/office/drawing/2014/main" xmlns="" val="20001"/>
+                      <a16:colId xmlns:a16="http://schemas.microsoft.com/office/drawing/2014/main" val="20001"/>
                     </a:ext>
                   </a:extLst>
                 </a:gridCol>
                 <a:gridCol w="1335019">
                   <a:extLst>
                     <a:ext uri="{9D8B030D-6E8A-4147-A177-3AD203B41FA5}">
-                      <a16:colId xmlns:a16="http://schemas.microsoft.com/office/drawing/2014/main" xmlns="" val="20002"/>
+                      <a16:colId xmlns:a16="http://schemas.microsoft.com/office/drawing/2014/main" val="20002"/>
                     </a:ext>
                   </a:extLst>
                 </a:gridCol>
                 <a:gridCol w="1381915">
                   <a:extLst>
                     <a:ext uri="{9D8B030D-6E8A-4147-A177-3AD203B41FA5}">
-                      <a16:colId xmlns:a16="http://schemas.microsoft.com/office/drawing/2014/main" xmlns="" val="20003"/>
+                      <a16:colId xmlns:a16="http://schemas.microsoft.com/office/drawing/2014/main" val="20003"/>
                     </a:ext>
                   </a:extLst>
                 </a:gridCol>
                 <a:gridCol w="1358467">
                   <a:extLst>
                     <a:ext uri="{9D8B030D-6E8A-4147-A177-3AD203B41FA5}">
-                      <a16:colId xmlns:a16="http://schemas.microsoft.com/office/drawing/2014/main" xmlns="" val="20004"/>
+                      <a16:colId xmlns:a16="http://schemas.microsoft.com/office/drawing/2014/main" val="20004"/>
                     </a:ext>
                   </a:extLst>
                 </a:gridCol>
                 <a:gridCol w="1358467">
                   <a:extLst>
                     <a:ext uri="{9D8B030D-6E8A-4147-A177-3AD203B41FA5}">
-                      <a16:colId xmlns:a16="http://schemas.microsoft.com/office/drawing/2014/main" xmlns="" val="20005"/>
+                      <a16:colId xmlns:a16="http://schemas.microsoft.com/office/drawing/2014/main" val="20005"/>
                     </a:ext>
                   </a:extLst>
                 </a:gridCol>
@@ -21900,7 +21579,7 @@
                         <a:buNone/>
                       </a:pPr>
                       <a:r>
-                        <a:rPr lang="en-US" dirty="0" smtClean="0"/>
+                        <a:rPr lang="en-US" dirty="0"/>
                         <a:t>9</a:t>
                       </a:r>
                       <a:endParaRPr dirty="0"/>
@@ -22022,7 +21701,7 @@
                         <a:buNone/>
                       </a:pPr>
                       <a:r>
-                        <a:rPr lang="en" dirty="0" smtClean="0"/>
+                        <a:rPr lang="en" dirty="0"/>
                         <a:t>14/09/2025</a:t>
                       </a:r>
                       <a:endParaRPr dirty="0"/>
@@ -22085,7 +21764,7 @@
                         <a:buNone/>
                       </a:pPr>
                       <a:r>
-                        <a:rPr lang="en" dirty="0" smtClean="0"/>
+                        <a:rPr lang="en" dirty="0"/>
                         <a:t>15/09/2025</a:t>
                       </a:r>
                       <a:endParaRPr/>
@@ -22149,11 +21828,7 @@
                       </a:pPr>
                       <a:r>
                         <a:rPr lang="en" dirty="0"/>
-                        <a:t>  </a:t>
-                      </a:r>
-                      <a:r>
-                        <a:rPr lang="en" dirty="0" smtClean="0"/>
-                        <a:t>13</a:t>
+                        <a:t>  13</a:t>
                       </a:r>
                       <a:endParaRPr dirty="0"/>
                     </a:p>
@@ -22215,7 +21890,7 @@
                         <a:buNone/>
                       </a:pPr>
                       <a:r>
-                        <a:rPr lang="en" dirty="0" smtClean="0"/>
+                        <a:rPr lang="en" dirty="0"/>
                         <a:t>Planned</a:t>
                       </a:r>
                       <a:endParaRPr/>
@@ -22265,7 +21940,7 @@
                 </a:tc>
                 <a:extLst>
                   <a:ext uri="{0D108BD9-81ED-4DB2-BD59-A6C34878D82A}">
-                    <a16:rowId xmlns:a16="http://schemas.microsoft.com/office/drawing/2014/main" xmlns="" val="10002"/>
+                    <a16:rowId xmlns:a16="http://schemas.microsoft.com/office/drawing/2014/main" val="10002"/>
                   </a:ext>
                 </a:extLst>
               </a:tr>
@@ -22285,7 +21960,7 @@
                         <a:buNone/>
                       </a:pPr>
                       <a:r>
-                        <a:rPr lang="en" dirty="0" smtClean="0"/>
+                        <a:rPr lang="en" dirty="0"/>
                         <a:t>10</a:t>
                       </a:r>
                       <a:endParaRPr/>
@@ -22383,6 +22058,11 @@
                   </a:txBody>
                   <a:tcPr/>
                 </a:tc>
+                <a:extLst>
+                  <a:ext uri="{0D108BD9-81ED-4DB2-BD59-A6C34878D82A}">
+                    <a16:rowId xmlns:a16="http://schemas.microsoft.com/office/drawing/2014/main" val="10001"/>
+                  </a:ext>
+                </a:extLst>
               </a:tr>
               <a:tr h="591787">
                 <a:tc vMerge="1">
@@ -22469,7 +22149,7 @@
                         <a:buNone/>
                       </a:pPr>
                       <a:r>
-                        <a:rPr lang="en-US" dirty="0" smtClean="0"/>
+                        <a:rPr lang="en-US" dirty="0"/>
                         <a:t>16/09/2025</a:t>
                       </a:r>
                       <a:endParaRPr dirty="0"/>
@@ -22532,7 +22212,7 @@
                         <a:buNone/>
                       </a:pPr>
                       <a:r>
-                        <a:rPr lang="en" dirty="0" smtClean="0"/>
+                        <a:rPr lang="en" dirty="0"/>
                         <a:t>17/09/2025</a:t>
                       </a:r>
                       <a:endParaRPr dirty="0"/>
@@ -22605,10 +22285,9 @@
                         <a:buNone/>
                       </a:pPr>
                       <a:r>
-                        <a:rPr lang="en-US" dirty="0" smtClean="0"/>
+                        <a:rPr lang="en-US" dirty="0"/>
                         <a:t>Planned</a:t>
                       </a:r>
-                      <a:endParaRPr lang="en-US" dirty="0"/>
                     </a:p>
                   </a:txBody>
                   <a:tcPr marL="91425" marR="91425" marT="91425" marB="91425" anchor="ctr">
@@ -22655,7 +22334,7 @@
                 </a:tc>
                 <a:extLst>
                   <a:ext uri="{0D108BD9-81ED-4DB2-BD59-A6C34878D82A}">
-                    <a16:rowId xmlns:a16="http://schemas.microsoft.com/office/drawing/2014/main" xmlns="" val="10003"/>
+                    <a16:rowId xmlns:a16="http://schemas.microsoft.com/office/drawing/2014/main" val="10003"/>
                   </a:ext>
                 </a:extLst>
               </a:tr>
@@ -22675,7 +22354,7 @@
                         <a:buNone/>
                       </a:pPr>
                       <a:r>
-                        <a:rPr lang="en" dirty="0" smtClean="0"/>
+                        <a:rPr lang="en" dirty="0"/>
                         <a:t>11</a:t>
                       </a:r>
                       <a:endParaRPr/>
@@ -22739,11 +22418,7 @@
                       </a:pPr>
                       <a:r>
                         <a:rPr lang="en" dirty="0"/>
-                        <a:t>SPRINT </a:t>
-                      </a:r>
-                      <a:r>
-                        <a:rPr lang="en" dirty="0" smtClean="0"/>
-                        <a:t>3</a:t>
+                        <a:t>SPRINT 3</a:t>
                       </a:r>
                       <a:endParaRPr dirty="0"/>
                     </a:p>
@@ -22805,7 +22480,7 @@
                         <a:buNone/>
                       </a:pPr>
                       <a:r>
-                        <a:rPr lang="en" dirty="0" smtClean="0"/>
+                        <a:rPr lang="en" dirty="0"/>
                         <a:t>25/09/2025</a:t>
                       </a:r>
                       <a:endParaRPr/>
@@ -22868,7 +22543,7 @@
                         <a:buNone/>
                       </a:pPr>
                       <a:r>
-                        <a:rPr lang="en" dirty="0" smtClean="0"/>
+                        <a:rPr lang="en" dirty="0"/>
                         <a:t>26/09/2025</a:t>
                       </a:r>
                       <a:endParaRPr dirty="0"/>
@@ -22994,10 +22669,9 @@
                         <a:buNone/>
                       </a:pPr>
                       <a:r>
-                        <a:rPr lang="en-US" dirty="0" smtClean="0"/>
+                        <a:rPr lang="en-US" dirty="0"/>
                         <a:t>Planned</a:t>
                       </a:r>
-                      <a:endParaRPr lang="en-US" dirty="0"/>
                     </a:p>
                   </a:txBody>
                   <a:tcPr marL="91425" marR="91425" marT="91425" marB="91425" anchor="ctr">
@@ -23044,7 +22718,7 @@
                 </a:tc>
                 <a:extLst>
                   <a:ext uri="{0D108BD9-81ED-4DB2-BD59-A6C34878D82A}">
-                    <a16:rowId xmlns:a16="http://schemas.microsoft.com/office/drawing/2014/main" xmlns="" val="10004"/>
+                    <a16:rowId xmlns:a16="http://schemas.microsoft.com/office/drawing/2014/main" val="10004"/>
                   </a:ext>
                 </a:extLst>
               </a:tr>
@@ -23064,7 +22738,7 @@
                         <a:buNone/>
                       </a:pPr>
                       <a:r>
-                        <a:rPr lang="en" dirty="0" smtClean="0"/>
+                        <a:rPr lang="en" dirty="0"/>
                         <a:t>12</a:t>
                       </a:r>
                       <a:endParaRPr/>
@@ -23137,7 +22811,7 @@
                         <a:buNone/>
                       </a:pPr>
                       <a:r>
-                        <a:rPr lang="en" dirty="0" smtClean="0"/>
+                        <a:rPr lang="en" dirty="0"/>
                         <a:t>27/09/2025</a:t>
                       </a:r>
                       <a:endParaRPr dirty="0"/>
@@ -23200,7 +22874,7 @@
                         <a:buNone/>
                       </a:pPr>
                       <a:r>
-                        <a:rPr lang="en" dirty="0" smtClean="0"/>
+                        <a:rPr lang="en" dirty="0"/>
                         <a:t>30/09/2025</a:t>
                       </a:r>
                       <a:endParaRPr dirty="0"/>
@@ -23281,7 +22955,7 @@
                         <a:defRPr/>
                       </a:pPr>
                       <a:r>
-                        <a:rPr lang="en-US" dirty="0" smtClean="0"/>
+                        <a:rPr lang="en-US" dirty="0"/>
                         <a:t>Planned</a:t>
                       </a:r>
                     </a:p>
@@ -23330,7 +23004,7 @@
                 </a:tc>
                 <a:extLst>
                   <a:ext uri="{0D108BD9-81ED-4DB2-BD59-A6C34878D82A}">
-                    <a16:rowId xmlns:a16="http://schemas.microsoft.com/office/drawing/2014/main" xmlns="" val="10005"/>
+                    <a16:rowId xmlns:a16="http://schemas.microsoft.com/office/drawing/2014/main" val="10005"/>
                   </a:ext>
                 </a:extLst>
               </a:tr>
@@ -23555,7 +23229,7 @@
                         <a:defRPr/>
                       </a:pPr>
                       <a:r>
-                        <a:rPr lang="en-US" dirty="0" smtClean="0"/>
+                        <a:rPr lang="en-US" dirty="0"/>
                         <a:t>Planned</a:t>
                       </a:r>
                     </a:p>
@@ -23604,7 +23278,7 @@
                 </a:tc>
                 <a:extLst>
                   <a:ext uri="{0D108BD9-81ED-4DB2-BD59-A6C34878D82A}">
-                    <a16:rowId xmlns:a16="http://schemas.microsoft.com/office/drawing/2014/main" xmlns="" val="10006"/>
+                    <a16:rowId xmlns:a16="http://schemas.microsoft.com/office/drawing/2014/main" val="10006"/>
                   </a:ext>
                 </a:extLst>
               </a:tr>
@@ -23624,7 +23298,7 @@
                         <a:buNone/>
                       </a:pPr>
                       <a:r>
-                        <a:rPr lang="en" dirty="0" smtClean="0"/>
+                        <a:rPr lang="en" dirty="0"/>
                         <a:t>13</a:t>
                       </a:r>
                       <a:endParaRPr/>
@@ -23697,7 +23371,7 @@
                         <a:buNone/>
                       </a:pPr>
                       <a:r>
-                        <a:rPr lang="en" dirty="0" smtClean="0"/>
+                        <a:rPr lang="en" dirty="0"/>
                         <a:t>29/09/2025</a:t>
                       </a:r>
                       <a:endParaRPr/>
@@ -23760,7 +23434,7 @@
                         <a:buNone/>
                       </a:pPr>
                       <a:r>
-                        <a:rPr lang="en" dirty="0" smtClean="0"/>
+                        <a:rPr lang="en" dirty="0"/>
                         <a:t>30/09/2025</a:t>
                       </a:r>
                       <a:endParaRPr dirty="0"/>
@@ -23828,6 +23502,11 @@
                   </a:txBody>
                   <a:tcPr/>
                 </a:tc>
+                <a:extLst>
+                  <a:ext uri="{0D108BD9-81ED-4DB2-BD59-A6C34878D82A}">
+                    <a16:rowId xmlns:a16="http://schemas.microsoft.com/office/drawing/2014/main" val="10007"/>
+                  </a:ext>
+                </a:extLst>
               </a:tr>
             </a:tbl>
           </a:graphicData>
@@ -23856,17 +23535,16 @@
           <a:lstStyle/>
           <a:p>
             <a:r>
-              <a:rPr lang="en-US" dirty="0" smtClean="0"/>
+              <a:rPr lang="en-US" dirty="0"/>
               <a:t> </a:t>
             </a:r>
-            <a:endParaRPr lang="en-US" dirty="0"/>
           </a:p>
         </p:txBody>
       </p:sp>
     </p:spTree>
     <p:extLst>
       <p:ext uri="{BB962C8B-B14F-4D97-AF65-F5344CB8AC3E}">
-        <p14:creationId xmlns:p14="http://schemas.microsoft.com/office/powerpoint/2010/main" xmlns="" val="3560652123"/>
+        <p14:creationId xmlns:p14="http://schemas.microsoft.com/office/powerpoint/2010/main" val="3560652123"/>
       </p:ext>
     </p:extLst>
   </p:cSld>
@@ -23988,7 +23666,7 @@
           <p:nvPr>
             <p:extLst>
               <p:ext uri="{D42A27DB-BD31-4B8C-83A1-F6EECF244321}">
-                <p14:modId xmlns:p14="http://schemas.microsoft.com/office/powerpoint/2010/main" xmlns="" val="2944679008"/>
+                <p14:modId xmlns:p14="http://schemas.microsoft.com/office/powerpoint/2010/main" val="2944679008"/>
               </p:ext>
             </p:extLst>
           </p:nvPr>
@@ -24007,42 +23685,42 @@
                 <a:gridCol w="1311235">
                   <a:extLst>
                     <a:ext uri="{9D8B030D-6E8A-4147-A177-3AD203B41FA5}">
-                      <a16:colId xmlns:a16="http://schemas.microsoft.com/office/drawing/2014/main" xmlns="" val="20000"/>
+                      <a16:colId xmlns:a16="http://schemas.microsoft.com/office/drawing/2014/main" val="20000"/>
                     </a:ext>
                   </a:extLst>
                 </a:gridCol>
                 <a:gridCol w="1365693">
                   <a:extLst>
                     <a:ext uri="{9D8B030D-6E8A-4147-A177-3AD203B41FA5}">
-                      <a16:colId xmlns:a16="http://schemas.microsoft.com/office/drawing/2014/main" xmlns="" val="20001"/>
+                      <a16:colId xmlns:a16="http://schemas.microsoft.com/office/drawing/2014/main" val="20001"/>
                     </a:ext>
                   </a:extLst>
                 </a:gridCol>
                 <a:gridCol w="1365693">
                   <a:extLst>
                     <a:ext uri="{9D8B030D-6E8A-4147-A177-3AD203B41FA5}">
-                      <a16:colId xmlns:a16="http://schemas.microsoft.com/office/drawing/2014/main" xmlns="" val="20002"/>
+                      <a16:colId xmlns:a16="http://schemas.microsoft.com/office/drawing/2014/main" val="20002"/>
                     </a:ext>
                   </a:extLst>
                 </a:gridCol>
                 <a:gridCol w="1365693">
                   <a:extLst>
                     <a:ext uri="{9D8B030D-6E8A-4147-A177-3AD203B41FA5}">
-                      <a16:colId xmlns:a16="http://schemas.microsoft.com/office/drawing/2014/main" xmlns="" val="20003"/>
+                      <a16:colId xmlns:a16="http://schemas.microsoft.com/office/drawing/2014/main" val="20003"/>
                     </a:ext>
                   </a:extLst>
                 </a:gridCol>
                 <a:gridCol w="1365693">
                   <a:extLst>
                     <a:ext uri="{9D8B030D-6E8A-4147-A177-3AD203B41FA5}">
-                      <a16:colId xmlns:a16="http://schemas.microsoft.com/office/drawing/2014/main" xmlns="" val="20004"/>
+                      <a16:colId xmlns:a16="http://schemas.microsoft.com/office/drawing/2014/main" val="20004"/>
                     </a:ext>
                   </a:extLst>
                 </a:gridCol>
                 <a:gridCol w="1365693">
                   <a:extLst>
                     <a:ext uri="{9D8B030D-6E8A-4147-A177-3AD203B41FA5}">
-                      <a16:colId xmlns:a16="http://schemas.microsoft.com/office/drawing/2014/main" xmlns="" val="20005"/>
+                      <a16:colId xmlns:a16="http://schemas.microsoft.com/office/drawing/2014/main" val="20005"/>
                     </a:ext>
                   </a:extLst>
                 </a:gridCol>
@@ -24063,7 +23741,7 @@
                         <a:buNone/>
                       </a:pPr>
                       <a:r>
-                        <a:rPr lang="en" dirty="0" smtClean="0"/>
+                        <a:rPr lang="en" dirty="0"/>
                         <a:t>14</a:t>
                       </a:r>
                       <a:endParaRPr dirty="0"/>
@@ -24133,7 +23811,7 @@
                         <a:buNone/>
                       </a:pPr>
                       <a:r>
-                        <a:rPr lang="en" dirty="0" smtClean="0"/>
+                        <a:rPr lang="en" dirty="0"/>
                         <a:t>01/10/2025</a:t>
                       </a:r>
                       <a:endParaRPr/>
@@ -24160,7 +23838,7 @@
                         <a:buNone/>
                       </a:pPr>
                       <a:r>
-                        <a:rPr lang="en" dirty="0" smtClean="0"/>
+                        <a:rPr lang="en" dirty="0"/>
                         <a:t>02/10/2025</a:t>
                       </a:r>
                       <a:endParaRPr/>
@@ -24222,7 +23900,7 @@
                         <a:buNone/>
                       </a:pPr>
                       <a:r>
-                        <a:rPr lang="en" dirty="0" smtClean="0"/>
+                        <a:rPr lang="en" dirty="0"/>
                         <a:t>Planned</a:t>
                       </a:r>
                       <a:endParaRPr/>
@@ -24236,7 +23914,7 @@
                 </a:tc>
                 <a:extLst>
                   <a:ext uri="{0D108BD9-81ED-4DB2-BD59-A6C34878D82A}">
-                    <a16:rowId xmlns:a16="http://schemas.microsoft.com/office/drawing/2014/main" xmlns="" val="10001"/>
+                    <a16:rowId xmlns:a16="http://schemas.microsoft.com/office/drawing/2014/main" val="10001"/>
                   </a:ext>
                 </a:extLst>
               </a:tr>
@@ -24256,7 +23934,7 @@
                         <a:buNone/>
                       </a:pPr>
                       <a:r>
-                        <a:rPr lang="en" dirty="0" smtClean="0"/>
+                        <a:rPr lang="en" dirty="0"/>
                         <a:t>15</a:t>
                       </a:r>
                       <a:endParaRPr dirty="0"/>
@@ -24293,7 +23971,7 @@
                         <a:buNone/>
                       </a:pPr>
                       <a:r>
-                        <a:rPr lang="en" dirty="0" smtClean="0"/>
+                        <a:rPr lang="en" dirty="0"/>
                         <a:t>03/10/2025</a:t>
                       </a:r>
                       <a:endParaRPr dirty="0"/>
@@ -24320,7 +23998,7 @@
                         <a:buNone/>
                       </a:pPr>
                       <a:r>
-                        <a:rPr lang="en" dirty="0" smtClean="0"/>
+                        <a:rPr lang="en" dirty="0"/>
                         <a:t>04/10/2025</a:t>
                       </a:r>
                       <a:endParaRPr/>
@@ -24357,10 +24035,9 @@
                         <a:buNone/>
                       </a:pPr>
                       <a:r>
-                        <a:rPr lang="en-US" dirty="0" smtClean="0"/>
+                        <a:rPr lang="en-US" dirty="0"/>
                         <a:t>Planned</a:t>
                       </a:r>
-                      <a:endParaRPr lang="en-US" dirty="0"/>
                     </a:p>
                   </a:txBody>
                   <a:tcPr marL="91425" marR="91425" marT="91425" marB="91425" anchor="ctr">
@@ -24371,7 +24048,7 @@
                 </a:tc>
                 <a:extLst>
                   <a:ext uri="{0D108BD9-81ED-4DB2-BD59-A6C34878D82A}">
-                    <a16:rowId xmlns:a16="http://schemas.microsoft.com/office/drawing/2014/main" xmlns="" val="10002"/>
+                    <a16:rowId xmlns:a16="http://schemas.microsoft.com/office/drawing/2014/main" val="10002"/>
                   </a:ext>
                 </a:extLst>
               </a:tr>
@@ -24391,7 +24068,7 @@
                         <a:buNone/>
                       </a:pPr>
                       <a:r>
-                        <a:rPr lang="en" dirty="0" smtClean="0"/>
+                        <a:rPr lang="en" dirty="0"/>
                         <a:t>16</a:t>
                       </a:r>
                       <a:endParaRPr dirty="0"/>
@@ -24428,7 +24105,7 @@
                         <a:buNone/>
                       </a:pPr>
                       <a:r>
-                        <a:rPr lang="en" dirty="0" smtClean="0"/>
+                        <a:rPr lang="en" dirty="0"/>
                         <a:t>05/10/2025</a:t>
                       </a:r>
                       <a:endParaRPr dirty="0"/>
@@ -24455,7 +24132,7 @@
                         <a:buNone/>
                       </a:pPr>
                       <a:r>
-                        <a:rPr lang="en" dirty="0" smtClean="0"/>
+                        <a:rPr lang="en" dirty="0"/>
                         <a:t>06/10/2025</a:t>
                       </a:r>
                       <a:endParaRPr dirty="0"/>
@@ -24492,10 +24169,9 @@
                         <a:buNone/>
                       </a:pPr>
                       <a:r>
-                        <a:rPr lang="en-US" dirty="0" smtClean="0"/>
+                        <a:rPr lang="en-US" dirty="0"/>
                         <a:t>Planned</a:t>
                       </a:r>
-                      <a:endParaRPr lang="en-US" dirty="0"/>
                     </a:p>
                   </a:txBody>
                   <a:tcPr marL="91425" marR="91425" marT="91425" marB="91425" anchor="ctr">
@@ -24506,7 +24182,7 @@
                 </a:tc>
                 <a:extLst>
                   <a:ext uri="{0D108BD9-81ED-4DB2-BD59-A6C34878D82A}">
-                    <a16:rowId xmlns:a16="http://schemas.microsoft.com/office/drawing/2014/main" xmlns="" val="10003"/>
+                    <a16:rowId xmlns:a16="http://schemas.microsoft.com/office/drawing/2014/main" val="10003"/>
                   </a:ext>
                 </a:extLst>
               </a:tr>
@@ -24526,7 +24202,7 @@
                         <a:buNone/>
                       </a:pPr>
                       <a:r>
-                        <a:rPr lang="en" dirty="0" smtClean="0"/>
+                        <a:rPr lang="en" dirty="0"/>
                         <a:t>17</a:t>
                       </a:r>
                       <a:endParaRPr/>
@@ -24563,7 +24239,7 @@
                         <a:buNone/>
                       </a:pPr>
                       <a:r>
-                        <a:rPr lang="en" dirty="0" smtClean="0"/>
+                        <a:rPr lang="en" dirty="0"/>
                         <a:t>07/10/2025</a:t>
                       </a:r>
                       <a:endParaRPr dirty="0"/>
@@ -24590,7 +24266,7 @@
                         <a:buNone/>
                       </a:pPr>
                       <a:r>
-                        <a:rPr lang="en" dirty="0" smtClean="0"/>
+                        <a:rPr lang="en" dirty="0"/>
                         <a:t>08/10/2025</a:t>
                       </a:r>
                       <a:endParaRPr dirty="0"/>
@@ -24635,7 +24311,7 @@
                         <a:defRPr/>
                       </a:pPr>
                       <a:r>
-                        <a:rPr lang="en-US" dirty="0" smtClean="0"/>
+                        <a:rPr lang="en-US" dirty="0"/>
                         <a:t>Planned</a:t>
                       </a:r>
                     </a:p>
@@ -24648,7 +24324,7 @@
                 </a:tc>
                 <a:extLst>
                   <a:ext uri="{0D108BD9-81ED-4DB2-BD59-A6C34878D82A}">
-                    <a16:rowId xmlns:a16="http://schemas.microsoft.com/office/drawing/2014/main" xmlns="" val="10004"/>
+                    <a16:rowId xmlns:a16="http://schemas.microsoft.com/office/drawing/2014/main" val="10004"/>
                   </a:ext>
                 </a:extLst>
               </a:tr>
@@ -24668,7 +24344,7 @@
                         <a:buNone/>
                       </a:pPr>
                       <a:r>
-                        <a:rPr lang="en" dirty="0" smtClean="0"/>
+                        <a:rPr lang="en" dirty="0"/>
                         <a:t>18</a:t>
                       </a:r>
                       <a:endParaRPr/>
@@ -24705,7 +24381,7 @@
                         <a:buNone/>
                       </a:pPr>
                       <a:r>
-                        <a:rPr lang="en" dirty="0" smtClean="0"/>
+                        <a:rPr lang="en" dirty="0"/>
                         <a:t>09/10/2025</a:t>
                       </a:r>
                       <a:endParaRPr dirty="0"/>
@@ -24732,7 +24408,7 @@
                         <a:buNone/>
                       </a:pPr>
                       <a:r>
-                        <a:rPr lang="en" dirty="0" smtClean="0"/>
+                        <a:rPr lang="en" dirty="0"/>
                         <a:t>09/10/2025</a:t>
                       </a:r>
                       <a:endParaRPr dirty="0"/>
@@ -24769,10 +24445,9 @@
                         <a:buNone/>
                       </a:pPr>
                       <a:r>
-                        <a:rPr lang="en-US" dirty="0" smtClean="0"/>
+                        <a:rPr lang="en-US" dirty="0"/>
                         <a:t>Planned</a:t>
                       </a:r>
-                      <a:endParaRPr lang="en-US" dirty="0"/>
                     </a:p>
                   </a:txBody>
                   <a:tcPr marL="91425" marR="91425" marT="91425" marB="91425" anchor="ctr">
@@ -24783,7 +24458,7 @@
                 </a:tc>
                 <a:extLst>
                   <a:ext uri="{0D108BD9-81ED-4DB2-BD59-A6C34878D82A}">
-                    <a16:rowId xmlns:a16="http://schemas.microsoft.com/office/drawing/2014/main" xmlns="" val="10005"/>
+                    <a16:rowId xmlns:a16="http://schemas.microsoft.com/office/drawing/2014/main" val="10005"/>
                   </a:ext>
                 </a:extLst>
               </a:tr>
@@ -24803,7 +24478,7 @@
                         <a:buNone/>
                       </a:pPr>
                       <a:r>
-                        <a:rPr lang="en" dirty="0" smtClean="0"/>
+                        <a:rPr lang="en" dirty="0"/>
                         <a:t>19</a:t>
                       </a:r>
                       <a:endParaRPr/>
@@ -24851,7 +24526,7 @@
                         <a:buNone/>
                       </a:pPr>
                       <a:r>
-                        <a:rPr lang="en" dirty="0" smtClean="0"/>
+                        <a:rPr lang="en" dirty="0"/>
                         <a:t>10/09/2025</a:t>
                       </a:r>
                       <a:endParaRPr/>
@@ -24878,7 +24553,7 @@
                         <a:buNone/>
                       </a:pPr>
                       <a:r>
-                        <a:rPr lang="en" smtClean="0"/>
+                        <a:rPr lang="en"/>
                         <a:t>10/09/2025</a:t>
                       </a:r>
                       <a:endParaRPr dirty="0"/>
@@ -24940,7 +24615,7 @@
                         <a:defRPr/>
                       </a:pPr>
                       <a:r>
-                        <a:rPr lang="en-US" dirty="0" smtClean="0"/>
+                        <a:rPr lang="en-US" dirty="0"/>
                         <a:t>Planned</a:t>
                       </a:r>
                     </a:p>
@@ -24953,7 +24628,7 @@
                 </a:tc>
                 <a:extLst>
                   <a:ext uri="{0D108BD9-81ED-4DB2-BD59-A6C34878D82A}">
-                    <a16:rowId xmlns:a16="http://schemas.microsoft.com/office/drawing/2014/main" xmlns="" val="10006"/>
+                    <a16:rowId xmlns:a16="http://schemas.microsoft.com/office/drawing/2014/main" val="10006"/>
                   </a:ext>
                 </a:extLst>
               </a:tr>
@@ -24964,7 +24639,7 @@
     </p:spTree>
     <p:extLst>
       <p:ext uri="{BB962C8B-B14F-4D97-AF65-F5344CB8AC3E}">
-        <p14:creationId xmlns:p14="http://schemas.microsoft.com/office/powerpoint/2010/main" xmlns="" val="3929722202"/>
+        <p14:creationId xmlns:p14="http://schemas.microsoft.com/office/powerpoint/2010/main" val="3929722202"/>
       </p:ext>
     </p:extLst>
   </p:cSld>
@@ -25143,7 +24818,7 @@
     </p:spTree>
     <p:extLst>
       <p:ext uri="{BB962C8B-B14F-4D97-AF65-F5344CB8AC3E}">
-        <p14:creationId xmlns:p14="http://schemas.microsoft.com/office/powerpoint/2010/main" xmlns="" val="2943013317"/>
+        <p14:creationId xmlns:p14="http://schemas.microsoft.com/office/powerpoint/2010/main" val="2943013317"/>
       </p:ext>
     </p:extLst>
   </p:cSld>
@@ -25261,34 +24936,6 @@
           </a:p>
         </p:txBody>
       </p:sp>
-      <p:pic>
-        <p:nvPicPr>
-          <p:cNvPr id="6" name="Google Shape;325;p20"/>
-          <p:cNvPicPr preferRelativeResize="0"/>
-          <p:nvPr/>
-        </p:nvPicPr>
-        <p:blipFill>
-          <a:blip r:embed="rId2">
-            <a:alphaModFix/>
-          </a:blip>
-          <a:stretch>
-            <a:fillRect/>
-          </a:stretch>
-        </p:blipFill>
-        <p:spPr>
-          <a:xfrm>
-            <a:off x="479224" y="1600200"/>
-            <a:ext cx="8207576" cy="4191000"/>
-          </a:xfrm>
-          <a:prstGeom prst="rect">
-            <a:avLst/>
-          </a:prstGeom>
-          <a:noFill/>
-          <a:ln>
-            <a:noFill/>
-          </a:ln>
-        </p:spPr>
-      </p:pic>
       <p:sp>
         <p:nvSpPr>
           <p:cNvPr id="7" name="TextBox 6"/>
@@ -25319,10 +24966,46 @@
           </a:p>
         </p:txBody>
       </p:sp>
+      <p:pic>
+        <p:nvPicPr>
+          <p:cNvPr id="9" name="Picture 8">
+            <a:extLst>
+              <a:ext uri="{FF2B5EF4-FFF2-40B4-BE49-F238E27FC236}">
+                <a16:creationId xmlns:a16="http://schemas.microsoft.com/office/drawing/2014/main" id="{3CA6456F-886D-4105-B964-F4FD07722517}"/>
+              </a:ext>
+            </a:extLst>
+          </p:cNvPr>
+          <p:cNvPicPr>
+            <a:picLocks noChangeAspect="1"/>
+          </p:cNvPicPr>
+          <p:nvPr/>
+        </p:nvPicPr>
+        <p:blipFill>
+          <a:blip r:embed="rId2" cstate="print">
+            <a:extLst>
+              <a:ext uri="{28A0092B-C50C-407E-A947-70E740481C1C}">
+                <a14:useLocalDpi xmlns:a14="http://schemas.microsoft.com/office/drawing/2010/main" val="0"/>
+              </a:ext>
+            </a:extLst>
+          </a:blip>
+          <a:stretch>
+            <a:fillRect/>
+          </a:stretch>
+        </p:blipFill>
+        <p:spPr>
+          <a:xfrm>
+            <a:off x="457200" y="1708150"/>
+            <a:ext cx="8341691" cy="4648200"/>
+          </a:xfrm>
+          <a:prstGeom prst="rect">
+            <a:avLst/>
+          </a:prstGeom>
+        </p:spPr>
+      </p:pic>
     </p:spTree>
     <p:extLst>
       <p:ext uri="{BB962C8B-B14F-4D97-AF65-F5344CB8AC3E}">
-        <p14:creationId xmlns:p14="http://schemas.microsoft.com/office/powerpoint/2010/main" xmlns="" val="354542763"/>
+        <p14:creationId xmlns:p14="http://schemas.microsoft.com/office/powerpoint/2010/main" val="354542763"/>
       </p:ext>
     </p:extLst>
   </p:cSld>
@@ -25501,7 +25184,7 @@
     </p:spTree>
     <p:extLst>
       <p:ext uri="{BB962C8B-B14F-4D97-AF65-F5344CB8AC3E}">
-        <p14:creationId xmlns:p14="http://schemas.microsoft.com/office/powerpoint/2010/main" xmlns="" val="2305161154"/>
+        <p14:creationId xmlns:p14="http://schemas.microsoft.com/office/powerpoint/2010/main" val="2305161154"/>
       </p:ext>
     </p:extLst>
   </p:cSld>
@@ -26012,7 +25695,7 @@
     </p:spTree>
     <p:extLst>
       <p:ext uri="{BB962C8B-B14F-4D97-AF65-F5344CB8AC3E}">
-        <p14:creationId xmlns:p14="http://schemas.microsoft.com/office/powerpoint/2010/main" xmlns="" val="3795002270"/>
+        <p14:creationId xmlns:p14="http://schemas.microsoft.com/office/powerpoint/2010/main" val="3795002270"/>
       </p:ext>
     </p:extLst>
   </p:cSld>
@@ -26068,7 +25751,7 @@
     </p:spTree>
     <p:extLst>
       <p:ext uri="{BB962C8B-B14F-4D97-AF65-F5344CB8AC3E}">
-        <p14:creationId xmlns:p14="http://schemas.microsoft.com/office/powerpoint/2010/main" xmlns="" val="422872674"/>
+        <p14:creationId xmlns:p14="http://schemas.microsoft.com/office/powerpoint/2010/main" val="422872674"/>
       </p:ext>
     </p:extLst>
   </p:cSld>
@@ -26145,54 +25828,29 @@
             <a:pPr lvl="0"/>
             <a:r>
               <a:rPr lang="en-GB" sz="2000" dirty="0"/>
-              <a:t>Book My Style is an online platform designed to simplify booking salon appointments.</a:t>
+              <a:t>Book My Style is an online platform that makes booking salon appointments quick and easy, eliminating long wait times and phone hassles.</a:t>
             </a:r>
           </a:p>
           <a:p>
             <a:pPr lvl="0"/>
             <a:r>
               <a:rPr lang="en-GB" sz="2000" dirty="0"/>
-              <a:t>It addresses common problems like long wait times, phone bookings, and uncertainty of availability.</a:t>
+              <a:t>Users can browse salons, services, and staff availability to choose their preferred services and professionals.</a:t>
             </a:r>
           </a:p>
           <a:p>
             <a:pPr lvl="0"/>
             <a:r>
               <a:rPr lang="en-GB" sz="2000" dirty="0"/>
-              <a:t>The system allows users to easily browse salons, services, and staff availability.</a:t>
+              <a:t>The platform provides real-time updates and notifications to keep customers informed.</a:t>
             </a:r>
           </a:p>
           <a:p>
             <a:pPr lvl="0"/>
             <a:r>
               <a:rPr lang="en-GB" sz="2000" dirty="0"/>
-              <a:t>Customers can select preferred services and professionals for a personalized experience.</a:t>
+              <a:t>Salon owners and admins can efficiently manage appointments, staff schedules, services, and access analytics.</a:t>
             </a:r>
-          </a:p>
-          <a:p>
-            <a:pPr lvl="0"/>
-            <a:r>
-              <a:rPr lang="en-GB" sz="2000" dirty="0"/>
-              <a:t>The platform provides real-time updates and notifications to keep users informed.</a:t>
-            </a:r>
-          </a:p>
-          <a:p>
-            <a:pPr lvl="0"/>
-            <a:r>
-              <a:rPr lang="en-GB" sz="2000" dirty="0"/>
-              <a:t>Salon owners can efficiently manage appointments, staff schedules, and services.</a:t>
-            </a:r>
-          </a:p>
-          <a:p>
-            <a:pPr lvl="0"/>
-            <a:r>
-              <a:rPr lang="en-GB" sz="2000" dirty="0"/>
-              <a:t>Admins have full control over the system with management and analytics tools.</a:t>
-            </a:r>
-          </a:p>
-          <a:p>
-            <a:pPr lvl="0"/>
-            <a:endParaRPr lang="en-GB" sz="2000" dirty="0"/>
           </a:p>
           <a:p>
             <a:pPr lvl="0"/>
@@ -26325,37 +25983,25 @@
           <a:p>
             <a:r>
               <a:rPr lang="en-GB" sz="2000" dirty="0"/>
-              <a:t>Create a user-friendly online platform for convenient salon appointment booking, eliminating phone calls and wait times.</a:t>
+              <a:t>Create a user-friendly online platform for convenient salon bookings, removing the need for phone calls and wait times.</a:t>
             </a:r>
           </a:p>
           <a:p>
             <a:r>
               <a:rPr lang="en-GB" sz="2000" dirty="0"/>
-              <a:t>Allow customers to browse salons, choose services, select preferred professionals, and receive real-time updates and notifications.</a:t>
+              <a:t>Allow customers to browse salons, select services and professionals, and get real-time updates and notifications.</a:t>
             </a:r>
           </a:p>
           <a:p>
             <a:r>
               <a:rPr lang="en-GB" sz="2000" dirty="0"/>
-              <a:t>Enable salon owners to manage appointments, staff schedules, and services efficiently through a dedicated dashboard.</a:t>
+              <a:t>Enable salon owners to efficiently manage appointments, staff, and services through a dedicated dashboard.</a:t>
             </a:r>
           </a:p>
           <a:p>
             <a:r>
               <a:rPr lang="en-GB" sz="2000" dirty="0"/>
-              <a:t>Provide admin control with analytics for effective platform management.</a:t>
-            </a:r>
-          </a:p>
-          <a:p>
-            <a:r>
-              <a:rPr lang="en-GB" sz="2000" dirty="0"/>
-              <a:t>Develop the system using modern web technologies to ensure a responsive and seamless user experience</a:t>
-            </a:r>
-          </a:p>
-          <a:p>
-            <a:r>
-              <a:rPr lang="en-GB" sz="2000" dirty="0"/>
-              <a:t>Improve service quality by reducing errors, saving time, and bridging the gap between clients and beauty service providers.</a:t>
+              <a:t>Provide admin control with analytics, ensuring a smooth experience using modern web technologies and improving service quality.</a:t>
             </a:r>
             <a:endParaRPr lang="en-US" sz="2000" dirty="0"/>
           </a:p>
@@ -26424,7 +26070,7 @@
         <p:cNvPr id="1" name="">
           <a:extLst>
             <a:ext uri="{FF2B5EF4-FFF2-40B4-BE49-F238E27FC236}">
-              <a16:creationId xmlns:a16="http://schemas.microsoft.com/office/drawing/2014/main" xmlns="" id="{435CA5DB-C95B-9274-6CC6-BBDD6124343D}"/>
+              <a16:creationId xmlns:a16="http://schemas.microsoft.com/office/drawing/2014/main" id="{435CA5DB-C95B-9274-6CC6-BBDD6124343D}"/>
             </a:ext>
           </a:extLst>
         </p:cNvPr>
@@ -26444,7 +26090,7 @@
           <p:cNvPr id="2" name="Title 1">
             <a:extLst>
               <a:ext uri="{FF2B5EF4-FFF2-40B4-BE49-F238E27FC236}">
-                <a16:creationId xmlns:a16="http://schemas.microsoft.com/office/drawing/2014/main" xmlns="" id="{70D7FD21-F072-514B-1259-00E2A2C72872}"/>
+                <a16:creationId xmlns:a16="http://schemas.microsoft.com/office/drawing/2014/main" id="{70D7FD21-F072-514B-1259-00E2A2C72872}"/>
               </a:ext>
             </a:extLst>
           </p:cNvPr>
@@ -26473,7 +26119,7 @@
           <p:cNvPr id="3" name="Content Placeholder 2">
             <a:extLst>
               <a:ext uri="{FF2B5EF4-FFF2-40B4-BE49-F238E27FC236}">
-                <a16:creationId xmlns:a16="http://schemas.microsoft.com/office/drawing/2014/main" xmlns="" id="{8B3013F8-EA75-8B73-B691-9967DDB1449D}"/>
+                <a16:creationId xmlns:a16="http://schemas.microsoft.com/office/drawing/2014/main" id="{8B3013F8-EA75-8B73-B691-9967DDB1449D}"/>
               </a:ext>
             </a:extLst>
           </p:cNvPr>
@@ -26528,7 +26174,7 @@
           <p:cNvPr id="4" name="Footer Placeholder 3">
             <a:extLst>
               <a:ext uri="{FF2B5EF4-FFF2-40B4-BE49-F238E27FC236}">
-                <a16:creationId xmlns:a16="http://schemas.microsoft.com/office/drawing/2014/main" xmlns="" id="{50633661-B8A5-5F64-B0B3-F069AAD48A57}"/>
+                <a16:creationId xmlns:a16="http://schemas.microsoft.com/office/drawing/2014/main" id="{50633661-B8A5-5F64-B0B3-F069AAD48A57}"/>
               </a:ext>
             </a:extLst>
           </p:cNvPr>
@@ -26557,7 +26203,7 @@
           <p:cNvPr id="5" name="Slide Number Placeholder 4">
             <a:extLst>
               <a:ext uri="{FF2B5EF4-FFF2-40B4-BE49-F238E27FC236}">
-                <a16:creationId xmlns:a16="http://schemas.microsoft.com/office/drawing/2014/main" xmlns="" id="{7C645143-4DA4-EC25-D400-31811F433E12}"/>
+                <a16:creationId xmlns:a16="http://schemas.microsoft.com/office/drawing/2014/main" id="{7C645143-4DA4-EC25-D400-31811F433E12}"/>
               </a:ext>
             </a:extLst>
           </p:cNvPr>
@@ -26585,7 +26231,7 @@
     </p:spTree>
     <p:extLst>
       <p:ext uri="{BB962C8B-B14F-4D97-AF65-F5344CB8AC3E}">
-        <p14:creationId xmlns:p14="http://schemas.microsoft.com/office/powerpoint/2010/main" xmlns="" val="630680352"/>
+        <p14:creationId xmlns:p14="http://schemas.microsoft.com/office/powerpoint/2010/main" val="630680352"/>
       </p:ext>
     </p:extLst>
   </p:cSld>
@@ -26603,7 +26249,7 @@
         <p:cNvPr id="1" name="">
           <a:extLst>
             <a:ext uri="{FF2B5EF4-FFF2-40B4-BE49-F238E27FC236}">
-              <a16:creationId xmlns:a16="http://schemas.microsoft.com/office/drawing/2014/main" xmlns="" id="{D9A89323-CAA4-5F8F-BC23-AF2428BA79DA}"/>
+              <a16:creationId xmlns:a16="http://schemas.microsoft.com/office/drawing/2014/main" id="{D9A89323-CAA4-5F8F-BC23-AF2428BA79DA}"/>
             </a:ext>
           </a:extLst>
         </p:cNvPr>
@@ -26623,7 +26269,7 @@
           <p:cNvPr id="2" name="Title 1">
             <a:extLst>
               <a:ext uri="{FF2B5EF4-FFF2-40B4-BE49-F238E27FC236}">
-                <a16:creationId xmlns:a16="http://schemas.microsoft.com/office/drawing/2014/main" xmlns="" id="{80A72957-0B3A-B1DC-4183-C152345F07C0}"/>
+                <a16:creationId xmlns:a16="http://schemas.microsoft.com/office/drawing/2014/main" id="{80A72957-0B3A-B1DC-4183-C152345F07C0}"/>
               </a:ext>
             </a:extLst>
           </p:cNvPr>
@@ -26652,7 +26298,7 @@
           <p:cNvPr id="3" name="Content Placeholder 2">
             <a:extLst>
               <a:ext uri="{FF2B5EF4-FFF2-40B4-BE49-F238E27FC236}">
-                <a16:creationId xmlns:a16="http://schemas.microsoft.com/office/drawing/2014/main" xmlns="" id="{F99433FB-9787-5DBA-F8F3-B66560196327}"/>
+                <a16:creationId xmlns:a16="http://schemas.microsoft.com/office/drawing/2014/main" id="{F99433FB-9787-5DBA-F8F3-B66560196327}"/>
               </a:ext>
             </a:extLst>
           </p:cNvPr>
@@ -26713,7 +26359,7 @@
           <p:cNvPr id="4" name="Footer Placeholder 3">
             <a:extLst>
               <a:ext uri="{FF2B5EF4-FFF2-40B4-BE49-F238E27FC236}">
-                <a16:creationId xmlns:a16="http://schemas.microsoft.com/office/drawing/2014/main" xmlns="" id="{78A7E54E-77D1-E994-4D0C-79543779974B}"/>
+                <a16:creationId xmlns:a16="http://schemas.microsoft.com/office/drawing/2014/main" id="{78A7E54E-77D1-E994-4D0C-79543779974B}"/>
               </a:ext>
             </a:extLst>
           </p:cNvPr>
@@ -26742,7 +26388,7 @@
           <p:cNvPr id="5" name="Slide Number Placeholder 4">
             <a:extLst>
               <a:ext uri="{FF2B5EF4-FFF2-40B4-BE49-F238E27FC236}">
-                <a16:creationId xmlns:a16="http://schemas.microsoft.com/office/drawing/2014/main" xmlns="" id="{2A8B7F26-E457-6E29-93A0-124CF9B8EF07}"/>
+                <a16:creationId xmlns:a16="http://schemas.microsoft.com/office/drawing/2014/main" id="{2A8B7F26-E457-6E29-93A0-124CF9B8EF07}"/>
               </a:ext>
             </a:extLst>
           </p:cNvPr>
@@ -26770,7 +26416,7 @@
     </p:spTree>
     <p:extLst>
       <p:ext uri="{BB962C8B-B14F-4D97-AF65-F5344CB8AC3E}">
-        <p14:creationId xmlns:p14="http://schemas.microsoft.com/office/powerpoint/2010/main" xmlns="" val="2460749319"/>
+        <p14:creationId xmlns:p14="http://schemas.microsoft.com/office/powerpoint/2010/main" val="2460749319"/>
       </p:ext>
     </p:extLst>
   </p:cSld>
@@ -26981,134 +26627,54 @@
           <a:lstStyle/>
           <a:p>
             <a:r>
-              <a:rPr lang="en-US" sz="2000" dirty="0" smtClean="0"/>
-              <a:t>Book </a:t>
+              <a:rPr lang="en-US" sz="2000" dirty="0"/>
+              <a:t>Book Appointments Easily – Customers can book, change, or cancel salon appointments anytime.</a:t>
             </a:r>
+          </a:p>
+          <a:p>
             <a:r>
-              <a:rPr lang="en-US" sz="2000" dirty="0" smtClean="0"/>
-              <a:t>Appointments </a:t>
+              <a:rPr lang="en-US" sz="2000" dirty="0"/>
+              <a:t>Book Appointments Easily – Customers can book, change, or cancel salon appointments anytime.</a:t>
             </a:r>
+          </a:p>
+          <a:p>
             <a:r>
-              <a:rPr lang="en-US" sz="2000" dirty="0" smtClean="0"/>
-              <a:t>Easily </a:t>
+              <a:rPr lang="en-US" sz="2000" dirty="0"/>
+              <a:t>Manage Salons and Services – Salons can list their services, staff, and working hours.</a:t>
             </a:r>
+          </a:p>
+          <a:p>
             <a:r>
-              <a:rPr lang="en-US" sz="2000" dirty="0" smtClean="0"/>
-              <a:t>– </a:t>
+              <a:rPr lang="en-US" sz="2000" dirty="0"/>
+              <a:t>Get Updates and Reminders – Notifications for booking confirmations, changes, and upcoming appointments.</a:t>
             </a:r>
+          </a:p>
+          <a:p>
             <a:r>
-              <a:rPr lang="en-US" sz="2000" dirty="0" smtClean="0"/>
-              <a:t>Customers </a:t>
+              <a:rPr lang="en-US" sz="2000" dirty="0"/>
+              <a:t>Share Feedback – Customers can rate and review their experience.</a:t>
             </a:r>
+          </a:p>
+          <a:p>
             <a:r>
-              <a:rPr lang="en-US" sz="2000" dirty="0" smtClean="0"/>
-              <a:t>can book, change, or cancel salon appointments anytime.</a:t>
+              <a:rPr lang="en-US" sz="2000" dirty="0"/>
+              <a:t>Track and Improve – Admin can monitor activity and create reports to improve the platform.</a:t>
             </a:r>
           </a:p>
           <a:p>
-            <a:r>
-              <a:rPr lang="en-US" sz="2000" dirty="0" smtClean="0"/>
-              <a:t>Book </a:t>
-            </a:r>
-            <a:r>
-              <a:rPr lang="en-US" sz="2000" dirty="0" smtClean="0"/>
-              <a:t>Appointments </a:t>
-            </a:r>
-            <a:r>
-              <a:rPr lang="en-US" sz="2000" dirty="0" smtClean="0"/>
-              <a:t>Easily</a:t>
-            </a:r>
-            <a:r>
-              <a:rPr lang="en-US" sz="2000" dirty="0" smtClean="0"/>
-              <a:t> </a:t>
-            </a:r>
-            <a:r>
-              <a:rPr lang="en-US" sz="2000" dirty="0" smtClean="0"/>
-              <a:t>– </a:t>
-            </a:r>
-            <a:r>
-              <a:rPr lang="en-US" sz="2000" dirty="0" smtClean="0"/>
-              <a:t>Customers can book, change, or cancel salon appointments anytime.</a:t>
-            </a:r>
-          </a:p>
-          <a:p>
-            <a:r>
-              <a:rPr lang="en-US" sz="2000" dirty="0" smtClean="0"/>
-              <a:t>Manage </a:t>
-            </a:r>
-            <a:r>
-              <a:rPr lang="en-US" sz="2000" dirty="0" smtClean="0"/>
-              <a:t>Salons </a:t>
-            </a:r>
-            <a:r>
-              <a:rPr lang="en-US" sz="2000" dirty="0" smtClean="0"/>
-              <a:t>and Services </a:t>
-            </a:r>
-            <a:r>
-              <a:rPr lang="en-US" sz="2000" dirty="0" smtClean="0"/>
-              <a:t>– Salons can list their services, staff, and working hours.</a:t>
-            </a:r>
-          </a:p>
-          <a:p>
-            <a:r>
-              <a:rPr lang="en-US" sz="2000" dirty="0" smtClean="0"/>
-              <a:t>Get </a:t>
-            </a:r>
-            <a:r>
-              <a:rPr lang="en-US" sz="2000" dirty="0" smtClean="0"/>
-              <a:t>Updates </a:t>
-            </a:r>
-            <a:r>
-              <a:rPr lang="en-US" sz="2000" dirty="0" smtClean="0"/>
-              <a:t>and Reminders </a:t>
-            </a:r>
-            <a:r>
-              <a:rPr lang="en-US" sz="2000" dirty="0" smtClean="0"/>
-              <a:t>– Notifications for booking confirmations, changes, and upcoming appointments.</a:t>
-            </a:r>
-          </a:p>
-          <a:p>
-            <a:r>
-              <a:rPr lang="en-US" sz="2000" dirty="0" smtClean="0"/>
-              <a:t>Share Feedback </a:t>
-            </a:r>
-            <a:r>
-              <a:rPr lang="en-US" sz="2000" dirty="0" smtClean="0"/>
-              <a:t>– Customers can rate and review their experience.</a:t>
-            </a:r>
-          </a:p>
-          <a:p>
-            <a:r>
-              <a:rPr lang="en-US" sz="2000" dirty="0" smtClean="0"/>
-              <a:t>Track and Improve</a:t>
-            </a:r>
-            <a:r>
-              <a:rPr lang="en-US" sz="2000" dirty="0" smtClean="0"/>
-              <a:t> </a:t>
-            </a:r>
-            <a:r>
-              <a:rPr lang="en-US" sz="2000" dirty="0" smtClean="0"/>
-              <a:t>– </a:t>
-            </a:r>
-            <a:r>
-              <a:rPr lang="en-US" sz="2000" dirty="0" smtClean="0"/>
-              <a:t>Admin can monitor activity and create reports to improve the platform.</a:t>
-            </a:r>
-          </a:p>
-          <a:p>
-            <a:endParaRPr lang="en-US" sz="2000" dirty="0" smtClean="0"/>
+            <a:endParaRPr lang="en-US" sz="2000" dirty="0"/>
           </a:p>
           <a:p>
             <a:pPr>
               <a:buNone/>
             </a:pPr>
-            <a:endParaRPr lang="en-US" sz="2000" dirty="0" smtClean="0"/>
+            <a:endParaRPr lang="en-US" sz="2000" dirty="0"/>
           </a:p>
           <a:p>
             <a:pPr>
               <a:buNone/>
             </a:pPr>
-            <a:endParaRPr lang="en-US" sz="2000" dirty="0" smtClean="0"/>
+            <a:endParaRPr lang="en-US" sz="2000" dirty="0"/>
           </a:p>
         </p:txBody>
       </p:sp>
@@ -27988,7 +27554,7 @@
   <a:extraClrSchemeLst/>
   <a:extLst>
     <a:ext uri="{05A4C25C-085E-4340-85A3-A5531E510DB2}">
-      <thm15:themeFamily xmlns:thm15="http://schemas.microsoft.com/office/thememl/2012/main" xmlns="" name="Office Theme" id="{62F939B6-93AF-4DB8-9C6B-D6C7DFDC589F}" vid="{4A3C46E8-61CC-4603-A589-7422A47A8E4A}"/>
+      <thm15:themeFamily xmlns:thm15="http://schemas.microsoft.com/office/thememl/2012/main" name="Office Theme" id="{62F939B6-93AF-4DB8-9C6B-D6C7DFDC589F}" vid="{4A3C46E8-61CC-4603-A589-7422A47A8E4A}"/>
     </a:ext>
   </a:extLst>
 </a:theme>
